--- a/340.pptx
+++ b/340.pptx
@@ -5,7 +5,7 @@
     <p:sldMasterId id="2147483816" r:id="rId1"/>
   </p:sldMasterIdLst>
   <p:notesMasterIdLst>
-    <p:notesMasterId r:id="rId17"/>
+    <p:notesMasterId r:id="rId18"/>
   </p:notesMasterIdLst>
   <p:sldIdLst>
     <p:sldId id="256" r:id="rId2"/>
@@ -22,7 +22,8 @@
     <p:sldId id="391" r:id="rId13"/>
     <p:sldId id="392" r:id="rId14"/>
     <p:sldId id="380" r:id="rId15"/>
-    <p:sldId id="328" r:id="rId16"/>
+    <p:sldId id="393" r:id="rId16"/>
+    <p:sldId id="328" r:id="rId17"/>
   </p:sldIdLst>
   <p:sldSz cx="9144000" cy="6858000" type="screen4x3"/>
   <p:notesSz cx="6858000" cy="9144000"/>
@@ -733,7 +734,7 @@
               <a:buChar char="-"/>
             </a:pPr>
             <a:r>
-              <a:rPr lang="en-US" b="1" dirty="0" smtClean="0">
+              <a:rPr lang="en-US" b="0" dirty="0" smtClean="0">
                 <a:solidFill>
                   <a:srgbClr val="000000"/>
                 </a:solidFill>
@@ -742,10 +743,10 @@
                 <a:cs typeface="Lucida Grande" charset="0"/>
                 <a:sym typeface="Lucida Grande" charset="0"/>
               </a:rPr>
-              <a:t>almost any UI component can be animated in </a:t>
-            </a:r>
-            <a:r>
-              <a:rPr lang="en-US" b="1" smtClean="0">
+              <a:t>Set</a:t>
+            </a:r>
+            <a:r>
+              <a:rPr lang="en-US" b="0" baseline="0" dirty="0" smtClean="0">
                 <a:solidFill>
                   <a:srgbClr val="000000"/>
                 </a:solidFill>
@@ -754,9 +755,69 @@
                 <a:cs typeface="Lucida Grande" charset="0"/>
                 <a:sym typeface="Lucida Grande" charset="0"/>
               </a:rPr>
-              <a:t>this way</a:t>
-            </a:r>
-            <a:endParaRPr lang="en-US" b="1" dirty="0">
+              <a:t> up 3D transformations in much the same way as 2D</a:t>
+            </a:r>
+          </a:p>
+          <a:p>
+            <a:pPr marL="250825" indent="-171450" eaLnBrk="1" hangingPunct="1">
+              <a:buFontTx/>
+              <a:buChar char="-"/>
+            </a:pPr>
+            <a:r>
+              <a:rPr lang="en-US" b="0" baseline="0" dirty="0" smtClean="0">
+                <a:solidFill>
+                  <a:srgbClr val="000000"/>
+                </a:solidFill>
+                <a:latin typeface="Lucida Grande" charset="0"/>
+                <a:ea typeface="ＭＳ Ｐゴシック" charset="0"/>
+                <a:cs typeface="Lucida Grande" charset="0"/>
+                <a:sym typeface="Lucida Grande" charset="0"/>
+              </a:rPr>
+              <a:t>Repeat and </a:t>
+            </a:r>
+            <a:r>
+              <a:rPr lang="en-US" b="0" baseline="0" dirty="0" err="1" smtClean="0">
+                <a:solidFill>
+                  <a:srgbClr val="000000"/>
+                </a:solidFill>
+                <a:latin typeface="Lucida Grande" charset="0"/>
+                <a:ea typeface="ＭＳ Ｐゴシック" charset="0"/>
+                <a:cs typeface="Lucida Grande" charset="0"/>
+                <a:sym typeface="Lucida Grande" charset="0"/>
+              </a:rPr>
+              <a:t>autoreverse</a:t>
+            </a:r>
+            <a:r>
+              <a:rPr lang="en-US" b="0" baseline="0" dirty="0" smtClean="0">
+                <a:solidFill>
+                  <a:srgbClr val="000000"/>
+                </a:solidFill>
+                <a:latin typeface="Lucida Grande" charset="0"/>
+                <a:ea typeface="ＭＳ Ｐゴシック" charset="0"/>
+                <a:cs typeface="Lucida Grande" charset="0"/>
+                <a:sym typeface="Lucida Grande" charset="0"/>
+              </a:rPr>
+              <a:t> properties for 2D and 3D transforms</a:t>
+            </a:r>
+          </a:p>
+          <a:p>
+            <a:pPr marL="250825" indent="-171450" eaLnBrk="1" hangingPunct="1">
+              <a:buFontTx/>
+              <a:buChar char="-"/>
+            </a:pPr>
+            <a:r>
+              <a:rPr lang="en-US" b="0" baseline="0" dirty="0" smtClean="0">
+                <a:solidFill>
+                  <a:srgbClr val="000000"/>
+                </a:solidFill>
+                <a:latin typeface="Lucida Grande" charset="0"/>
+                <a:ea typeface="ＭＳ Ｐゴシック" charset="0"/>
+                <a:cs typeface="Lucida Grande" charset="0"/>
+                <a:sym typeface="Lucida Grande" charset="0"/>
+              </a:rPr>
+              <a:t>Line 51 represents an access to an actual matrix value (e.g. row 3, column 4)</a:t>
+            </a:r>
+            <a:endParaRPr lang="en-US" b="0" dirty="0">
               <a:solidFill>
                 <a:srgbClr val="000000"/>
               </a:solidFill>
@@ -851,7 +912,100 @@
               <a:buFontTx/>
               <a:buChar char="-"/>
             </a:pPr>
-            <a:endParaRPr lang="en-US" b="1" dirty="0">
+            <a:r>
+              <a:rPr lang="en-US" b="0" dirty="0" err="1" smtClean="0">
+                <a:solidFill>
+                  <a:srgbClr val="000000"/>
+                </a:solidFill>
+                <a:latin typeface="Lucida Grande" charset="0"/>
+                <a:ea typeface="ＭＳ Ｐゴシック" charset="0"/>
+                <a:cs typeface="Lucida Grande" charset="0"/>
+                <a:sym typeface="Lucida Grande" charset="0"/>
+              </a:rPr>
+              <a:t>Animatable</a:t>
+            </a:r>
+            <a:r>
+              <a:rPr lang="en-US" b="0" dirty="0" smtClean="0">
+                <a:solidFill>
+                  <a:srgbClr val="000000"/>
+                </a:solidFill>
+                <a:latin typeface="Lucida Grande" charset="0"/>
+                <a:ea typeface="ＭＳ Ｐゴシック" charset="0"/>
+                <a:cs typeface="Lucida Grande" charset="0"/>
+                <a:sym typeface="Lucida Grande" charset="0"/>
+              </a:rPr>
+              <a:t> property</a:t>
+            </a:r>
+          </a:p>
+          <a:p>
+            <a:pPr marL="250825" indent="-171450" eaLnBrk="1" hangingPunct="1">
+              <a:buFontTx/>
+              <a:buChar char="-"/>
+            </a:pPr>
+            <a:r>
+              <a:rPr lang="en-US" b="0" dirty="0" smtClean="0">
+                <a:solidFill>
+                  <a:srgbClr val="000000"/>
+                </a:solidFill>
+                <a:latin typeface="Lucida Grande" charset="0"/>
+                <a:ea typeface="ＭＳ Ｐゴシック" charset="0"/>
+                <a:cs typeface="Lucida Grande" charset="0"/>
+                <a:sym typeface="Lucida Grande" charset="0"/>
+              </a:rPr>
+              <a:t>Has</a:t>
+            </a:r>
+            <a:r>
+              <a:rPr lang="en-US" b="0" baseline="0" dirty="0" smtClean="0">
+                <a:solidFill>
+                  <a:srgbClr val="000000"/>
+                </a:solidFill>
+                <a:latin typeface="Lucida Grande" charset="0"/>
+                <a:ea typeface="ＭＳ Ｐゴシック" charset="0"/>
+                <a:cs typeface="Lucida Grande" charset="0"/>
+                <a:sym typeface="Lucida Grande" charset="0"/>
+              </a:rPr>
+              <a:t> typical use scenarios – indicating a disabled or unavailable state</a:t>
+            </a:r>
+          </a:p>
+          <a:p>
+            <a:pPr marL="250825" indent="-171450" eaLnBrk="1" hangingPunct="1">
+              <a:buFontTx/>
+              <a:buChar char="-"/>
+            </a:pPr>
+            <a:endParaRPr lang="en-US" b="0" baseline="0" dirty="0" smtClean="0">
+              <a:solidFill>
+                <a:srgbClr val="000000"/>
+              </a:solidFill>
+              <a:latin typeface="Lucida Grande" charset="0"/>
+              <a:ea typeface="ＭＳ Ｐゴシック" charset="0"/>
+              <a:cs typeface="Lucida Grande" charset="0"/>
+              <a:sym typeface="Lucida Grande" charset="0"/>
+            </a:endParaRPr>
+          </a:p>
+          <a:p>
+            <a:pPr marL="79375" indent="0" eaLnBrk="1" hangingPunct="1">
+              <a:buFontTx/>
+              <a:buNone/>
+            </a:pPr>
+            <a:r>
+              <a:rPr lang="en-US" b="0" baseline="0" dirty="0" smtClean="0">
+                <a:solidFill>
+                  <a:srgbClr val="000000"/>
+                </a:solidFill>
+                <a:latin typeface="Lucida Grande" charset="0"/>
+                <a:ea typeface="ＭＳ Ｐゴシック" charset="0"/>
+                <a:cs typeface="Lucida Grande" charset="0"/>
+                <a:sym typeface="Lucida Grande" charset="0"/>
+              </a:rPr>
+              <a:t>Demo is just write a basic app from scratch</a:t>
+            </a:r>
+          </a:p>
+          <a:p>
+            <a:pPr marL="79375" indent="0" eaLnBrk="1" hangingPunct="1">
+              <a:buFontTx/>
+              <a:buNone/>
+            </a:pPr>
+            <a:endParaRPr lang="en-US" b="0" dirty="0">
               <a:solidFill>
                 <a:srgbClr val="000000"/>
               </a:solidFill>
@@ -946,7 +1100,118 @@
               <a:buFontTx/>
               <a:buChar char="-"/>
             </a:pPr>
-            <a:endParaRPr lang="en-US" b="1" dirty="0">
+            <a:r>
+              <a:rPr lang="en-US" b="0" dirty="0" smtClean="0">
+                <a:solidFill>
+                  <a:srgbClr val="000000"/>
+                </a:solidFill>
+                <a:latin typeface="Lucida Grande" charset="0"/>
+                <a:ea typeface="ＭＳ Ｐゴシック" charset="0"/>
+                <a:cs typeface="Lucida Grande" charset="0"/>
+                <a:sym typeface="Lucida Grande" charset="0"/>
+              </a:rPr>
+              <a:t>Demo: </a:t>
+            </a:r>
+            <a:r>
+              <a:rPr lang="en-US" b="0" dirty="0" err="1" smtClean="0">
+                <a:solidFill>
+                  <a:srgbClr val="000000"/>
+                </a:solidFill>
+                <a:latin typeface="Lucida Grande" charset="0"/>
+                <a:ea typeface="ＭＳ Ｐゴシック" charset="0"/>
+                <a:cs typeface="Lucida Grande" charset="0"/>
+                <a:sym typeface="Lucida Grande" charset="0"/>
+              </a:rPr>
+              <a:t>KitchenSInk</a:t>
+            </a:r>
+            <a:r>
+              <a:rPr lang="en-US" b="0" dirty="0" smtClean="0">
+                <a:solidFill>
+                  <a:srgbClr val="000000"/>
+                </a:solidFill>
+                <a:latin typeface="Lucida Grande" charset="0"/>
+                <a:ea typeface="ＭＳ Ｐゴシック" charset="0"/>
+                <a:cs typeface="Lucida Grande" charset="0"/>
+                <a:sym typeface="Lucida Grande" charset="0"/>
+              </a:rPr>
+              <a:t> = opening screen</a:t>
+            </a:r>
+          </a:p>
+          <a:p>
+            <a:pPr marL="250825" indent="-171450" eaLnBrk="1" hangingPunct="1">
+              <a:buFontTx/>
+              <a:buChar char="-"/>
+            </a:pPr>
+            <a:r>
+              <a:rPr lang="en-US" b="0" dirty="0" smtClean="0">
+                <a:solidFill>
+                  <a:srgbClr val="000000"/>
+                </a:solidFill>
+                <a:latin typeface="Lucida Grande" charset="0"/>
+                <a:ea typeface="ＭＳ Ｐゴシック" charset="0"/>
+                <a:cs typeface="Lucida Grande" charset="0"/>
+                <a:sym typeface="Lucida Grande" charset="0"/>
+              </a:rPr>
+              <a:t>Basic tab &gt; Transitions</a:t>
+            </a:r>
+          </a:p>
+          <a:p>
+            <a:pPr marL="250825" indent="-171450" eaLnBrk="1" hangingPunct="1">
+              <a:buFontTx/>
+              <a:buChar char="-"/>
+            </a:pPr>
+            <a:r>
+              <a:rPr lang="en-US" b="0" dirty="0" smtClean="0">
+                <a:solidFill>
+                  <a:srgbClr val="000000"/>
+                </a:solidFill>
+                <a:latin typeface="Lucida Grande" charset="0"/>
+                <a:ea typeface="ＭＳ Ｐゴシック" charset="0"/>
+                <a:cs typeface="Lucida Grande" charset="0"/>
+                <a:sym typeface="Lucida Grande" charset="0"/>
+              </a:rPr>
+              <a:t>File is </a:t>
+            </a:r>
+            <a:r>
+              <a:rPr lang="en-US" b="1" dirty="0" err="1" smtClean="0">
+                <a:solidFill>
+                  <a:srgbClr val="000000"/>
+                </a:solidFill>
+                <a:latin typeface="Lucida Grande" charset="0"/>
+                <a:ea typeface="ＭＳ Ｐゴシック" charset="0"/>
+                <a:cs typeface="Lucida Grande" charset="0"/>
+                <a:sym typeface="Lucida Grande" charset="0"/>
+              </a:rPr>
+              <a:t>transitions.js</a:t>
+            </a:r>
+            <a:endParaRPr lang="en-US" b="1" dirty="0" smtClean="0">
+              <a:solidFill>
+                <a:srgbClr val="000000"/>
+              </a:solidFill>
+              <a:latin typeface="Lucida Grande" charset="0"/>
+              <a:ea typeface="ＭＳ Ｐゴシック" charset="0"/>
+              <a:cs typeface="Lucida Grande" charset="0"/>
+              <a:sym typeface="Lucida Grande" charset="0"/>
+            </a:endParaRPr>
+          </a:p>
+          <a:p>
+            <a:pPr marL="250825" indent="-171450" eaLnBrk="1" hangingPunct="1">
+              <a:buFontTx/>
+              <a:buChar char="-"/>
+            </a:pPr>
+            <a:r>
+              <a:rPr lang="en-US" b="0" dirty="0" smtClean="0">
+                <a:solidFill>
+                  <a:srgbClr val="000000"/>
+                </a:solidFill>
+                <a:latin typeface="Lucida Grande" charset="0"/>
+                <a:ea typeface="ＭＳ Ｐゴシック" charset="0"/>
+                <a:cs typeface="Lucida Grande" charset="0"/>
+                <a:sym typeface="Lucida Grande" charset="0"/>
+              </a:rPr>
+              <a:t>~line 110 transition property in animate()</a:t>
+            </a:r>
+            <a:endParaRPr lang="en-US" b="0" dirty="0">
               <a:solidFill>
                 <a:srgbClr val="000000"/>
               </a:solidFill>
@@ -1041,7 +1306,85 @@
               <a:buFontTx/>
               <a:buChar char="-"/>
             </a:pPr>
-            <a:endParaRPr lang="en-US" b="1" dirty="0">
+            <a:r>
+              <a:rPr lang="en-US" b="0" dirty="0" smtClean="0">
+                <a:solidFill>
+                  <a:srgbClr val="000000"/>
+                </a:solidFill>
+                <a:latin typeface="Lucida Grande" charset="0"/>
+                <a:ea typeface="ＭＳ Ｐゴシック" charset="0"/>
+                <a:cs typeface="Lucida Grande" charset="0"/>
+                <a:sym typeface="Lucida Grande" charset="0"/>
+              </a:rPr>
+              <a:t>Demo</a:t>
+            </a:r>
+            <a:r>
+              <a:rPr lang="en-US" b="0" baseline="0" dirty="0" smtClean="0">
+                <a:solidFill>
+                  <a:srgbClr val="000000"/>
+                </a:solidFill>
+                <a:latin typeface="Lucida Grande" charset="0"/>
+                <a:ea typeface="ＭＳ Ｐゴシック" charset="0"/>
+                <a:cs typeface="Lucida Grande" charset="0"/>
+                <a:sym typeface="Lucida Grande" charset="0"/>
+              </a:rPr>
+              <a:t> A: </a:t>
+            </a:r>
+            <a:r>
+              <a:rPr lang="en-US" b="0" baseline="0" dirty="0" err="1" smtClean="0">
+                <a:solidFill>
+                  <a:srgbClr val="000000"/>
+                </a:solidFill>
+                <a:latin typeface="Lucida Grande" charset="0"/>
+                <a:ea typeface="ＭＳ Ｐゴシック" charset="0"/>
+                <a:cs typeface="Lucida Grande" charset="0"/>
+                <a:sym typeface="Lucida Grande" charset="0"/>
+              </a:rPr>
+              <a:t>KitchenSink</a:t>
+            </a:r>
+            <a:r>
+              <a:rPr lang="en-US" b="0" baseline="0" dirty="0" smtClean="0">
+                <a:solidFill>
+                  <a:srgbClr val="000000"/>
+                </a:solidFill>
+                <a:latin typeface="Lucida Grande" charset="0"/>
+                <a:ea typeface="ＭＳ Ｐゴシック" charset="0"/>
+                <a:cs typeface="Lucida Grande" charset="0"/>
+                <a:sym typeface="Lucida Grande" charset="0"/>
+              </a:rPr>
+              <a:t> – Base UI tab, Animations &gt; Basic</a:t>
+            </a:r>
+          </a:p>
+          <a:p>
+            <a:pPr marL="708025" lvl="1" indent="-171450" eaLnBrk="1" hangingPunct="1">
+              <a:buFontTx/>
+              <a:buChar char="-"/>
+            </a:pPr>
+            <a:r>
+              <a:rPr lang="en-US" b="0" baseline="0" dirty="0" smtClean="0">
+                <a:solidFill>
+                  <a:srgbClr val="000000"/>
+                </a:solidFill>
+                <a:latin typeface="Lucida Grande" charset="0"/>
+                <a:ea typeface="ＭＳ Ｐゴシック" charset="0"/>
+                <a:cs typeface="Lucida Grande" charset="0"/>
+                <a:sym typeface="Lucida Grande" charset="0"/>
+              </a:rPr>
+              <a:t>file is: </a:t>
+            </a:r>
+            <a:r>
+              <a:rPr lang="en-US" b="0" baseline="0" dirty="0" err="1" smtClean="0">
+                <a:solidFill>
+                  <a:srgbClr val="000000"/>
+                </a:solidFill>
+                <a:latin typeface="Lucida Grande" charset="0"/>
+                <a:ea typeface="ＭＳ Ｐゴシック" charset="0"/>
+                <a:cs typeface="Lucida Grande" charset="0"/>
+                <a:sym typeface="Lucida Grande" charset="0"/>
+              </a:rPr>
+              <a:t>basic_animation.js</a:t>
+            </a:r>
+            <a:endParaRPr lang="en-US" b="0" baseline="0" dirty="0" smtClean="0">
               <a:solidFill>
                 <a:srgbClr val="000000"/>
               </a:solidFill>
@@ -1050,6 +1393,84 @@
               <a:cs typeface="Lucida Grande" charset="0"/>
               <a:sym typeface="Lucida Grande" charset="0"/>
             </a:endParaRPr>
+          </a:p>
+          <a:p>
+            <a:pPr marL="250825" lvl="0" indent="-171450" eaLnBrk="1" hangingPunct="1">
+              <a:buFontTx/>
+              <a:buChar char="-"/>
+            </a:pPr>
+            <a:r>
+              <a:rPr lang="en-US" b="0" baseline="0" dirty="0" smtClean="0">
+                <a:solidFill>
+                  <a:srgbClr val="000000"/>
+                </a:solidFill>
+                <a:latin typeface="Lucida Grande" charset="0"/>
+                <a:ea typeface="ＭＳ Ｐゴシック" charset="0"/>
+                <a:cs typeface="Lucida Grande" charset="0"/>
+                <a:sym typeface="Lucida Grande" charset="0"/>
+              </a:rPr>
+              <a:t>Demo B: show the </a:t>
+            </a:r>
+            <a:r>
+              <a:rPr lang="en-US" b="0" baseline="0" dirty="0" err="1" smtClean="0">
+                <a:solidFill>
+                  <a:srgbClr val="000000"/>
+                </a:solidFill>
+                <a:latin typeface="Lucida Grande" charset="0"/>
+                <a:ea typeface="ＭＳ Ｐゴシック" charset="0"/>
+                <a:cs typeface="Lucida Grande" charset="0"/>
+                <a:sym typeface="Lucida Grande" charset="0"/>
+              </a:rPr>
+              <a:t>touchmove</a:t>
+            </a:r>
+            <a:r>
+              <a:rPr lang="en-US" b="0" baseline="0" dirty="0" smtClean="0">
+                <a:solidFill>
+                  <a:srgbClr val="000000"/>
+                </a:solidFill>
+                <a:latin typeface="Lucida Grande" charset="0"/>
+                <a:ea typeface="ＭＳ Ｐゴシック" charset="0"/>
+                <a:cs typeface="Lucida Grande" charset="0"/>
+                <a:sym typeface="Lucida Grande" charset="0"/>
+              </a:rPr>
+              <a:t> event listener</a:t>
+            </a:r>
+          </a:p>
+          <a:p>
+            <a:pPr marL="250825" lvl="0" indent="-171450" eaLnBrk="1" hangingPunct="1">
+              <a:buFontTx/>
+              <a:buChar char="-"/>
+            </a:pPr>
+            <a:r>
+              <a:rPr lang="en-US" b="0" baseline="0" dirty="0" smtClean="0">
+                <a:solidFill>
+                  <a:srgbClr val="000000"/>
+                </a:solidFill>
+                <a:latin typeface="Lucida Grande" charset="0"/>
+                <a:ea typeface="ＭＳ Ｐゴシック" charset="0"/>
+                <a:cs typeface="Lucida Grande" charset="0"/>
+                <a:sym typeface="Lucida Grande" charset="0"/>
+              </a:rPr>
+              <a:t>drop part would be the callback function: you’d determine the x/y and bounds of the dragged object, if it were in the right spot per your app’s UI, then you’d take the appropriate actions</a:t>
+            </a:r>
+          </a:p>
+          <a:p>
+            <a:pPr marL="250825" lvl="0" indent="-171450" eaLnBrk="1" hangingPunct="1">
+              <a:buFontTx/>
+              <a:buChar char="-"/>
+            </a:pPr>
+            <a:r>
+              <a:rPr lang="en-US" b="0" baseline="0" dirty="0" smtClean="0">
+                <a:solidFill>
+                  <a:srgbClr val="000000"/>
+                </a:solidFill>
+                <a:latin typeface="Lucida Grande" charset="0"/>
+                <a:ea typeface="ＭＳ Ｐゴシック" charset="0"/>
+                <a:cs typeface="Lucida Grande" charset="0"/>
+                <a:sym typeface="Lucida Grande" charset="0"/>
+              </a:rPr>
+              <a:t>Drag &amp; drop is not an automated / built-in function. You have to manually build that functionality</a:t>
+            </a:r>
           </a:p>
         </p:txBody>
       </p:sp>
@@ -1176,6 +1597,101 @@
       </p:grpSpPr>
       <p:sp>
         <p:nvSpPr>
+          <p:cNvPr id="13313" name="Rectangle 1"/>
+          <p:cNvSpPr>
+            <a:spLocks noGrp="1" noRot="1" noChangeAspect="1" noChangeArrowheads="1"/>
+          </p:cNvSpPr>
+          <p:nvPr>
+            <p:ph type="sldImg"/>
+          </p:nvPr>
+        </p:nvSpPr>
+        <p:spPr>
+          <a:solidFill>
+            <a:srgbClr val="FFFFFF"/>
+          </a:solidFill>
+          <a:ln/>
+        </p:spPr>
+      </p:sp>
+      <p:sp>
+        <p:nvSpPr>
+          <p:cNvPr id="13314" name="Rectangle 2"/>
+          <p:cNvSpPr>
+            <a:spLocks noGrp="1" noChangeArrowheads="1"/>
+          </p:cNvSpPr>
+          <p:nvPr>
+            <p:ph type="body" idx="1"/>
+          </p:nvPr>
+        </p:nvSpPr>
+        <p:spPr>
+          <a:noFill/>
+          <a:ln/>
+          <a:extLst>
+            <a:ext uri="{909E8E84-426E-40dd-AFC4-6F175D3DCCD1}">
+              <a14:hiddenFill xmlns:a14="http://schemas.microsoft.com/office/drawing/2010/main">
+                <a:solidFill>
+                  <a:srgbClr val="FFFFFF"/>
+                </a:solidFill>
+              </a14:hiddenFill>
+            </a:ext>
+            <a:ext uri="{91240B29-F687-4f45-9708-019B960494DF}">
+              <a14:hiddenLine xmlns:a14="http://schemas.microsoft.com/office/drawing/2010/main" w="9525">
+                <a:solidFill>
+                  <a:srgbClr val="000000"/>
+                </a:solidFill>
+                <a:miter lim="800000"/>
+                <a:headEnd/>
+                <a:tailEnd/>
+              </a14:hiddenLine>
+            </a:ext>
+          </a:extLst>
+        </p:spPr>
+        <p:txBody>
+          <a:bodyPr/>
+          <a:lstStyle/>
+          <a:p>
+            <a:pPr marL="250825" indent="-171450" eaLnBrk="1" hangingPunct="1">
+              <a:buFontTx/>
+              <a:buChar char="-"/>
+            </a:pPr>
+            <a:endParaRPr lang="en-US" b="0" baseline="0" dirty="0" smtClean="0">
+              <a:solidFill>
+                <a:srgbClr val="000000"/>
+              </a:solidFill>
+              <a:latin typeface="Lucida Grande" charset="0"/>
+              <a:ea typeface="ＭＳ Ｐゴシック" charset="0"/>
+              <a:cs typeface="Lucida Grande" charset="0"/>
+              <a:sym typeface="Lucida Grande" charset="0"/>
+            </a:endParaRPr>
+          </a:p>
+        </p:txBody>
+      </p:sp>
+    </p:spTree>
+  </p:cSld>
+  <p:clrMapOvr>
+    <a:masterClrMapping/>
+  </p:clrMapOvr>
+</p:notes>
+</file>
+
+<file path=ppt/notesSlides/notesSlide16.xml><?xml version="1.0" encoding="utf-8"?>
+<p:notes xmlns:a="http://schemas.openxmlformats.org/drawingml/2006/main" xmlns:r="http://schemas.openxmlformats.org/officeDocument/2006/relationships" xmlns:p="http://schemas.openxmlformats.org/presentationml/2006/main">
+  <p:cSld>
+    <p:spTree>
+      <p:nvGrpSpPr>
+        <p:cNvPr id="1" name=""/>
+        <p:cNvGrpSpPr/>
+        <p:nvPr/>
+      </p:nvGrpSpPr>
+      <p:grpSpPr>
+        <a:xfrm>
+          <a:off x="0" y="0"/>
+          <a:ext cx="0" cy="0"/>
+          <a:chOff x="0" y="0"/>
+          <a:chExt cx="0" cy="0"/>
+        </a:xfrm>
+      </p:grpSpPr>
+      <p:sp>
+        <p:nvSpPr>
           <p:cNvPr id="17409" name="Rectangle 1"/>
           <p:cNvSpPr>
             <a:spLocks noGrp="1" noRot="1" noChangeAspect="1" noChangeArrowheads="1"/>
@@ -1258,7 +1774,7 @@
               <a:t> our tab view component to animate the </a:t>
             </a:r>
             <a:r>
-              <a:rPr lang="en-US" baseline="0" dirty="0" err="1" smtClean="0">
+              <a:rPr lang="en-US" baseline="0" dirty="0" smtClean="0">
                 <a:solidFill>
                   <a:srgbClr val="000000"/>
                 </a:solidFill>
@@ -1267,7 +1783,7 @@
                 <a:cs typeface="Times New Roman" charset="0"/>
                 <a:sym typeface="Times New Roman" charset="0"/>
               </a:rPr>
-              <a:t>tranisition</a:t>
+              <a:t>transition </a:t>
             </a:r>
             <a:r>
               <a:rPr lang="en-US" baseline="0" dirty="0" smtClean="0">
@@ -1279,19 +1795,7 @@
                 <a:cs typeface="Times New Roman" charset="0"/>
                 <a:sym typeface="Times New Roman" charset="0"/>
               </a:rPr>
-              <a:t> between two tabs, sliding back </a:t>
-            </a:r>
-            <a:r>
-              <a:rPr lang="en-US" baseline="0" smtClean="0">
-                <a:solidFill>
-                  <a:srgbClr val="000000"/>
-                </a:solidFill>
-                <a:latin typeface="Times New Roman" charset="0"/>
-                <a:ea typeface="ＭＳ Ｐゴシック" charset="0"/>
-                <a:cs typeface="Times New Roman" charset="0"/>
-                <a:sym typeface="Times New Roman" charset="0"/>
-              </a:rPr>
-              <a:t>and forth.</a:t>
+              <a:t>between two tabs, sliding back and forth.</a:t>
             </a:r>
             <a:endParaRPr lang="en-US" dirty="0">
               <a:solidFill>
@@ -1476,11 +1980,11 @@
           <a:bodyPr/>
           <a:lstStyle/>
           <a:p>
-            <a:pPr marL="250825" indent="-171450" eaLnBrk="1" hangingPunct="1">
+            <a:pPr marL="79375" indent="0" eaLnBrk="1" hangingPunct="1">
               <a:buFontTx/>
-              <a:buChar char="-"/>
+              <a:buNone/>
             </a:pPr>
-            <a:endParaRPr lang="en-US" b="1" dirty="0">
+            <a:endParaRPr lang="en-US" b="0" dirty="0">
               <a:solidFill>
                 <a:srgbClr val="000000"/>
               </a:solidFill>
@@ -1576,7 +2080,7 @@
               <a:buChar char="-"/>
             </a:pPr>
             <a:r>
-              <a:rPr lang="en-US" b="1" dirty="0" smtClean="0">
+              <a:rPr lang="en-US" b="0" dirty="0" smtClean="0">
                 <a:solidFill>
                   <a:srgbClr val="000000"/>
                 </a:solidFill>
@@ -1585,9 +2089,114 @@
                 <a:cs typeface="Lucida Grande" charset="0"/>
                 <a:sym typeface="Lucida Grande" charset="0"/>
               </a:rPr>
-              <a:t>almost any UI component can be animated in this way</a:t>
-            </a:r>
-            <a:endParaRPr lang="en-US" b="1" dirty="0">
+              <a:t>almost any UI component can be animated in this </a:t>
+            </a:r>
+            <a:r>
+              <a:rPr lang="en-US" b="0" dirty="0" smtClean="0">
+                <a:solidFill>
+                  <a:srgbClr val="000000"/>
+                </a:solidFill>
+                <a:latin typeface="Lucida Grande" charset="0"/>
+                <a:ea typeface="ＭＳ Ｐゴシック" charset="0"/>
+                <a:cs typeface="Lucida Grande" charset="0"/>
+                <a:sym typeface="Lucida Grande" charset="0"/>
+              </a:rPr>
+              <a:t>way</a:t>
+            </a:r>
+          </a:p>
+          <a:p>
+            <a:pPr marL="250825" indent="-171450" eaLnBrk="1" hangingPunct="1">
+              <a:buFontTx/>
+              <a:buChar char="-"/>
+            </a:pPr>
+            <a:r>
+              <a:rPr lang="en-US" b="0" dirty="0" smtClean="0">
+                <a:solidFill>
+                  <a:srgbClr val="000000"/>
+                </a:solidFill>
+                <a:latin typeface="Lucida Grande" charset="0"/>
+                <a:ea typeface="ＭＳ Ｐゴシック" charset="0"/>
+                <a:cs typeface="Lucida Grande" charset="0"/>
+                <a:sym typeface="Lucida Grande" charset="0"/>
+              </a:rPr>
+              <a:t>You</a:t>
+            </a:r>
+            <a:r>
+              <a:rPr lang="en-US" b="0" baseline="0" dirty="0" smtClean="0">
+                <a:solidFill>
+                  <a:srgbClr val="000000"/>
+                </a:solidFill>
+                <a:latin typeface="Lucida Grande" charset="0"/>
+                <a:ea typeface="ＭＳ Ｐゴシック" charset="0"/>
+                <a:cs typeface="Lucida Grande" charset="0"/>
+                <a:sym typeface="Lucida Grande" charset="0"/>
+              </a:rPr>
+              <a:t> can animate most of the properties of Ti objects</a:t>
+            </a:r>
+            <a:endParaRPr lang="en-US" b="0" dirty="0" smtClean="0">
+              <a:solidFill>
+                <a:srgbClr val="000000"/>
+              </a:solidFill>
+              <a:latin typeface="Lucida Grande" charset="0"/>
+              <a:ea typeface="ＭＳ Ｐゴシック" charset="0"/>
+              <a:cs typeface="Lucida Grande" charset="0"/>
+              <a:sym typeface="Lucida Grande" charset="0"/>
+            </a:endParaRPr>
+          </a:p>
+          <a:p>
+            <a:pPr marL="250825" indent="-171450" eaLnBrk="1" hangingPunct="1">
+              <a:buFontTx/>
+              <a:buChar char="-"/>
+            </a:pPr>
+            <a:r>
+              <a:rPr lang="en-US" b="0" dirty="0" smtClean="0">
+                <a:solidFill>
+                  <a:srgbClr val="000000"/>
+                </a:solidFill>
+                <a:latin typeface="Lucida Grande" charset="0"/>
+                <a:ea typeface="ＭＳ Ｐゴシック" charset="0"/>
+                <a:cs typeface="Lucida Grande" charset="0"/>
+                <a:sym typeface="Lucida Grande" charset="0"/>
+              </a:rPr>
+              <a:t>These basic animations modeled</a:t>
+            </a:r>
+            <a:r>
+              <a:rPr lang="en-US" b="0" baseline="0" dirty="0" smtClean="0">
+                <a:solidFill>
+                  <a:srgbClr val="000000"/>
+                </a:solidFill>
+                <a:latin typeface="Lucida Grande" charset="0"/>
+                <a:ea typeface="ＭＳ Ｐゴシック" charset="0"/>
+                <a:cs typeface="Lucida Grande" charset="0"/>
+                <a:sym typeface="Lucida Grande" charset="0"/>
+              </a:rPr>
+              <a:t> loosely on the way </a:t>
+            </a:r>
+            <a:r>
+              <a:rPr lang="en-US" b="0" baseline="0" dirty="0" err="1" smtClean="0">
+                <a:solidFill>
+                  <a:srgbClr val="000000"/>
+                </a:solidFill>
+                <a:latin typeface="Lucida Grande" charset="0"/>
+                <a:ea typeface="ＭＳ Ｐゴシック" charset="0"/>
+                <a:cs typeface="Lucida Grande" charset="0"/>
+                <a:sym typeface="Lucida Grande" charset="0"/>
+              </a:rPr>
+              <a:t>jQuery</a:t>
+            </a:r>
+            <a:r>
+              <a:rPr lang="en-US" b="0" baseline="0" dirty="0" smtClean="0">
+                <a:solidFill>
+                  <a:srgbClr val="000000"/>
+                </a:solidFill>
+                <a:latin typeface="Lucida Grande" charset="0"/>
+                <a:ea typeface="ＭＳ Ｐゴシック" charset="0"/>
+                <a:cs typeface="Lucida Grande" charset="0"/>
+                <a:sym typeface="Lucida Grande" charset="0"/>
+              </a:rPr>
+              <a:t> does animations</a:t>
+            </a:r>
+            <a:endParaRPr lang="en-US" b="0" dirty="0">
               <a:solidFill>
                 <a:srgbClr val="000000"/>
               </a:solidFill>
@@ -1692,10 +2301,10 @@
                 <a:cs typeface="Lucida Grande" charset="0"/>
                 <a:sym typeface="Lucida Grande" charset="0"/>
               </a:rPr>
-              <a:t>almost any UI component can be animated in </a:t>
-            </a:r>
-            <a:r>
-              <a:rPr lang="en-US" b="1" smtClean="0">
+              <a:t>Can’t animate</a:t>
+            </a:r>
+            <a:r>
+              <a:rPr lang="en-US" b="1" baseline="0" dirty="0" smtClean="0">
                 <a:solidFill>
                   <a:srgbClr val="000000"/>
                 </a:solidFill>
@@ -1704,7 +2313,7 @@
                 <a:cs typeface="Lucida Grande" charset="0"/>
                 <a:sym typeface="Lucida Grande" charset="0"/>
               </a:rPr>
-              <a:t>this way</a:t>
+              <a:t> background colors on Android</a:t>
             </a:r>
             <a:endParaRPr lang="en-US" b="1" dirty="0">
               <a:solidFill>
@@ -1802,7 +2411,7 @@
               <a:buChar char="-"/>
             </a:pPr>
             <a:r>
-              <a:rPr lang="en-US" b="1" dirty="0" smtClean="0">
+              <a:rPr lang="en-US" b="0" dirty="0" smtClean="0">
                 <a:solidFill>
                   <a:srgbClr val="000000"/>
                 </a:solidFill>
@@ -1811,10 +2420,10 @@
                 <a:cs typeface="Lucida Grande" charset="0"/>
                 <a:sym typeface="Lucida Grande" charset="0"/>
               </a:rPr>
-              <a:t>almost any UI component can be animated in </a:t>
-            </a:r>
-            <a:r>
-              <a:rPr lang="en-US" b="1" smtClean="0">
+              <a:t>Matrix</a:t>
+            </a:r>
+            <a:r>
+              <a:rPr lang="en-US" b="0" baseline="0" dirty="0" smtClean="0">
                 <a:solidFill>
                   <a:srgbClr val="000000"/>
                 </a:solidFill>
@@ -1823,9 +2432,45 @@
                 <a:cs typeface="Lucida Grande" charset="0"/>
                 <a:sym typeface="Lucida Grande" charset="0"/>
               </a:rPr>
-              <a:t>this way</a:t>
-            </a:r>
-            <a:endParaRPr lang="en-US" b="1" dirty="0">
+              <a:t> animations are for more complex animations</a:t>
+            </a:r>
+          </a:p>
+          <a:p>
+            <a:pPr marL="250825" indent="-171450" eaLnBrk="1" hangingPunct="1">
+              <a:buFontTx/>
+              <a:buChar char="-"/>
+            </a:pPr>
+            <a:r>
+              <a:rPr lang="en-US" b="0" baseline="0" dirty="0" smtClean="0">
+                <a:solidFill>
+                  <a:srgbClr val="000000"/>
+                </a:solidFill>
+                <a:latin typeface="Lucida Grande" charset="0"/>
+                <a:ea typeface="ＭＳ Ｐゴシック" charset="0"/>
+                <a:cs typeface="Lucida Grande" charset="0"/>
+                <a:sym typeface="Lucida Grande" charset="0"/>
+              </a:rPr>
+              <a:t>A matrix is a grid of values representing the properties of an object</a:t>
+            </a:r>
+          </a:p>
+          <a:p>
+            <a:pPr marL="250825" indent="-171450" eaLnBrk="1" hangingPunct="1">
+              <a:buFontTx/>
+              <a:buChar char="-"/>
+            </a:pPr>
+            <a:r>
+              <a:rPr lang="en-US" b="0" baseline="0" dirty="0" smtClean="0">
+                <a:solidFill>
+                  <a:srgbClr val="000000"/>
+                </a:solidFill>
+                <a:latin typeface="Lucida Grande" charset="0"/>
+                <a:ea typeface="ＭＳ Ｐゴシック" charset="0"/>
+                <a:cs typeface="Lucida Grande" charset="0"/>
+                <a:sym typeface="Lucida Grande" charset="0"/>
+              </a:rPr>
+              <a:t>You then transform starting to ending values of that matrix to animate the object</a:t>
+            </a:r>
+            <a:endParaRPr lang="en-US" b="0" dirty="0">
               <a:solidFill>
                 <a:srgbClr val="000000"/>
               </a:solidFill>
@@ -1921,7 +2566,7 @@
               <a:buChar char="-"/>
             </a:pPr>
             <a:r>
-              <a:rPr lang="en-US" b="1" dirty="0" smtClean="0">
+              <a:rPr lang="en-US" b="0" dirty="0" smtClean="0">
                 <a:solidFill>
                   <a:srgbClr val="000000"/>
                 </a:solidFill>
@@ -1930,10 +2575,10 @@
                 <a:cs typeface="Lucida Grande" charset="0"/>
                 <a:sym typeface="Lucida Grande" charset="0"/>
               </a:rPr>
-              <a:t>almost any UI component can be animated in </a:t>
-            </a:r>
-            <a:r>
-              <a:rPr lang="en-US" b="1" smtClean="0">
+              <a:t>You</a:t>
+            </a:r>
+            <a:r>
+              <a:rPr lang="en-US" b="0" baseline="0" dirty="0" smtClean="0">
                 <a:solidFill>
                   <a:srgbClr val="000000"/>
                 </a:solidFill>
@@ -1942,9 +2587,9 @@
                 <a:cs typeface="Lucida Grande" charset="0"/>
                 <a:sym typeface="Lucida Grande" charset="0"/>
               </a:rPr>
-              <a:t>this way</a:t>
-            </a:r>
-            <a:endParaRPr lang="en-US" b="1" dirty="0">
+              <a:t> can combine these transformations</a:t>
+            </a:r>
+            <a:endParaRPr lang="en-US" b="0" dirty="0">
               <a:solidFill>
                 <a:srgbClr val="000000"/>
               </a:solidFill>
@@ -2040,7 +2685,7 @@
               <a:buChar char="-"/>
             </a:pPr>
             <a:r>
-              <a:rPr lang="en-US" b="1" dirty="0" smtClean="0">
+              <a:rPr lang="en-US" b="0" dirty="0" smtClean="0">
                 <a:solidFill>
                   <a:srgbClr val="000000"/>
                 </a:solidFill>
@@ -2049,10 +2694,10 @@
                 <a:cs typeface="Lucida Grande" charset="0"/>
                 <a:sym typeface="Lucida Grande" charset="0"/>
               </a:rPr>
-              <a:t>almost any UI component can be animated in </a:t>
-            </a:r>
-            <a:r>
-              <a:rPr lang="en-US" b="1" smtClean="0">
+              <a:t>We</a:t>
+            </a:r>
+            <a:r>
+              <a:rPr lang="en-US" b="0" baseline="0" dirty="0" smtClean="0">
                 <a:solidFill>
                   <a:srgbClr val="000000"/>
                 </a:solidFill>
@@ -2061,9 +2706,27 @@
                 <a:cs typeface="Lucida Grande" charset="0"/>
                 <a:sym typeface="Lucida Grande" charset="0"/>
               </a:rPr>
-              <a:t>this way</a:t>
-            </a:r>
-            <a:endParaRPr lang="en-US" b="1" dirty="0">
+              <a:t> don’t have to worry about the matrix math</a:t>
+            </a:r>
+          </a:p>
+          <a:p>
+            <a:pPr marL="250825" indent="-171450" eaLnBrk="1" hangingPunct="1">
+              <a:buFontTx/>
+              <a:buChar char="-"/>
+            </a:pPr>
+            <a:r>
+              <a:rPr lang="en-US" b="0" baseline="0" dirty="0" smtClean="0">
+                <a:solidFill>
+                  <a:srgbClr val="000000"/>
+                </a:solidFill>
+                <a:latin typeface="Lucida Grande" charset="0"/>
+                <a:ea typeface="ＭＳ Ｐゴシック" charset="0"/>
+                <a:cs typeface="Lucida Grande" charset="0"/>
+                <a:sym typeface="Lucida Grande" charset="0"/>
+              </a:rPr>
+              <a:t>We create a matrix object and use one of its methods, such as rotate or scale</a:t>
+            </a:r>
+            <a:endParaRPr lang="en-US" b="0" dirty="0">
               <a:solidFill>
                 <a:srgbClr val="000000"/>
               </a:solidFill>
@@ -2159,7 +2822,7 @@
               <a:buChar char="-"/>
             </a:pPr>
             <a:r>
-              <a:rPr lang="en-US" b="1" dirty="0" smtClean="0">
+              <a:rPr lang="en-US" b="0" dirty="0" smtClean="0">
                 <a:solidFill>
                   <a:srgbClr val="000000"/>
                 </a:solidFill>
@@ -2168,10 +2831,10 @@
                 <a:cs typeface="Lucida Grande" charset="0"/>
                 <a:sym typeface="Lucida Grande" charset="0"/>
               </a:rPr>
-              <a:t>almost any UI component can be animated in </a:t>
-            </a:r>
-            <a:r>
-              <a:rPr lang="en-US" b="1" smtClean="0">
+              <a:t>Same</a:t>
+            </a:r>
+            <a:r>
+              <a:rPr lang="en-US" b="0" baseline="0" dirty="0" smtClean="0">
                 <a:solidFill>
                   <a:srgbClr val="000000"/>
                 </a:solidFill>
@@ -2180,9 +2843,27 @@
                 <a:cs typeface="Lucida Grande" charset="0"/>
                 <a:sym typeface="Lucida Grande" charset="0"/>
               </a:rPr>
-              <a:t>this way</a:t>
-            </a:r>
-            <a:endParaRPr lang="en-US" b="1" dirty="0">
+              <a:t> sorts of transformations, but in 3D space</a:t>
+            </a:r>
+          </a:p>
+          <a:p>
+            <a:pPr marL="250825" indent="-171450" eaLnBrk="1" hangingPunct="1">
+              <a:buFontTx/>
+              <a:buChar char="-"/>
+            </a:pPr>
+            <a:r>
+              <a:rPr lang="en-US" b="0" baseline="0" dirty="0" smtClean="0">
+                <a:solidFill>
+                  <a:srgbClr val="000000"/>
+                </a:solidFill>
+                <a:latin typeface="Lucida Grande" charset="0"/>
+                <a:ea typeface="ＭＳ Ｐゴシック" charset="0"/>
+                <a:cs typeface="Lucida Grande" charset="0"/>
+                <a:sym typeface="Lucida Grande" charset="0"/>
+              </a:rPr>
+              <a:t>Not supported on Android</a:t>
+            </a:r>
+            <a:endParaRPr lang="en-US" b="0" dirty="0">
               <a:solidFill>
                 <a:srgbClr val="000000"/>
               </a:solidFill>
@@ -2612,7 +3293,7 @@
               <a:pPr>
                 <a:defRPr/>
               </a:pPr>
-              <a:t>7/17/11</a:t>
+              <a:t>7/22/11</a:t>
             </a:fld>
             <a:endParaRPr lang="en-US"/>
           </a:p>
@@ -3033,7 +3714,7 @@
               <a:pPr>
                 <a:defRPr/>
               </a:pPr>
-              <a:t>7/17/11</a:t>
+              <a:t>7/22/11</a:t>
             </a:fld>
             <a:endParaRPr lang="en-US"/>
           </a:p>
@@ -3758,7 +4439,7 @@
               <a:pPr>
                 <a:defRPr/>
               </a:pPr>
-              <a:t>7/17/11</a:t>
+              <a:t>7/22/11</a:t>
             </a:fld>
             <a:endParaRPr lang="en-US"/>
           </a:p>
@@ -4311,7 +4992,7 @@
               <a:pPr>
                 <a:defRPr/>
               </a:pPr>
-              <a:t>7/17/11</a:t>
+              <a:t>7/22/11</a:t>
             </a:fld>
             <a:endParaRPr lang="en-US"/>
           </a:p>
@@ -4662,7 +5343,7 @@
               <a:pPr>
                 <a:defRPr/>
               </a:pPr>
-              <a:t>7/17/11</a:t>
+              <a:t>7/22/11</a:t>
             </a:fld>
             <a:endParaRPr lang="en-US"/>
           </a:p>
@@ -5020,7 +5701,7 @@
               <a:pPr>
                 <a:defRPr/>
               </a:pPr>
-              <a:t>7/17/11</a:t>
+              <a:t>7/22/11</a:t>
             </a:fld>
             <a:endParaRPr lang="en-US"/>
           </a:p>
@@ -5255,7 +5936,7 @@
               <a:pPr>
                 <a:defRPr/>
               </a:pPr>
-              <a:t>7/17/11</a:t>
+              <a:t>7/22/11</a:t>
             </a:fld>
             <a:endParaRPr lang="en-US"/>
           </a:p>
@@ -5547,7 +6228,7 @@
               <a:pPr>
                 <a:defRPr/>
               </a:pPr>
-              <a:t>7/17/11</a:t>
+              <a:t>7/22/11</a:t>
             </a:fld>
             <a:endParaRPr lang="en-US"/>
           </a:p>
@@ -8008,6 +8689,331 @@
       </p:grpSpPr>
       <p:pic>
         <p:nvPicPr>
+          <p:cNvPr id="12289" name="Picture 1"/>
+          <p:cNvPicPr>
+            <a:picLocks noChangeArrowheads="1"/>
+          </p:cNvPicPr>
+          <p:nvPr/>
+        </p:nvPicPr>
+        <p:blipFill>
+          <a:blip r:embed="rId3">
+            <a:extLst>
+              <a:ext uri="{28A0092B-C50C-407E-A947-70E740481C1C}">
+                <a14:useLocalDpi xmlns:a14="http://schemas.microsoft.com/office/drawing/2010/main" val="0"/>
+              </a:ext>
+            </a:extLst>
+          </a:blip>
+          <a:srcRect/>
+          <a:stretch>
+            <a:fillRect/>
+          </a:stretch>
+        </p:blipFill>
+        <p:spPr bwMode="auto">
+          <a:xfrm>
+            <a:off x="8505825" y="6311900"/>
+            <a:ext cx="442913" cy="357188"/>
+          </a:xfrm>
+          <a:prstGeom prst="rect">
+            <a:avLst/>
+          </a:prstGeom>
+          <a:noFill/>
+          <a:ln>
+            <a:noFill/>
+          </a:ln>
+          <a:extLst>
+            <a:ext uri="{909E8E84-426E-40dd-AFC4-6F175D3DCCD1}">
+              <a14:hiddenFill xmlns:a14="http://schemas.microsoft.com/office/drawing/2010/main">
+                <a:solidFill>
+                  <a:srgbClr val="FFFFFF"/>
+                </a:solidFill>
+              </a14:hiddenFill>
+            </a:ext>
+            <a:ext uri="{91240B29-F687-4f45-9708-019B960494DF}">
+              <a14:hiddenLine xmlns:a14="http://schemas.microsoft.com/office/drawing/2010/main" w="9525">
+                <a:solidFill>
+                  <a:srgbClr val="000000"/>
+                </a:solidFill>
+                <a:miter lim="800000"/>
+                <a:headEnd/>
+                <a:tailEnd/>
+              </a14:hiddenLine>
+            </a:ext>
+          </a:extLst>
+        </p:spPr>
+      </p:pic>
+      <p:pic>
+        <p:nvPicPr>
+          <p:cNvPr id="12290" name="Picture 3"/>
+          <p:cNvPicPr>
+            <a:picLocks noChangeArrowheads="1"/>
+          </p:cNvPicPr>
+          <p:nvPr/>
+        </p:nvPicPr>
+        <p:blipFill>
+          <a:blip r:embed="rId4">
+            <a:extLst>
+              <a:ext uri="{28A0092B-C50C-407E-A947-70E740481C1C}">
+                <a14:useLocalDpi xmlns:a14="http://schemas.microsoft.com/office/drawing/2010/main" val="0"/>
+              </a:ext>
+            </a:extLst>
+          </a:blip>
+          <a:srcRect/>
+          <a:stretch>
+            <a:fillRect/>
+          </a:stretch>
+        </p:blipFill>
+        <p:spPr bwMode="auto">
+          <a:xfrm>
+            <a:off x="0" y="0"/>
+            <a:ext cx="9144000" cy="1176338"/>
+          </a:xfrm>
+          <a:prstGeom prst="rect">
+            <a:avLst/>
+          </a:prstGeom>
+          <a:noFill/>
+          <a:ln>
+            <a:noFill/>
+          </a:ln>
+          <a:extLst>
+            <a:ext uri="{909E8E84-426E-40dd-AFC4-6F175D3DCCD1}">
+              <a14:hiddenFill xmlns:a14="http://schemas.microsoft.com/office/drawing/2010/main">
+                <a:solidFill>
+                  <a:srgbClr val="FFFFFF"/>
+                </a:solidFill>
+              </a14:hiddenFill>
+            </a:ext>
+            <a:ext uri="{91240B29-F687-4f45-9708-019B960494DF}">
+              <a14:hiddenLine xmlns:a14="http://schemas.microsoft.com/office/drawing/2010/main" w="9525">
+                <a:solidFill>
+                  <a:srgbClr val="000000"/>
+                </a:solidFill>
+                <a:miter lim="800000"/>
+                <a:headEnd/>
+                <a:tailEnd/>
+              </a14:hiddenLine>
+            </a:ext>
+          </a:extLst>
+        </p:spPr>
+      </p:pic>
+      <p:pic>
+        <p:nvPicPr>
+          <p:cNvPr id="12291" name="Picture 4"/>
+          <p:cNvPicPr>
+            <a:picLocks noChangeArrowheads="1"/>
+          </p:cNvPicPr>
+          <p:nvPr/>
+        </p:nvPicPr>
+        <p:blipFill>
+          <a:blip r:embed="rId3">
+            <a:extLst>
+              <a:ext uri="{28A0092B-C50C-407E-A947-70E740481C1C}">
+                <a14:useLocalDpi xmlns:a14="http://schemas.microsoft.com/office/drawing/2010/main" val="0"/>
+              </a:ext>
+            </a:extLst>
+          </a:blip>
+          <a:srcRect/>
+          <a:stretch>
+            <a:fillRect/>
+          </a:stretch>
+        </p:blipFill>
+        <p:spPr bwMode="auto">
+          <a:xfrm>
+            <a:off x="8505825" y="6311900"/>
+            <a:ext cx="442913" cy="357188"/>
+          </a:xfrm>
+          <a:prstGeom prst="rect">
+            <a:avLst/>
+          </a:prstGeom>
+          <a:noFill/>
+          <a:ln>
+            <a:noFill/>
+          </a:ln>
+          <a:extLst>
+            <a:ext uri="{909E8E84-426E-40dd-AFC4-6F175D3DCCD1}">
+              <a14:hiddenFill xmlns:a14="http://schemas.microsoft.com/office/drawing/2010/main">
+                <a:solidFill>
+                  <a:srgbClr val="FFFFFF"/>
+                </a:solidFill>
+              </a14:hiddenFill>
+            </a:ext>
+            <a:ext uri="{91240B29-F687-4f45-9708-019B960494DF}">
+              <a14:hiddenLine xmlns:a14="http://schemas.microsoft.com/office/drawing/2010/main" w="9525">
+                <a:solidFill>
+                  <a:srgbClr val="000000"/>
+                </a:solidFill>
+                <a:miter lim="800000"/>
+                <a:headEnd/>
+                <a:tailEnd/>
+              </a14:hiddenLine>
+            </a:ext>
+          </a:extLst>
+        </p:spPr>
+      </p:pic>
+      <p:sp>
+        <p:nvSpPr>
+          <p:cNvPr id="12292" name="Rectangle 6"/>
+          <p:cNvSpPr>
+            <a:spLocks noGrp="1" noChangeArrowheads="1"/>
+          </p:cNvSpPr>
+          <p:nvPr>
+            <p:ph type="title"/>
+          </p:nvPr>
+        </p:nvSpPr>
+        <p:spPr>
+          <a:xfrm>
+            <a:off x="457200" y="0"/>
+            <a:ext cx="8229600" cy="1219200"/>
+          </a:xfrm>
+        </p:spPr>
+        <p:txBody>
+          <a:bodyPr rIns="81279"/>
+          <a:lstStyle/>
+          <a:p>
+            <a:pPr eaLnBrk="1" hangingPunct="1"/>
+            <a:r>
+              <a:rPr lang="en-US" dirty="0" smtClean="0">
+                <a:latin typeface="Trebuchet MS Bold" charset="0"/>
+                <a:ea typeface="ヒラギノ角ゴ ProN W6" charset="0"/>
+                <a:cs typeface="ヒラギノ角ゴ ProN W6" charset="0"/>
+              </a:rPr>
+              <a:t>Lab Goals</a:t>
+            </a:r>
+            <a:endParaRPr lang="en-US" dirty="0">
+              <a:latin typeface="Trebuchet MS Bold" charset="0"/>
+              <a:ea typeface="ヒラギノ角ゴ ProN W6" charset="0"/>
+              <a:cs typeface="ヒラギノ角ゴ ProN W6" charset="0"/>
+            </a:endParaRPr>
+          </a:p>
+        </p:txBody>
+      </p:sp>
+      <p:sp>
+        <p:nvSpPr>
+          <p:cNvPr id="12293" name="Rectangle 7"/>
+          <p:cNvSpPr>
+            <a:spLocks noGrp="1" noChangeArrowheads="1"/>
+          </p:cNvSpPr>
+          <p:nvPr>
+            <p:ph idx="1"/>
+          </p:nvPr>
+        </p:nvSpPr>
+        <p:spPr>
+          <a:xfrm>
+            <a:off x="457200" y="1346200"/>
+            <a:ext cx="8229600" cy="4902200"/>
+          </a:xfrm>
+        </p:spPr>
+        <p:txBody>
+          <a:bodyPr rIns="81279"/>
+          <a:lstStyle/>
+          <a:p>
+            <a:pPr eaLnBrk="1" hangingPunct="1"/>
+            <a:r>
+              <a:rPr lang="en-US" dirty="0" smtClean="0">
+                <a:latin typeface="Trebuchet MS" charset="0"/>
+                <a:ea typeface="ヒラギノ角ゴ ProN W3" charset="0"/>
+                <a:cs typeface="ヒラギノ角ゴ ProN W3" charset="0"/>
+              </a:rPr>
+              <a:t>Implement basic animations</a:t>
+            </a:r>
+          </a:p>
+          <a:p>
+            <a:pPr eaLnBrk="1" hangingPunct="1"/>
+            <a:endParaRPr lang="en-US" dirty="0">
+              <a:latin typeface="Trebuchet MS" charset="0"/>
+              <a:ea typeface="ヒラギノ角ゴ ProN W3" charset="0"/>
+              <a:cs typeface="ヒラギノ角ゴ ProN W3" charset="0"/>
+            </a:endParaRPr>
+          </a:p>
+          <a:p>
+            <a:pPr eaLnBrk="1" hangingPunct="1"/>
+            <a:r>
+              <a:rPr lang="en-US" dirty="0" smtClean="0">
+                <a:latin typeface="Trebuchet MS" charset="0"/>
+                <a:ea typeface="ヒラギノ角ゴ ProN W3" charset="0"/>
+                <a:cs typeface="ヒラギノ角ゴ ProN W3" charset="0"/>
+              </a:rPr>
+              <a:t>Compare animation capabilities </a:t>
+            </a:r>
+            <a:r>
+              <a:rPr lang="en-US" smtClean="0">
+                <a:latin typeface="Trebuchet MS" charset="0"/>
+                <a:ea typeface="ヒラギノ角ゴ ProN W3" charset="0"/>
+                <a:cs typeface="ヒラギノ角ゴ ProN W3" charset="0"/>
+              </a:rPr>
+              <a:t>across platforms</a:t>
+            </a:r>
+            <a:endParaRPr lang="en-US" dirty="0" smtClean="0">
+              <a:latin typeface="Trebuchet MS" charset="0"/>
+              <a:ea typeface="ヒラギノ角ゴ ProN W3" charset="0"/>
+              <a:cs typeface="ヒラギノ角ゴ ProN W3" charset="0"/>
+            </a:endParaRPr>
+          </a:p>
+          <a:p>
+            <a:pPr eaLnBrk="1" hangingPunct="1"/>
+            <a:endParaRPr lang="en-US" dirty="0">
+              <a:latin typeface="Trebuchet MS" charset="0"/>
+              <a:ea typeface="ヒラギノ角ゴ ProN W3" charset="0"/>
+              <a:cs typeface="ヒラギノ角ゴ ProN W3" charset="0"/>
+            </a:endParaRPr>
+          </a:p>
+          <a:p>
+            <a:pPr eaLnBrk="1" hangingPunct="1"/>
+            <a:r>
+              <a:rPr lang="en-US" dirty="0" smtClean="0">
+                <a:latin typeface="Trebuchet MS" charset="0"/>
+                <a:ea typeface="ヒラギノ角ゴ ProN W3" charset="0"/>
+                <a:cs typeface="ヒラギノ角ゴ ProN W3" charset="0"/>
+              </a:rPr>
+              <a:t>Demo and wiki URL</a:t>
+            </a:r>
+            <a:endParaRPr lang="en-US" dirty="0">
+              <a:latin typeface="Trebuchet MS" charset="0"/>
+              <a:ea typeface="ヒラギノ角ゴ ProN W3" charset="0"/>
+              <a:cs typeface="ヒラギノ角ゴ ProN W3" charset="0"/>
+            </a:endParaRPr>
+          </a:p>
+        </p:txBody>
+      </p:sp>
+    </p:spTree>
+    <p:extLst>
+      <p:ext uri="{BB962C8B-B14F-4D97-AF65-F5344CB8AC3E}">
+        <p14:creationId xmlns:p14="http://schemas.microsoft.com/office/powerpoint/2010/main" val="501192215"/>
+      </p:ext>
+    </p:extLst>
+  </p:cSld>
+  <p:clrMapOvr>
+    <a:masterClrMapping/>
+  </p:clrMapOvr>
+  <p:transition xmlns:p14="http://schemas.microsoft.com/office/powerpoint/2010/main" spd="slow"/>
+  <p:timing>
+    <p:tnLst>
+      <p:par>
+        <p:cTn xmlns:p14="http://schemas.microsoft.com/office/powerpoint/2010/main" id="1" dur="indefinite" restart="never" nodeType="tmRoot"/>
+      </p:par>
+    </p:tnLst>
+  </p:timing>
+</p:sld>
+</file>
+
+<file path=ppt/slides/slide16.xml><?xml version="1.0" encoding="utf-8"?>
+<p:sld xmlns:a="http://schemas.openxmlformats.org/drawingml/2006/main" xmlns:r="http://schemas.openxmlformats.org/officeDocument/2006/relationships" xmlns:p="http://schemas.openxmlformats.org/presentationml/2006/main">
+  <p:cSld>
+    <p:spTree>
+      <p:nvGrpSpPr>
+        <p:cNvPr id="1" name=""/>
+        <p:cNvGrpSpPr/>
+        <p:nvPr/>
+      </p:nvGrpSpPr>
+      <p:grpSpPr>
+        <a:xfrm>
+          <a:off x="0" y="0"/>
+          <a:ext cx="0" cy="0"/>
+          <a:chOff x="0" y="0"/>
+          <a:chExt cx="0" cy="0"/>
+        </a:xfrm>
+      </p:grpSpPr>
+      <p:pic>
+        <p:nvPicPr>
           <p:cNvPr id="16385" name="Picture 1"/>
           <p:cNvPicPr>
             <a:picLocks noChangeArrowheads="1"/>
@@ -10610,7 +11616,31 @@
                 <a:ea typeface="ヒラギノ角ゴ ProN W6" charset="0"/>
                 <a:cs typeface="ヒラギノ角ゴ ProN W6" charset="0"/>
               </a:rPr>
-              <a:t>D Matrix Animations</a:t>
+              <a:t>D Matrix </a:t>
+            </a:r>
+            <a:r>
+              <a:rPr lang="en-US" dirty="0" smtClean="0">
+                <a:latin typeface="Trebuchet MS Bold" charset="0"/>
+                <a:ea typeface="ヒラギノ角ゴ ProN W6" charset="0"/>
+                <a:cs typeface="ヒラギノ角ゴ ProN W6" charset="0"/>
+              </a:rPr>
+              <a:t>Animations (</a:t>
+            </a:r>
+            <a:r>
+              <a:rPr lang="en-US" dirty="0" err="1" smtClean="0">
+                <a:latin typeface="Trebuchet MS Bold" charset="0"/>
+                <a:ea typeface="ヒラギノ角ゴ ProN W6" charset="0"/>
+                <a:cs typeface="ヒラギノ角ゴ ProN W6" charset="0"/>
+              </a:rPr>
+              <a:t>iOS</a:t>
+            </a:r>
+            <a:r>
+              <a:rPr lang="en-US" dirty="0" smtClean="0">
+                <a:latin typeface="Trebuchet MS Bold" charset="0"/>
+                <a:ea typeface="ヒラギノ角ゴ ProN W6" charset="0"/>
+                <a:cs typeface="ヒラギノ角ゴ ProN W6" charset="0"/>
+              </a:rPr>
+              <a:t>)</a:t>
             </a:r>
             <a:endParaRPr lang="en-US" dirty="0">
               <a:latin typeface="Trebuchet MS Bold" charset="0"/>

--- a/340.pptx
+++ b/340.pptx
@@ -1759,7 +1759,7 @@
                 <a:cs typeface="Times New Roman" charset="0"/>
                 <a:sym typeface="Times New Roman" charset="0"/>
               </a:rPr>
-              <a:t>Let’s enhance</a:t>
+              <a:t>There</a:t>
             </a:r>
             <a:r>
               <a:rPr lang="en-US" baseline="0" dirty="0" smtClean="0">
@@ -1771,10 +1771,10 @@
                 <a:cs typeface="Times New Roman" charset="0"/>
                 <a:sym typeface="Times New Roman" charset="0"/>
               </a:rPr>
-              <a:t> our tab view component to animate the </a:t>
-            </a:r>
-            <a:r>
-              <a:rPr lang="en-US" baseline="0" dirty="0" smtClean="0">
+              <a:t> is no </a:t>
+            </a:r>
+            <a:r>
+              <a:rPr lang="en-US" baseline="0" dirty="0" err="1" smtClean="0">
                 <a:solidFill>
                   <a:srgbClr val="000000"/>
                 </a:solidFill>
@@ -1783,7 +1783,7 @@
                 <a:cs typeface="Times New Roman" charset="0"/>
                 <a:sym typeface="Times New Roman" charset="0"/>
               </a:rPr>
-              <a:t>transition </a:t>
+              <a:t>TiBountyHunter</a:t>
             </a:r>
             <a:r>
               <a:rPr lang="en-US" baseline="0" dirty="0" smtClean="0">
@@ -1795,7 +1795,19 @@
                 <a:cs typeface="Times New Roman" charset="0"/>
                 <a:sym typeface="Times New Roman" charset="0"/>
               </a:rPr>
-              <a:t>between two tabs, sliding back and forth.</a:t>
+              <a:t> component which directly uses animation at this point, unless it is added in in </a:t>
+            </a:r>
+            <a:r>
+              <a:rPr lang="en-US" baseline="0" smtClean="0">
+                <a:solidFill>
+                  <a:srgbClr val="000000"/>
+                </a:solidFill>
+                <a:latin typeface="Times New Roman" charset="0"/>
+                <a:ea typeface="ＭＳ Ｐゴシック" charset="0"/>
+                <a:cs typeface="Times New Roman" charset="0"/>
+                <a:sym typeface="Times New Roman" charset="0"/>
+              </a:rPr>
+              <a:t>the future.</a:t>
             </a:r>
             <a:endParaRPr lang="en-US" dirty="0">
               <a:solidFill>
@@ -2089,19 +2101,7 @@
                 <a:cs typeface="Lucida Grande" charset="0"/>
                 <a:sym typeface="Lucida Grande" charset="0"/>
               </a:rPr>
-              <a:t>almost any UI component can be animated in this </a:t>
-            </a:r>
-            <a:r>
-              <a:rPr lang="en-US" b="0" dirty="0" smtClean="0">
-                <a:solidFill>
-                  <a:srgbClr val="000000"/>
-                </a:solidFill>
-                <a:latin typeface="Lucida Grande" charset="0"/>
-                <a:ea typeface="ＭＳ Ｐゴシック" charset="0"/>
-                <a:cs typeface="Lucida Grande" charset="0"/>
-                <a:sym typeface="Lucida Grande" charset="0"/>
-              </a:rPr>
-              <a:t>way</a:t>
+              <a:t>almost any UI component can be animated in this way</a:t>
             </a:r>
           </a:p>
           <a:p>
@@ -3293,7 +3293,7 @@
               <a:pPr>
                 <a:defRPr/>
               </a:pPr>
-              <a:t>7/22/11</a:t>
+              <a:t>7/26/11</a:t>
             </a:fld>
             <a:endParaRPr lang="en-US"/>
           </a:p>
@@ -3714,7 +3714,7 @@
               <a:pPr>
                 <a:defRPr/>
               </a:pPr>
-              <a:t>7/22/11</a:t>
+              <a:t>7/26/11</a:t>
             </a:fld>
             <a:endParaRPr lang="en-US"/>
           </a:p>
@@ -4439,7 +4439,7 @@
               <a:pPr>
                 <a:defRPr/>
               </a:pPr>
-              <a:t>7/22/11</a:t>
+              <a:t>7/26/11</a:t>
             </a:fld>
             <a:endParaRPr lang="en-US"/>
           </a:p>
@@ -4992,7 +4992,7 @@
               <a:pPr>
                 <a:defRPr/>
               </a:pPr>
-              <a:t>7/22/11</a:t>
+              <a:t>7/26/11</a:t>
             </a:fld>
             <a:endParaRPr lang="en-US"/>
           </a:p>
@@ -5343,7 +5343,7 @@
               <a:pPr>
                 <a:defRPr/>
               </a:pPr>
-              <a:t>7/22/11</a:t>
+              <a:t>7/26/11</a:t>
             </a:fld>
             <a:endParaRPr lang="en-US"/>
           </a:p>
@@ -5701,7 +5701,7 @@
               <a:pPr>
                 <a:defRPr/>
               </a:pPr>
-              <a:t>7/22/11</a:t>
+              <a:t>7/26/11</a:t>
             </a:fld>
             <a:endParaRPr lang="en-US"/>
           </a:p>
@@ -5936,7 +5936,7 @@
               <a:pPr>
                 <a:defRPr/>
               </a:pPr>
-              <a:t>7/22/11</a:t>
+              <a:t>7/26/11</a:t>
             </a:fld>
             <a:endParaRPr lang="en-US"/>
           </a:p>
@@ -6228,7 +6228,7 @@
               <a:pPr>
                 <a:defRPr/>
               </a:pPr>
-              <a:t>7/22/11</a:t>
+              <a:t>7/26/11</a:t>
             </a:fld>
             <a:endParaRPr lang="en-US"/>
           </a:p>
@@ -11616,15 +11616,7 @@
                 <a:ea typeface="ヒラギノ角ゴ ProN W6" charset="0"/>
                 <a:cs typeface="ヒラギノ角ゴ ProN W6" charset="0"/>
               </a:rPr>
-              <a:t>D Matrix </a:t>
-            </a:r>
-            <a:r>
-              <a:rPr lang="en-US" dirty="0" smtClean="0">
-                <a:latin typeface="Trebuchet MS Bold" charset="0"/>
-                <a:ea typeface="ヒラギノ角ゴ ProN W6" charset="0"/>
-                <a:cs typeface="ヒラギノ角ゴ ProN W6" charset="0"/>
-              </a:rPr>
-              <a:t>Animations (</a:t>
+              <a:t>D Matrix Animations (</a:t>
             </a:r>
             <a:r>
               <a:rPr lang="en-US" dirty="0" err="1" smtClean="0">

--- a/340.pptx
+++ b/340.pptx
@@ -988,7 +988,7 @@
               <a:buNone/>
             </a:pPr>
             <a:r>
-              <a:rPr lang="en-US" b="0" baseline="0" dirty="0" smtClean="0">
+              <a:rPr lang="en-US" b="1" baseline="0" dirty="0" smtClean="0">
                 <a:solidFill>
                   <a:srgbClr val="000000"/>
                 </a:solidFill>
@@ -997,8 +997,47 @@
                 <a:cs typeface="Lucida Grande" charset="0"/>
                 <a:sym typeface="Lucida Grande" charset="0"/>
               </a:rPr>
-              <a:t>Demo is just write a basic app from scratch</a:t>
-            </a:r>
+              <a:t>Demo</a:t>
+            </a:r>
+          </a:p>
+          <a:p>
+            <a:pPr marL="79375" indent="0" eaLnBrk="1" hangingPunct="1">
+              <a:buFontTx/>
+              <a:buNone/>
+            </a:pPr>
+            <a:r>
+              <a:rPr lang="en-US" b="0" baseline="0" dirty="0" smtClean="0">
+                <a:solidFill>
+                  <a:srgbClr val="000000"/>
+                </a:solidFill>
+                <a:latin typeface="Lucida Grande" charset="0"/>
+                <a:ea typeface="ＭＳ Ｐゴシック" charset="0"/>
+                <a:cs typeface="Lucida Grande" charset="0"/>
+                <a:sym typeface="Lucida Grande" charset="0"/>
+              </a:rPr>
+              <a:t>Use the finished code from Lab 340. Demonstrate working app, then examine </a:t>
+            </a:r>
+            <a:r>
+              <a:rPr lang="en-US" b="0" baseline="0" dirty="0" err="1" smtClean="0">
+                <a:solidFill>
+                  <a:srgbClr val="000000"/>
+                </a:solidFill>
+                <a:latin typeface="Lucida Grande" charset="0"/>
+                <a:ea typeface="ＭＳ Ｐゴシック" charset="0"/>
+                <a:cs typeface="Lucida Grande" charset="0"/>
+                <a:sym typeface="Lucida Grande" charset="0"/>
+              </a:rPr>
+              <a:t>app.js</a:t>
+            </a:r>
+            <a:endParaRPr lang="en-US" b="0" baseline="0" dirty="0" smtClean="0">
+              <a:solidFill>
+                <a:srgbClr val="000000"/>
+              </a:solidFill>
+              <a:latin typeface="Lucida Grande" charset="0"/>
+              <a:ea typeface="ＭＳ Ｐゴシック" charset="0"/>
+              <a:cs typeface="Lucida Grande" charset="0"/>
+              <a:sym typeface="Lucida Grande" charset="0"/>
+            </a:endParaRPr>
           </a:p>
           <a:p>
             <a:pPr marL="79375" indent="0" eaLnBrk="1" hangingPunct="1">
@@ -1096,12 +1135,12 @@
           <a:bodyPr/>
           <a:lstStyle/>
           <a:p>
-            <a:pPr marL="250825" indent="-171450" eaLnBrk="1" hangingPunct="1">
+            <a:pPr marL="79375" indent="0" eaLnBrk="1" hangingPunct="1">
               <a:buFontTx/>
-              <a:buChar char="-"/>
+              <a:buNone/>
             </a:pPr>
             <a:r>
-              <a:rPr lang="en-US" b="0" dirty="0" smtClean="0">
+              <a:rPr lang="en-US" b="1" dirty="0" smtClean="0">
                 <a:solidFill>
                   <a:srgbClr val="000000"/>
                 </a:solidFill>
@@ -1110,10 +1149,29 @@
                 <a:cs typeface="Lucida Grande" charset="0"/>
                 <a:sym typeface="Lucida Grande" charset="0"/>
               </a:rPr>
-              <a:t>Demo: </a:t>
-            </a:r>
-            <a:r>
-              <a:rPr lang="en-US" b="0" dirty="0" err="1" smtClean="0">
+              <a:t>Demo</a:t>
+            </a:r>
+          </a:p>
+          <a:p>
+            <a:pPr marL="79375" marR="0" indent="0" algn="l" defTabSz="914400" rtl="0" eaLnBrk="1" fontAlgn="base" latinLnBrk="0" hangingPunct="1">
+              <a:lnSpc>
+                <a:spcPct val="100000"/>
+              </a:lnSpc>
+              <a:spcBef>
+                <a:spcPct val="0"/>
+              </a:spcBef>
+              <a:spcAft>
+                <a:spcPct val="0"/>
+              </a:spcAft>
+              <a:buClrTx/>
+              <a:buSzTx/>
+              <a:buFontTx/>
+              <a:buNone/>
+              <a:tabLst/>
+              <a:defRPr/>
+            </a:pPr>
+            <a:r>
+              <a:rPr lang="en-US" b="0" baseline="0" dirty="0" smtClean="0">
                 <a:solidFill>
                   <a:srgbClr val="000000"/>
                 </a:solidFill>
@@ -1122,10 +1180,10 @@
                 <a:cs typeface="Lucida Grande" charset="0"/>
                 <a:sym typeface="Lucida Grande" charset="0"/>
               </a:rPr>
-              <a:t>KitchenSInk</a:t>
-            </a:r>
-            <a:r>
-              <a:rPr lang="en-US" b="0" dirty="0" smtClean="0">
+              <a:t>Use the finished code from Lab 340. Demonstrate working app, then examine </a:t>
+            </a:r>
+            <a:r>
+              <a:rPr lang="en-US" b="0" baseline="0" dirty="0" err="1" smtClean="0">
                 <a:solidFill>
                   <a:srgbClr val="000000"/>
                 </a:solidFill>
@@ -1134,8 +1192,116 @@
                 <a:cs typeface="Lucida Grande" charset="0"/>
                 <a:sym typeface="Lucida Grande" charset="0"/>
               </a:rPr>
-              <a:t> = opening screen</a:t>
-            </a:r>
+              <a:t>app.js</a:t>
+            </a:r>
+            <a:endParaRPr lang="en-US" b="0" baseline="0" dirty="0" smtClean="0">
+              <a:solidFill>
+                <a:srgbClr val="000000"/>
+              </a:solidFill>
+              <a:latin typeface="Lucida Grande" charset="0"/>
+              <a:ea typeface="ＭＳ Ｐゴシック" charset="0"/>
+              <a:cs typeface="Lucida Grande" charset="0"/>
+              <a:sym typeface="Lucida Grande" charset="0"/>
+            </a:endParaRPr>
+          </a:p>
+          <a:p>
+            <a:pPr marL="79375" indent="0" eaLnBrk="1" hangingPunct="1">
+              <a:buFontTx/>
+              <a:buNone/>
+            </a:pPr>
+            <a:endParaRPr lang="en-US" b="0" dirty="0" smtClean="0">
+              <a:solidFill>
+                <a:srgbClr val="000000"/>
+              </a:solidFill>
+              <a:latin typeface="Lucida Grande" charset="0"/>
+              <a:ea typeface="ＭＳ Ｐゴシック" charset="0"/>
+              <a:cs typeface="Lucida Grande" charset="0"/>
+              <a:sym typeface="Lucida Grande" charset="0"/>
+            </a:endParaRPr>
+          </a:p>
+          <a:p>
+            <a:pPr marL="79375" indent="0" eaLnBrk="1" hangingPunct="1">
+              <a:buFontTx/>
+              <a:buNone/>
+            </a:pPr>
+            <a:r>
+              <a:rPr lang="en-US" b="0" dirty="0" smtClean="0">
+                <a:solidFill>
+                  <a:srgbClr val="000000"/>
+                </a:solidFill>
+                <a:latin typeface="Lucida Grande" charset="0"/>
+                <a:ea typeface="ＭＳ Ｐゴシック" charset="0"/>
+                <a:cs typeface="Lucida Grande" charset="0"/>
+                <a:sym typeface="Lucida Grande" charset="0"/>
+              </a:rPr>
+              <a:t>OR</a:t>
+            </a:r>
+          </a:p>
+          <a:p>
+            <a:pPr marL="79375" indent="0" eaLnBrk="1" hangingPunct="1">
+              <a:buFontTx/>
+              <a:buNone/>
+            </a:pPr>
+            <a:endParaRPr lang="en-US" b="0" dirty="0" smtClean="0">
+              <a:solidFill>
+                <a:srgbClr val="000000"/>
+              </a:solidFill>
+              <a:latin typeface="Lucida Grande" charset="0"/>
+              <a:ea typeface="ＭＳ Ｐゴシック" charset="0"/>
+              <a:cs typeface="Lucida Grande" charset="0"/>
+              <a:sym typeface="Lucida Grande" charset="0"/>
+            </a:endParaRPr>
+          </a:p>
+          <a:p>
+            <a:pPr marL="79375" indent="0" eaLnBrk="1" hangingPunct="1">
+              <a:buFontTx/>
+              <a:buNone/>
+            </a:pPr>
+            <a:r>
+              <a:rPr lang="en-US" b="0" dirty="0" smtClean="0">
+                <a:solidFill>
+                  <a:srgbClr val="000000"/>
+                </a:solidFill>
+                <a:latin typeface="Lucida Grande" charset="0"/>
+                <a:ea typeface="ＭＳ Ｐゴシック" charset="0"/>
+                <a:cs typeface="Lucida Grande" charset="0"/>
+                <a:sym typeface="Lucida Grande" charset="0"/>
+              </a:rPr>
+              <a:t>Demo</a:t>
+            </a:r>
+            <a:r>
+              <a:rPr lang="en-US" b="0" dirty="0" smtClean="0">
+                <a:solidFill>
+                  <a:srgbClr val="000000"/>
+                </a:solidFill>
+                <a:latin typeface="Lucida Grande" charset="0"/>
+                <a:ea typeface="ＭＳ Ｐゴシック" charset="0"/>
+                <a:cs typeface="Lucida Grande" charset="0"/>
+                <a:sym typeface="Lucida Grande" charset="0"/>
+              </a:rPr>
+              <a:t>: </a:t>
+            </a:r>
+            <a:r>
+              <a:rPr lang="en-US" b="0" dirty="0" err="1" smtClean="0">
+                <a:solidFill>
+                  <a:srgbClr val="000000"/>
+                </a:solidFill>
+                <a:latin typeface="Lucida Grande" charset="0"/>
+                <a:ea typeface="ＭＳ Ｐゴシック" charset="0"/>
+                <a:cs typeface="Lucida Grande" charset="0"/>
+                <a:sym typeface="Lucida Grande" charset="0"/>
+              </a:rPr>
+              <a:t>KitchenSInk</a:t>
+            </a:r>
+            <a:endParaRPr lang="en-US" b="0" dirty="0" smtClean="0">
+              <a:solidFill>
+                <a:srgbClr val="000000"/>
+              </a:solidFill>
+              <a:latin typeface="Lucida Grande" charset="0"/>
+              <a:ea typeface="ＭＳ Ｐゴシック" charset="0"/>
+              <a:cs typeface="Lucida Grande" charset="0"/>
+              <a:sym typeface="Lucida Grande" charset="0"/>
+            </a:endParaRPr>
           </a:p>
           <a:p>
             <a:pPr marL="250825" indent="-171450" eaLnBrk="1" hangingPunct="1">
@@ -1649,10 +1815,46 @@
           <a:bodyPr/>
           <a:lstStyle/>
           <a:p>
-            <a:pPr marL="250825" indent="-171450" eaLnBrk="1" hangingPunct="1">
+            <a:pPr marL="79375" indent="0" eaLnBrk="1" hangingPunct="1">
               <a:buFontTx/>
-              <a:buChar char="-"/>
+              <a:buNone/>
             </a:pPr>
+            <a:r>
+              <a:rPr lang="en-US" b="0" baseline="0" dirty="0" smtClean="0">
+                <a:solidFill>
+                  <a:srgbClr val="000000"/>
+                </a:solidFill>
+                <a:latin typeface="Lucida Grande" charset="0"/>
+                <a:ea typeface="ＭＳ Ｐゴシック" charset="0"/>
+                <a:cs typeface="Lucida Grande" charset="0"/>
+                <a:sym typeface="Lucida Grande" charset="0"/>
+              </a:rPr>
+              <a:t>In this lab, you will animate three elements in a partially-completed app. You'll add code to fade an element out of view, then back into view; add code to slide an element off screen, then back; and you'll add code to transition between two views using </a:t>
+            </a:r>
+            <a:r>
+              <a:rPr lang="en-US" b="0" baseline="0" dirty="0" err="1" smtClean="0">
+                <a:solidFill>
+                  <a:srgbClr val="000000"/>
+                </a:solidFill>
+                <a:latin typeface="Lucida Grande" charset="0"/>
+                <a:ea typeface="ＭＳ Ｐゴシック" charset="0"/>
+                <a:cs typeface="Lucida Grande" charset="0"/>
+                <a:sym typeface="Lucida Grande" charset="0"/>
+              </a:rPr>
+              <a:t>iOS</a:t>
+            </a:r>
+            <a:r>
+              <a:rPr lang="en-US" b="0" baseline="0" dirty="0" smtClean="0">
+                <a:solidFill>
+                  <a:srgbClr val="000000"/>
+                </a:solidFill>
+                <a:latin typeface="Lucida Grande" charset="0"/>
+                <a:ea typeface="ＭＳ Ｐゴシック" charset="0"/>
+                <a:cs typeface="Lucida Grande" charset="0"/>
+                <a:sym typeface="Lucida Grande" charset="0"/>
+              </a:rPr>
+              <a:t>-specific functionality.</a:t>
+            </a:r>
             <a:endParaRPr lang="en-US" b="0" baseline="0" dirty="0" smtClean="0">
               <a:solidFill>
                 <a:srgbClr val="000000"/>
@@ -1795,19 +1997,7 @@
                 <a:cs typeface="Times New Roman" charset="0"/>
                 <a:sym typeface="Times New Roman" charset="0"/>
               </a:rPr>
-              <a:t> component which directly uses animation at this point, unless it is added in in </a:t>
-            </a:r>
-            <a:r>
-              <a:rPr lang="en-US" baseline="0" smtClean="0">
-                <a:solidFill>
-                  <a:srgbClr val="000000"/>
-                </a:solidFill>
-                <a:latin typeface="Times New Roman" charset="0"/>
-                <a:ea typeface="ＭＳ Ｐゴシック" charset="0"/>
-                <a:cs typeface="Times New Roman" charset="0"/>
-                <a:sym typeface="Times New Roman" charset="0"/>
-              </a:rPr>
-              <a:t>the future.</a:t>
+              <a:t> component which directly uses animation at this point, unless it is added in in the future.</a:t>
             </a:r>
             <a:endParaRPr lang="en-US" dirty="0">
               <a:solidFill>
@@ -8502,7 +8692,15 @@
                 <a:ea typeface="ヒラギノ角ゴ ProN W3" charset="0"/>
                 <a:cs typeface="ヒラギノ角ゴ ProN W3" charset="0"/>
               </a:rPr>
-              <a:t>Drag and Drop - Demo</a:t>
+              <a:t>Drag and </a:t>
+            </a:r>
+            <a:r>
+              <a:rPr lang="en-US" dirty="0" smtClean="0">
+                <a:latin typeface="Trebuchet MS" charset="0"/>
+                <a:ea typeface="ヒラギノ角ゴ ProN W3" charset="0"/>
+                <a:cs typeface="ヒラギノ角ゴ ProN W3" charset="0"/>
+              </a:rPr>
+              <a:t>Drop</a:t>
             </a:r>
             <a:endParaRPr lang="en-US" dirty="0">
               <a:latin typeface="Trebuchet MS" charset="0"/>

--- a/340.pptx
+++ b/340.pptx
@@ -1267,19 +1267,7 @@
                 <a:cs typeface="Lucida Grande" charset="0"/>
                 <a:sym typeface="Lucida Grande" charset="0"/>
               </a:rPr>
-              <a:t>Demo</a:t>
-            </a:r>
-            <a:r>
-              <a:rPr lang="en-US" b="0" dirty="0" smtClean="0">
-                <a:solidFill>
-                  <a:srgbClr val="000000"/>
-                </a:solidFill>
-                <a:latin typeface="Lucida Grande" charset="0"/>
-                <a:ea typeface="ＭＳ Ｐゴシック" charset="0"/>
-                <a:cs typeface="Lucida Grande" charset="0"/>
-                <a:sym typeface="Lucida Grande" charset="0"/>
-              </a:rPr>
-              <a:t>: </a:t>
+              <a:t>Demo: </a:t>
             </a:r>
             <a:r>
               <a:rPr lang="en-US" b="0" dirty="0" err="1" smtClean="0">
@@ -1855,15 +1843,6 @@
               </a:rPr>
               <a:t>-specific functionality.</a:t>
             </a:r>
-            <a:endParaRPr lang="en-US" b="0" baseline="0" dirty="0" smtClean="0">
-              <a:solidFill>
-                <a:srgbClr val="000000"/>
-              </a:solidFill>
-              <a:latin typeface="Lucida Grande" charset="0"/>
-              <a:ea typeface="ＭＳ Ｐゴシック" charset="0"/>
-              <a:cs typeface="Lucida Grande" charset="0"/>
-              <a:sym typeface="Lucida Grande" charset="0"/>
-            </a:endParaRPr>
           </a:p>
         </p:txBody>
       </p:sp>
@@ -3483,7 +3462,7 @@
               <a:pPr>
                 <a:defRPr/>
               </a:pPr>
-              <a:t>7/26/11</a:t>
+              <a:t>8/19/11</a:t>
             </a:fld>
             <a:endParaRPr lang="en-US"/>
           </a:p>
@@ -3904,7 +3883,7 @@
               <a:pPr>
                 <a:defRPr/>
               </a:pPr>
-              <a:t>7/26/11</a:t>
+              <a:t>8/19/11</a:t>
             </a:fld>
             <a:endParaRPr lang="en-US"/>
           </a:p>
@@ -4629,7 +4608,7 @@
               <a:pPr>
                 <a:defRPr/>
               </a:pPr>
-              <a:t>7/26/11</a:t>
+              <a:t>8/19/11</a:t>
             </a:fld>
             <a:endParaRPr lang="en-US"/>
           </a:p>
@@ -5182,7 +5161,7 @@
               <a:pPr>
                 <a:defRPr/>
               </a:pPr>
-              <a:t>7/26/11</a:t>
+              <a:t>8/19/11</a:t>
             </a:fld>
             <a:endParaRPr lang="en-US"/>
           </a:p>
@@ -5533,7 +5512,7 @@
               <a:pPr>
                 <a:defRPr/>
               </a:pPr>
-              <a:t>7/26/11</a:t>
+              <a:t>8/19/11</a:t>
             </a:fld>
             <a:endParaRPr lang="en-US"/>
           </a:p>
@@ -5891,7 +5870,7 @@
               <a:pPr>
                 <a:defRPr/>
               </a:pPr>
-              <a:t>7/26/11</a:t>
+              <a:t>8/19/11</a:t>
             </a:fld>
             <a:endParaRPr lang="en-US"/>
           </a:p>
@@ -6126,7 +6105,7 @@
               <a:pPr>
                 <a:defRPr/>
               </a:pPr>
-              <a:t>7/26/11</a:t>
+              <a:t>8/19/11</a:t>
             </a:fld>
             <a:endParaRPr lang="en-US"/>
           </a:p>
@@ -6418,7 +6397,7 @@
               <a:pPr>
                 <a:defRPr/>
               </a:pPr>
-              <a:t>7/26/11</a:t>
+              <a:t>8/19/11</a:t>
             </a:fld>
             <a:endParaRPr lang="en-US"/>
           </a:p>
@@ -7276,7 +7255,7 @@
               <a:defRPr/>
             </a:pPr>
             <a:r>
-              <a:rPr lang="en-US" sz="4400" dirty="0" smtClean="0">
+              <a:rPr lang="en-US" sz="4400" i="1" dirty="0" smtClean="0">
                 <a:solidFill>
                   <a:schemeClr val="accent6"/>
                 </a:solidFill>
@@ -7293,7 +7272,40 @@
               </a:rPr>
               <a:t>Animation</a:t>
             </a:r>
-            <a:endParaRPr lang="en-US" sz="4400" dirty="0">
+            <a:br>
+              <a:rPr lang="en-US" sz="4400" i="1" dirty="0" smtClean="0">
+                <a:solidFill>
+                  <a:schemeClr val="accent6"/>
+                </a:solidFill>
+                <a:effectLst>
+                  <a:innerShdw blurRad="63500" dist="50800" dir="13500000">
+                    <a:prstClr val="black">
+                      <a:alpha val="50000"/>
+                    </a:prstClr>
+                  </a:innerShdw>
+                </a:effectLst>
+                <a:latin typeface="Trebuchet MS Bold" charset="0"/>
+                <a:cs typeface="Trebuchet MS Bold" charset="0"/>
+                <a:sym typeface="Trebuchet MS Bold" charset="0"/>
+              </a:rPr>
+            </a:br>
+            <a:r>
+              <a:rPr lang="en-US" sz="2800" b="0" i="1" dirty="0">
+                <a:solidFill>
+                  <a:srgbClr val="122956"/>
+                </a:solidFill>
+                <a:effectLst>
+                  <a:innerShdw blurRad="63500" dist="50800" dir="13500000">
+                    <a:prstClr val="black">
+                      <a:alpha val="50000"/>
+                    </a:prstClr>
+                  </a:innerShdw>
+                </a:effectLst>
+                <a:ea typeface="Hiragino Sans GB W6" charset="0"/>
+              </a:rPr>
+              <a:t>Advanced Titanium Mobile Development</a:t>
+            </a:r>
+            <a:endParaRPr lang="en-US" sz="4400" i="1" dirty="0">
               <a:solidFill>
                 <a:schemeClr val="accent6"/>
               </a:solidFill>
@@ -7365,6 +7377,186 @@
           </a:extLst>
         </p:spPr>
       </p:pic>
+      <p:sp>
+        <p:nvSpPr>
+          <p:cNvPr id="6" name="Slide Number Placeholder 5"/>
+          <p:cNvSpPr>
+            <a:spLocks noGrp="1"/>
+          </p:cNvSpPr>
+          <p:nvPr>
+            <p:ph type="sldNum" sz="quarter" idx="12"/>
+          </p:nvPr>
+        </p:nvSpPr>
+        <p:spPr bwMode="auto">
+          <a:xfrm>
+            <a:off x="203200" y="6400800"/>
+            <a:ext cx="2133600" cy="365125"/>
+          </a:xfrm>
+          <a:noFill/>
+          <a:extLst>
+            <a:ext uri="{909E8E84-426E-40dd-AFC4-6F175D3DCCD1}">
+              <a14:hiddenFill xmlns:a14="http://schemas.microsoft.com/office/drawing/2010/main">
+                <a:solidFill>
+                  <a:srgbClr val="FFFFFF"/>
+                </a:solidFill>
+              </a14:hiddenFill>
+            </a:ext>
+            <a:ext uri="{91240B29-F687-4f45-9708-019B960494DF}">
+              <a14:hiddenLine xmlns:a14="http://schemas.microsoft.com/office/drawing/2010/main" w="9525">
+                <a:solidFill>
+                  <a:srgbClr val="000000"/>
+                </a:solidFill>
+                <a:miter lim="800000"/>
+                <a:headEnd/>
+                <a:tailEnd/>
+              </a14:hiddenLine>
+            </a:ext>
+          </a:extLst>
+        </p:spPr>
+        <p:txBody>
+          <a:bodyPr vert="horz" wrap="square" lIns="91440" tIns="45720" rIns="91440" bIns="45720" numCol="1" anchor="ctr" anchorCtr="0" compatLnSpc="1">
+            <a:prstTxWarp prst="textNoShape">
+              <a:avLst/>
+            </a:prstTxWarp>
+          </a:bodyPr>
+          <a:lstStyle>
+            <a:lvl1pPr eaLnBrk="0" hangingPunct="0">
+              <a:defRPr sz="2400">
+                <a:solidFill>
+                  <a:schemeClr val="tx1"/>
+                </a:solidFill>
+                <a:latin typeface="Trebuchet MS" charset="0"/>
+                <a:ea typeface="ＭＳ Ｐゴシック" charset="0"/>
+                <a:cs typeface="ＭＳ Ｐゴシック" charset="0"/>
+              </a:defRPr>
+            </a:lvl1pPr>
+            <a:lvl2pPr marL="742950" indent="-285750" eaLnBrk="0" hangingPunct="0">
+              <a:defRPr sz="2400">
+                <a:solidFill>
+                  <a:schemeClr val="tx1"/>
+                </a:solidFill>
+                <a:latin typeface="Trebuchet MS" charset="0"/>
+                <a:ea typeface="ＭＳ Ｐゴシック" charset="0"/>
+              </a:defRPr>
+            </a:lvl2pPr>
+            <a:lvl3pPr marL="1143000" indent="-228600" eaLnBrk="0" hangingPunct="0">
+              <a:defRPr sz="2400">
+                <a:solidFill>
+                  <a:schemeClr val="tx1"/>
+                </a:solidFill>
+                <a:latin typeface="Trebuchet MS" charset="0"/>
+                <a:ea typeface="ＭＳ Ｐゴシック" charset="0"/>
+              </a:defRPr>
+            </a:lvl3pPr>
+            <a:lvl4pPr marL="1600200" indent="-228600" eaLnBrk="0" hangingPunct="0">
+              <a:defRPr sz="2400">
+                <a:solidFill>
+                  <a:schemeClr val="tx1"/>
+                </a:solidFill>
+                <a:latin typeface="Trebuchet MS" charset="0"/>
+                <a:ea typeface="ＭＳ Ｐゴシック" charset="0"/>
+              </a:defRPr>
+            </a:lvl4pPr>
+            <a:lvl5pPr marL="2057400" indent="-228600" eaLnBrk="0" hangingPunct="0">
+              <a:defRPr sz="2400">
+                <a:solidFill>
+                  <a:schemeClr val="tx1"/>
+                </a:solidFill>
+                <a:latin typeface="Trebuchet MS" charset="0"/>
+                <a:ea typeface="ＭＳ Ｐゴシック" charset="0"/>
+              </a:defRPr>
+            </a:lvl5pPr>
+            <a:lvl6pPr marL="2514600" indent="-228600" eaLnBrk="0" fontAlgn="base" hangingPunct="0">
+              <a:spcBef>
+                <a:spcPct val="0"/>
+              </a:spcBef>
+              <a:spcAft>
+                <a:spcPct val="0"/>
+              </a:spcAft>
+              <a:defRPr sz="2400">
+                <a:solidFill>
+                  <a:schemeClr val="tx1"/>
+                </a:solidFill>
+                <a:latin typeface="Trebuchet MS" charset="0"/>
+                <a:ea typeface="ＭＳ Ｐゴシック" charset="0"/>
+              </a:defRPr>
+            </a:lvl6pPr>
+            <a:lvl7pPr marL="2971800" indent="-228600" eaLnBrk="0" fontAlgn="base" hangingPunct="0">
+              <a:spcBef>
+                <a:spcPct val="0"/>
+              </a:spcBef>
+              <a:spcAft>
+                <a:spcPct val="0"/>
+              </a:spcAft>
+              <a:defRPr sz="2400">
+                <a:solidFill>
+                  <a:schemeClr val="tx1"/>
+                </a:solidFill>
+                <a:latin typeface="Trebuchet MS" charset="0"/>
+                <a:ea typeface="ＭＳ Ｐゴシック" charset="0"/>
+              </a:defRPr>
+            </a:lvl7pPr>
+            <a:lvl8pPr marL="3429000" indent="-228600" eaLnBrk="0" fontAlgn="base" hangingPunct="0">
+              <a:spcBef>
+                <a:spcPct val="0"/>
+              </a:spcBef>
+              <a:spcAft>
+                <a:spcPct val="0"/>
+              </a:spcAft>
+              <a:defRPr sz="2400">
+                <a:solidFill>
+                  <a:schemeClr val="tx1"/>
+                </a:solidFill>
+                <a:latin typeface="Trebuchet MS" charset="0"/>
+                <a:ea typeface="ＭＳ Ｐゴシック" charset="0"/>
+              </a:defRPr>
+            </a:lvl8pPr>
+            <a:lvl9pPr marL="3886200" indent="-228600" eaLnBrk="0" fontAlgn="base" hangingPunct="0">
+              <a:spcBef>
+                <a:spcPct val="0"/>
+              </a:spcBef>
+              <a:spcAft>
+                <a:spcPct val="0"/>
+              </a:spcAft>
+              <a:defRPr sz="2400">
+                <a:solidFill>
+                  <a:schemeClr val="tx1"/>
+                </a:solidFill>
+                <a:latin typeface="Trebuchet MS" charset="0"/>
+                <a:ea typeface="ＭＳ Ｐゴシック" charset="0"/>
+              </a:defRPr>
+            </a:lvl9pPr>
+          </a:lstStyle>
+          <a:p>
+            <a:pPr algn="l" eaLnBrk="1" hangingPunct="1"/>
+            <a:r>
+              <a:rPr lang="en-US" sz="1200" b="1" dirty="0" smtClean="0">
+                <a:solidFill>
+                  <a:srgbClr val="122956"/>
+                </a:solidFill>
+                <a:cs typeface="Trebuchet MS" charset="0"/>
+              </a:rPr>
+              <a:t>8-</a:t>
+            </a:r>
+            <a:fld id="{31B56995-E14C-B64F-86C9-12D6DB74A41E}" type="slidenum">
+              <a:rPr lang="en-US" sz="1200" b="1">
+                <a:solidFill>
+                  <a:srgbClr val="122956"/>
+                </a:solidFill>
+                <a:cs typeface="Trebuchet MS" charset="0"/>
+              </a:rPr>
+              <a:pPr algn="l" eaLnBrk="1" hangingPunct="1"/>
+              <a:t>1</a:t>
+            </a:fld>
+            <a:endParaRPr lang="en-US" sz="1200" b="1" dirty="0">
+              <a:solidFill>
+                <a:srgbClr val="122956"/>
+              </a:solidFill>
+              <a:cs typeface="Trebuchet MS" charset="0"/>
+            </a:endParaRPr>
+          </a:p>
+        </p:txBody>
+      </p:sp>
     </p:spTree>
   </p:cSld>
   <p:clrMapOvr>
@@ -7621,6 +7813,186 @@
           </a:prstGeom>
         </p:spPr>
       </p:pic>
+      <p:sp>
+        <p:nvSpPr>
+          <p:cNvPr id="7" name="Slide Number Placeholder 5"/>
+          <p:cNvSpPr>
+            <a:spLocks noGrp="1"/>
+          </p:cNvSpPr>
+          <p:nvPr>
+            <p:ph type="sldNum" sz="quarter" idx="12"/>
+          </p:nvPr>
+        </p:nvSpPr>
+        <p:spPr bwMode="auto">
+          <a:xfrm>
+            <a:off x="203200" y="6400800"/>
+            <a:ext cx="2133600" cy="365125"/>
+          </a:xfrm>
+          <a:noFill/>
+          <a:extLst>
+            <a:ext uri="{909E8E84-426E-40dd-AFC4-6F175D3DCCD1}">
+              <a14:hiddenFill xmlns:a14="http://schemas.microsoft.com/office/drawing/2010/main">
+                <a:solidFill>
+                  <a:srgbClr val="FFFFFF"/>
+                </a:solidFill>
+              </a14:hiddenFill>
+            </a:ext>
+            <a:ext uri="{91240B29-F687-4f45-9708-019B960494DF}">
+              <a14:hiddenLine xmlns:a14="http://schemas.microsoft.com/office/drawing/2010/main" w="9525">
+                <a:solidFill>
+                  <a:srgbClr val="000000"/>
+                </a:solidFill>
+                <a:miter lim="800000"/>
+                <a:headEnd/>
+                <a:tailEnd/>
+              </a14:hiddenLine>
+            </a:ext>
+          </a:extLst>
+        </p:spPr>
+        <p:txBody>
+          <a:bodyPr vert="horz" wrap="square" lIns="91440" tIns="45720" rIns="91440" bIns="45720" numCol="1" anchor="ctr" anchorCtr="0" compatLnSpc="1">
+            <a:prstTxWarp prst="textNoShape">
+              <a:avLst/>
+            </a:prstTxWarp>
+          </a:bodyPr>
+          <a:lstStyle>
+            <a:lvl1pPr eaLnBrk="0" hangingPunct="0">
+              <a:defRPr sz="2400">
+                <a:solidFill>
+                  <a:schemeClr val="tx1"/>
+                </a:solidFill>
+                <a:latin typeface="Trebuchet MS" charset="0"/>
+                <a:ea typeface="ＭＳ Ｐゴシック" charset="0"/>
+                <a:cs typeface="ＭＳ Ｐゴシック" charset="0"/>
+              </a:defRPr>
+            </a:lvl1pPr>
+            <a:lvl2pPr marL="742950" indent="-285750" eaLnBrk="0" hangingPunct="0">
+              <a:defRPr sz="2400">
+                <a:solidFill>
+                  <a:schemeClr val="tx1"/>
+                </a:solidFill>
+                <a:latin typeface="Trebuchet MS" charset="0"/>
+                <a:ea typeface="ＭＳ Ｐゴシック" charset="0"/>
+              </a:defRPr>
+            </a:lvl2pPr>
+            <a:lvl3pPr marL="1143000" indent="-228600" eaLnBrk="0" hangingPunct="0">
+              <a:defRPr sz="2400">
+                <a:solidFill>
+                  <a:schemeClr val="tx1"/>
+                </a:solidFill>
+                <a:latin typeface="Trebuchet MS" charset="0"/>
+                <a:ea typeface="ＭＳ Ｐゴシック" charset="0"/>
+              </a:defRPr>
+            </a:lvl3pPr>
+            <a:lvl4pPr marL="1600200" indent="-228600" eaLnBrk="0" hangingPunct="0">
+              <a:defRPr sz="2400">
+                <a:solidFill>
+                  <a:schemeClr val="tx1"/>
+                </a:solidFill>
+                <a:latin typeface="Trebuchet MS" charset="0"/>
+                <a:ea typeface="ＭＳ Ｐゴシック" charset="0"/>
+              </a:defRPr>
+            </a:lvl4pPr>
+            <a:lvl5pPr marL="2057400" indent="-228600" eaLnBrk="0" hangingPunct="0">
+              <a:defRPr sz="2400">
+                <a:solidFill>
+                  <a:schemeClr val="tx1"/>
+                </a:solidFill>
+                <a:latin typeface="Trebuchet MS" charset="0"/>
+                <a:ea typeface="ＭＳ Ｐゴシック" charset="0"/>
+              </a:defRPr>
+            </a:lvl5pPr>
+            <a:lvl6pPr marL="2514600" indent="-228600" eaLnBrk="0" fontAlgn="base" hangingPunct="0">
+              <a:spcBef>
+                <a:spcPct val="0"/>
+              </a:spcBef>
+              <a:spcAft>
+                <a:spcPct val="0"/>
+              </a:spcAft>
+              <a:defRPr sz="2400">
+                <a:solidFill>
+                  <a:schemeClr val="tx1"/>
+                </a:solidFill>
+                <a:latin typeface="Trebuchet MS" charset="0"/>
+                <a:ea typeface="ＭＳ Ｐゴシック" charset="0"/>
+              </a:defRPr>
+            </a:lvl6pPr>
+            <a:lvl7pPr marL="2971800" indent="-228600" eaLnBrk="0" fontAlgn="base" hangingPunct="0">
+              <a:spcBef>
+                <a:spcPct val="0"/>
+              </a:spcBef>
+              <a:spcAft>
+                <a:spcPct val="0"/>
+              </a:spcAft>
+              <a:defRPr sz="2400">
+                <a:solidFill>
+                  <a:schemeClr val="tx1"/>
+                </a:solidFill>
+                <a:latin typeface="Trebuchet MS" charset="0"/>
+                <a:ea typeface="ＭＳ Ｐゴシック" charset="0"/>
+              </a:defRPr>
+            </a:lvl7pPr>
+            <a:lvl8pPr marL="3429000" indent="-228600" eaLnBrk="0" fontAlgn="base" hangingPunct="0">
+              <a:spcBef>
+                <a:spcPct val="0"/>
+              </a:spcBef>
+              <a:spcAft>
+                <a:spcPct val="0"/>
+              </a:spcAft>
+              <a:defRPr sz="2400">
+                <a:solidFill>
+                  <a:schemeClr val="tx1"/>
+                </a:solidFill>
+                <a:latin typeface="Trebuchet MS" charset="0"/>
+                <a:ea typeface="ＭＳ Ｐゴシック" charset="0"/>
+              </a:defRPr>
+            </a:lvl8pPr>
+            <a:lvl9pPr marL="3886200" indent="-228600" eaLnBrk="0" fontAlgn="base" hangingPunct="0">
+              <a:spcBef>
+                <a:spcPct val="0"/>
+              </a:spcBef>
+              <a:spcAft>
+                <a:spcPct val="0"/>
+              </a:spcAft>
+              <a:defRPr sz="2400">
+                <a:solidFill>
+                  <a:schemeClr val="tx1"/>
+                </a:solidFill>
+                <a:latin typeface="Trebuchet MS" charset="0"/>
+                <a:ea typeface="ＭＳ Ｐゴシック" charset="0"/>
+              </a:defRPr>
+            </a:lvl9pPr>
+          </a:lstStyle>
+          <a:p>
+            <a:pPr algn="l" eaLnBrk="1" hangingPunct="1"/>
+            <a:r>
+              <a:rPr lang="en-US" sz="1200" b="1" dirty="0" smtClean="0">
+                <a:solidFill>
+                  <a:srgbClr val="122956"/>
+                </a:solidFill>
+                <a:cs typeface="Trebuchet MS" charset="0"/>
+              </a:rPr>
+              <a:t>8-</a:t>
+            </a:r>
+            <a:fld id="{31B56995-E14C-B64F-86C9-12D6DB74A41E}" type="slidenum">
+              <a:rPr lang="en-US" sz="1200" b="1">
+                <a:solidFill>
+                  <a:srgbClr val="122956"/>
+                </a:solidFill>
+                <a:cs typeface="Trebuchet MS" charset="0"/>
+              </a:rPr>
+              <a:pPr algn="l" eaLnBrk="1" hangingPunct="1"/>
+              <a:t>10</a:t>
+            </a:fld>
+            <a:endParaRPr lang="en-US" sz="1200" b="1" dirty="0">
+              <a:solidFill>
+                <a:srgbClr val="122956"/>
+              </a:solidFill>
+              <a:cs typeface="Trebuchet MS" charset="0"/>
+            </a:endParaRPr>
+          </a:p>
+        </p:txBody>
+      </p:sp>
     </p:spTree>
     <p:extLst>
       <p:ext uri="{BB962C8B-B14F-4D97-AF65-F5344CB8AC3E}">
@@ -8009,6 +8381,186 @@
               <a:latin typeface="Trebuchet MS" charset="0"/>
               <a:ea typeface="ヒラギノ角ゴ ProN W3" charset="0"/>
               <a:cs typeface="ヒラギノ角ゴ ProN W3" charset="0"/>
+            </a:endParaRPr>
+          </a:p>
+        </p:txBody>
+      </p:sp>
+      <p:sp>
+        <p:nvSpPr>
+          <p:cNvPr id="7" name="Slide Number Placeholder 5"/>
+          <p:cNvSpPr>
+            <a:spLocks noGrp="1"/>
+          </p:cNvSpPr>
+          <p:nvPr>
+            <p:ph type="sldNum" sz="quarter" idx="12"/>
+          </p:nvPr>
+        </p:nvSpPr>
+        <p:spPr bwMode="auto">
+          <a:xfrm>
+            <a:off x="203200" y="6400800"/>
+            <a:ext cx="2133600" cy="365125"/>
+          </a:xfrm>
+          <a:noFill/>
+          <a:extLst>
+            <a:ext uri="{909E8E84-426E-40dd-AFC4-6F175D3DCCD1}">
+              <a14:hiddenFill xmlns:a14="http://schemas.microsoft.com/office/drawing/2010/main">
+                <a:solidFill>
+                  <a:srgbClr val="FFFFFF"/>
+                </a:solidFill>
+              </a14:hiddenFill>
+            </a:ext>
+            <a:ext uri="{91240B29-F687-4f45-9708-019B960494DF}">
+              <a14:hiddenLine xmlns:a14="http://schemas.microsoft.com/office/drawing/2010/main" w="9525">
+                <a:solidFill>
+                  <a:srgbClr val="000000"/>
+                </a:solidFill>
+                <a:miter lim="800000"/>
+                <a:headEnd/>
+                <a:tailEnd/>
+              </a14:hiddenLine>
+            </a:ext>
+          </a:extLst>
+        </p:spPr>
+        <p:txBody>
+          <a:bodyPr vert="horz" wrap="square" lIns="91440" tIns="45720" rIns="91440" bIns="45720" numCol="1" anchor="ctr" anchorCtr="0" compatLnSpc="1">
+            <a:prstTxWarp prst="textNoShape">
+              <a:avLst/>
+            </a:prstTxWarp>
+          </a:bodyPr>
+          <a:lstStyle>
+            <a:lvl1pPr eaLnBrk="0" hangingPunct="0">
+              <a:defRPr sz="2400">
+                <a:solidFill>
+                  <a:schemeClr val="tx1"/>
+                </a:solidFill>
+                <a:latin typeface="Trebuchet MS" charset="0"/>
+                <a:ea typeface="ＭＳ Ｐゴシック" charset="0"/>
+                <a:cs typeface="ＭＳ Ｐゴシック" charset="0"/>
+              </a:defRPr>
+            </a:lvl1pPr>
+            <a:lvl2pPr marL="742950" indent="-285750" eaLnBrk="0" hangingPunct="0">
+              <a:defRPr sz="2400">
+                <a:solidFill>
+                  <a:schemeClr val="tx1"/>
+                </a:solidFill>
+                <a:latin typeface="Trebuchet MS" charset="0"/>
+                <a:ea typeface="ＭＳ Ｐゴシック" charset="0"/>
+              </a:defRPr>
+            </a:lvl2pPr>
+            <a:lvl3pPr marL="1143000" indent="-228600" eaLnBrk="0" hangingPunct="0">
+              <a:defRPr sz="2400">
+                <a:solidFill>
+                  <a:schemeClr val="tx1"/>
+                </a:solidFill>
+                <a:latin typeface="Trebuchet MS" charset="0"/>
+                <a:ea typeface="ＭＳ Ｐゴシック" charset="0"/>
+              </a:defRPr>
+            </a:lvl3pPr>
+            <a:lvl4pPr marL="1600200" indent="-228600" eaLnBrk="0" hangingPunct="0">
+              <a:defRPr sz="2400">
+                <a:solidFill>
+                  <a:schemeClr val="tx1"/>
+                </a:solidFill>
+                <a:latin typeface="Trebuchet MS" charset="0"/>
+                <a:ea typeface="ＭＳ Ｐゴシック" charset="0"/>
+              </a:defRPr>
+            </a:lvl4pPr>
+            <a:lvl5pPr marL="2057400" indent="-228600" eaLnBrk="0" hangingPunct="0">
+              <a:defRPr sz="2400">
+                <a:solidFill>
+                  <a:schemeClr val="tx1"/>
+                </a:solidFill>
+                <a:latin typeface="Trebuchet MS" charset="0"/>
+                <a:ea typeface="ＭＳ Ｐゴシック" charset="0"/>
+              </a:defRPr>
+            </a:lvl5pPr>
+            <a:lvl6pPr marL="2514600" indent="-228600" eaLnBrk="0" fontAlgn="base" hangingPunct="0">
+              <a:spcBef>
+                <a:spcPct val="0"/>
+              </a:spcBef>
+              <a:spcAft>
+                <a:spcPct val="0"/>
+              </a:spcAft>
+              <a:defRPr sz="2400">
+                <a:solidFill>
+                  <a:schemeClr val="tx1"/>
+                </a:solidFill>
+                <a:latin typeface="Trebuchet MS" charset="0"/>
+                <a:ea typeface="ＭＳ Ｐゴシック" charset="0"/>
+              </a:defRPr>
+            </a:lvl6pPr>
+            <a:lvl7pPr marL="2971800" indent="-228600" eaLnBrk="0" fontAlgn="base" hangingPunct="0">
+              <a:spcBef>
+                <a:spcPct val="0"/>
+              </a:spcBef>
+              <a:spcAft>
+                <a:spcPct val="0"/>
+              </a:spcAft>
+              <a:defRPr sz="2400">
+                <a:solidFill>
+                  <a:schemeClr val="tx1"/>
+                </a:solidFill>
+                <a:latin typeface="Trebuchet MS" charset="0"/>
+                <a:ea typeface="ＭＳ Ｐゴシック" charset="0"/>
+              </a:defRPr>
+            </a:lvl7pPr>
+            <a:lvl8pPr marL="3429000" indent="-228600" eaLnBrk="0" fontAlgn="base" hangingPunct="0">
+              <a:spcBef>
+                <a:spcPct val="0"/>
+              </a:spcBef>
+              <a:spcAft>
+                <a:spcPct val="0"/>
+              </a:spcAft>
+              <a:defRPr sz="2400">
+                <a:solidFill>
+                  <a:schemeClr val="tx1"/>
+                </a:solidFill>
+                <a:latin typeface="Trebuchet MS" charset="0"/>
+                <a:ea typeface="ＭＳ Ｐゴシック" charset="0"/>
+              </a:defRPr>
+            </a:lvl8pPr>
+            <a:lvl9pPr marL="3886200" indent="-228600" eaLnBrk="0" fontAlgn="base" hangingPunct="0">
+              <a:spcBef>
+                <a:spcPct val="0"/>
+              </a:spcBef>
+              <a:spcAft>
+                <a:spcPct val="0"/>
+              </a:spcAft>
+              <a:defRPr sz="2400">
+                <a:solidFill>
+                  <a:schemeClr val="tx1"/>
+                </a:solidFill>
+                <a:latin typeface="Trebuchet MS" charset="0"/>
+                <a:ea typeface="ＭＳ Ｐゴシック" charset="0"/>
+              </a:defRPr>
+            </a:lvl9pPr>
+          </a:lstStyle>
+          <a:p>
+            <a:pPr algn="l" eaLnBrk="1" hangingPunct="1"/>
+            <a:r>
+              <a:rPr lang="en-US" sz="1200" b="1" dirty="0" smtClean="0">
+                <a:solidFill>
+                  <a:srgbClr val="122956"/>
+                </a:solidFill>
+                <a:cs typeface="Trebuchet MS" charset="0"/>
+              </a:rPr>
+              <a:t>8-</a:t>
+            </a:r>
+            <a:fld id="{31B56995-E14C-B64F-86C9-12D6DB74A41E}" type="slidenum">
+              <a:rPr lang="en-US" sz="1200" b="1">
+                <a:solidFill>
+                  <a:srgbClr val="122956"/>
+                </a:solidFill>
+                <a:cs typeface="Trebuchet MS" charset="0"/>
+              </a:rPr>
+              <a:pPr algn="l" eaLnBrk="1" hangingPunct="1"/>
+              <a:t>11</a:t>
+            </a:fld>
+            <a:endParaRPr lang="en-US" sz="1200" b="1" dirty="0">
+              <a:solidFill>
+                <a:srgbClr val="122956"/>
+              </a:solidFill>
+              <a:cs typeface="Trebuchet MS" charset="0"/>
             </a:endParaRPr>
           </a:p>
         </p:txBody>
@@ -8352,6 +8904,186 @@
           </a:p>
         </p:txBody>
       </p:sp>
+      <p:sp>
+        <p:nvSpPr>
+          <p:cNvPr id="7" name="Slide Number Placeholder 5"/>
+          <p:cNvSpPr>
+            <a:spLocks noGrp="1"/>
+          </p:cNvSpPr>
+          <p:nvPr>
+            <p:ph type="sldNum" sz="quarter" idx="12"/>
+          </p:nvPr>
+        </p:nvSpPr>
+        <p:spPr bwMode="auto">
+          <a:xfrm>
+            <a:off x="203200" y="6400800"/>
+            <a:ext cx="2133600" cy="365125"/>
+          </a:xfrm>
+          <a:noFill/>
+          <a:extLst>
+            <a:ext uri="{909E8E84-426E-40dd-AFC4-6F175D3DCCD1}">
+              <a14:hiddenFill xmlns:a14="http://schemas.microsoft.com/office/drawing/2010/main">
+                <a:solidFill>
+                  <a:srgbClr val="FFFFFF"/>
+                </a:solidFill>
+              </a14:hiddenFill>
+            </a:ext>
+            <a:ext uri="{91240B29-F687-4f45-9708-019B960494DF}">
+              <a14:hiddenLine xmlns:a14="http://schemas.microsoft.com/office/drawing/2010/main" w="9525">
+                <a:solidFill>
+                  <a:srgbClr val="000000"/>
+                </a:solidFill>
+                <a:miter lim="800000"/>
+                <a:headEnd/>
+                <a:tailEnd/>
+              </a14:hiddenLine>
+            </a:ext>
+          </a:extLst>
+        </p:spPr>
+        <p:txBody>
+          <a:bodyPr vert="horz" wrap="square" lIns="91440" tIns="45720" rIns="91440" bIns="45720" numCol="1" anchor="ctr" anchorCtr="0" compatLnSpc="1">
+            <a:prstTxWarp prst="textNoShape">
+              <a:avLst/>
+            </a:prstTxWarp>
+          </a:bodyPr>
+          <a:lstStyle>
+            <a:lvl1pPr eaLnBrk="0" hangingPunct="0">
+              <a:defRPr sz="2400">
+                <a:solidFill>
+                  <a:schemeClr val="tx1"/>
+                </a:solidFill>
+                <a:latin typeface="Trebuchet MS" charset="0"/>
+                <a:ea typeface="ＭＳ Ｐゴシック" charset="0"/>
+                <a:cs typeface="ＭＳ Ｐゴシック" charset="0"/>
+              </a:defRPr>
+            </a:lvl1pPr>
+            <a:lvl2pPr marL="742950" indent="-285750" eaLnBrk="0" hangingPunct="0">
+              <a:defRPr sz="2400">
+                <a:solidFill>
+                  <a:schemeClr val="tx1"/>
+                </a:solidFill>
+                <a:latin typeface="Trebuchet MS" charset="0"/>
+                <a:ea typeface="ＭＳ Ｐゴシック" charset="0"/>
+              </a:defRPr>
+            </a:lvl2pPr>
+            <a:lvl3pPr marL="1143000" indent="-228600" eaLnBrk="0" hangingPunct="0">
+              <a:defRPr sz="2400">
+                <a:solidFill>
+                  <a:schemeClr val="tx1"/>
+                </a:solidFill>
+                <a:latin typeface="Trebuchet MS" charset="0"/>
+                <a:ea typeface="ＭＳ Ｐゴシック" charset="0"/>
+              </a:defRPr>
+            </a:lvl3pPr>
+            <a:lvl4pPr marL="1600200" indent="-228600" eaLnBrk="0" hangingPunct="0">
+              <a:defRPr sz="2400">
+                <a:solidFill>
+                  <a:schemeClr val="tx1"/>
+                </a:solidFill>
+                <a:latin typeface="Trebuchet MS" charset="0"/>
+                <a:ea typeface="ＭＳ Ｐゴシック" charset="0"/>
+              </a:defRPr>
+            </a:lvl4pPr>
+            <a:lvl5pPr marL="2057400" indent="-228600" eaLnBrk="0" hangingPunct="0">
+              <a:defRPr sz="2400">
+                <a:solidFill>
+                  <a:schemeClr val="tx1"/>
+                </a:solidFill>
+                <a:latin typeface="Trebuchet MS" charset="0"/>
+                <a:ea typeface="ＭＳ Ｐゴシック" charset="0"/>
+              </a:defRPr>
+            </a:lvl5pPr>
+            <a:lvl6pPr marL="2514600" indent="-228600" eaLnBrk="0" fontAlgn="base" hangingPunct="0">
+              <a:spcBef>
+                <a:spcPct val="0"/>
+              </a:spcBef>
+              <a:spcAft>
+                <a:spcPct val="0"/>
+              </a:spcAft>
+              <a:defRPr sz="2400">
+                <a:solidFill>
+                  <a:schemeClr val="tx1"/>
+                </a:solidFill>
+                <a:latin typeface="Trebuchet MS" charset="0"/>
+                <a:ea typeface="ＭＳ Ｐゴシック" charset="0"/>
+              </a:defRPr>
+            </a:lvl6pPr>
+            <a:lvl7pPr marL="2971800" indent="-228600" eaLnBrk="0" fontAlgn="base" hangingPunct="0">
+              <a:spcBef>
+                <a:spcPct val="0"/>
+              </a:spcBef>
+              <a:spcAft>
+                <a:spcPct val="0"/>
+              </a:spcAft>
+              <a:defRPr sz="2400">
+                <a:solidFill>
+                  <a:schemeClr val="tx1"/>
+                </a:solidFill>
+                <a:latin typeface="Trebuchet MS" charset="0"/>
+                <a:ea typeface="ＭＳ Ｐゴシック" charset="0"/>
+              </a:defRPr>
+            </a:lvl7pPr>
+            <a:lvl8pPr marL="3429000" indent="-228600" eaLnBrk="0" fontAlgn="base" hangingPunct="0">
+              <a:spcBef>
+                <a:spcPct val="0"/>
+              </a:spcBef>
+              <a:spcAft>
+                <a:spcPct val="0"/>
+              </a:spcAft>
+              <a:defRPr sz="2400">
+                <a:solidFill>
+                  <a:schemeClr val="tx1"/>
+                </a:solidFill>
+                <a:latin typeface="Trebuchet MS" charset="0"/>
+                <a:ea typeface="ＭＳ Ｐゴシック" charset="0"/>
+              </a:defRPr>
+            </a:lvl8pPr>
+            <a:lvl9pPr marL="3886200" indent="-228600" eaLnBrk="0" fontAlgn="base" hangingPunct="0">
+              <a:spcBef>
+                <a:spcPct val="0"/>
+              </a:spcBef>
+              <a:spcAft>
+                <a:spcPct val="0"/>
+              </a:spcAft>
+              <a:defRPr sz="2400">
+                <a:solidFill>
+                  <a:schemeClr val="tx1"/>
+                </a:solidFill>
+                <a:latin typeface="Trebuchet MS" charset="0"/>
+                <a:ea typeface="ＭＳ Ｐゴシック" charset="0"/>
+              </a:defRPr>
+            </a:lvl9pPr>
+          </a:lstStyle>
+          <a:p>
+            <a:pPr algn="l" eaLnBrk="1" hangingPunct="1"/>
+            <a:r>
+              <a:rPr lang="en-US" sz="1200" b="1" dirty="0" smtClean="0">
+                <a:solidFill>
+                  <a:srgbClr val="122956"/>
+                </a:solidFill>
+                <a:cs typeface="Trebuchet MS" charset="0"/>
+              </a:rPr>
+              <a:t>8-</a:t>
+            </a:r>
+            <a:fld id="{31B56995-E14C-B64F-86C9-12D6DB74A41E}" type="slidenum">
+              <a:rPr lang="en-US" sz="1200" b="1">
+                <a:solidFill>
+                  <a:srgbClr val="122956"/>
+                </a:solidFill>
+                <a:cs typeface="Trebuchet MS" charset="0"/>
+              </a:rPr>
+              <a:pPr algn="l" eaLnBrk="1" hangingPunct="1"/>
+              <a:t>12</a:t>
+            </a:fld>
+            <a:endParaRPr lang="en-US" sz="1200" b="1" dirty="0">
+              <a:solidFill>
+                <a:srgbClr val="122956"/>
+              </a:solidFill>
+              <a:cs typeface="Trebuchet MS" charset="0"/>
+            </a:endParaRPr>
+          </a:p>
+        </p:txBody>
+      </p:sp>
     </p:spTree>
     <p:extLst>
       <p:ext uri="{BB962C8B-B14F-4D97-AF65-F5344CB8AC3E}">
@@ -8692,20 +9424,192 @@
                 <a:ea typeface="ヒラギノ角ゴ ProN W3" charset="0"/>
                 <a:cs typeface="ヒラギノ角ゴ ProN W3" charset="0"/>
               </a:rPr>
-              <a:t>Drag and </a:t>
-            </a:r>
-            <a:r>
-              <a:rPr lang="en-US" dirty="0" smtClean="0">
-                <a:latin typeface="Trebuchet MS" charset="0"/>
-                <a:ea typeface="ヒラギノ角ゴ ProN W3" charset="0"/>
-                <a:cs typeface="ヒラギノ角ゴ ProN W3" charset="0"/>
-              </a:rPr>
-              <a:t>Drop</a:t>
+              <a:t>Drag and Drop</a:t>
             </a:r>
             <a:endParaRPr lang="en-US" dirty="0">
               <a:latin typeface="Trebuchet MS" charset="0"/>
               <a:ea typeface="ヒラギノ角ゴ ProN W3" charset="0"/>
               <a:cs typeface="ヒラギノ角ゴ ProN W3" charset="0"/>
+            </a:endParaRPr>
+          </a:p>
+        </p:txBody>
+      </p:sp>
+      <p:sp>
+        <p:nvSpPr>
+          <p:cNvPr id="7" name="Slide Number Placeholder 5"/>
+          <p:cNvSpPr>
+            <a:spLocks noGrp="1"/>
+          </p:cNvSpPr>
+          <p:nvPr>
+            <p:ph type="sldNum" sz="quarter" idx="12"/>
+          </p:nvPr>
+        </p:nvSpPr>
+        <p:spPr bwMode="auto">
+          <a:xfrm>
+            <a:off x="203200" y="6400800"/>
+            <a:ext cx="2133600" cy="365125"/>
+          </a:xfrm>
+          <a:noFill/>
+          <a:extLst>
+            <a:ext uri="{909E8E84-426E-40dd-AFC4-6F175D3DCCD1}">
+              <a14:hiddenFill xmlns:a14="http://schemas.microsoft.com/office/drawing/2010/main">
+                <a:solidFill>
+                  <a:srgbClr val="FFFFFF"/>
+                </a:solidFill>
+              </a14:hiddenFill>
+            </a:ext>
+            <a:ext uri="{91240B29-F687-4f45-9708-019B960494DF}">
+              <a14:hiddenLine xmlns:a14="http://schemas.microsoft.com/office/drawing/2010/main" w="9525">
+                <a:solidFill>
+                  <a:srgbClr val="000000"/>
+                </a:solidFill>
+                <a:miter lim="800000"/>
+                <a:headEnd/>
+                <a:tailEnd/>
+              </a14:hiddenLine>
+            </a:ext>
+          </a:extLst>
+        </p:spPr>
+        <p:txBody>
+          <a:bodyPr vert="horz" wrap="square" lIns="91440" tIns="45720" rIns="91440" bIns="45720" numCol="1" anchor="ctr" anchorCtr="0" compatLnSpc="1">
+            <a:prstTxWarp prst="textNoShape">
+              <a:avLst/>
+            </a:prstTxWarp>
+          </a:bodyPr>
+          <a:lstStyle>
+            <a:lvl1pPr eaLnBrk="0" hangingPunct="0">
+              <a:defRPr sz="2400">
+                <a:solidFill>
+                  <a:schemeClr val="tx1"/>
+                </a:solidFill>
+                <a:latin typeface="Trebuchet MS" charset="0"/>
+                <a:ea typeface="ＭＳ Ｐゴシック" charset="0"/>
+                <a:cs typeface="ＭＳ Ｐゴシック" charset="0"/>
+              </a:defRPr>
+            </a:lvl1pPr>
+            <a:lvl2pPr marL="742950" indent="-285750" eaLnBrk="0" hangingPunct="0">
+              <a:defRPr sz="2400">
+                <a:solidFill>
+                  <a:schemeClr val="tx1"/>
+                </a:solidFill>
+                <a:latin typeface="Trebuchet MS" charset="0"/>
+                <a:ea typeface="ＭＳ Ｐゴシック" charset="0"/>
+              </a:defRPr>
+            </a:lvl2pPr>
+            <a:lvl3pPr marL="1143000" indent="-228600" eaLnBrk="0" hangingPunct="0">
+              <a:defRPr sz="2400">
+                <a:solidFill>
+                  <a:schemeClr val="tx1"/>
+                </a:solidFill>
+                <a:latin typeface="Trebuchet MS" charset="0"/>
+                <a:ea typeface="ＭＳ Ｐゴシック" charset="0"/>
+              </a:defRPr>
+            </a:lvl3pPr>
+            <a:lvl4pPr marL="1600200" indent="-228600" eaLnBrk="0" hangingPunct="0">
+              <a:defRPr sz="2400">
+                <a:solidFill>
+                  <a:schemeClr val="tx1"/>
+                </a:solidFill>
+                <a:latin typeface="Trebuchet MS" charset="0"/>
+                <a:ea typeface="ＭＳ Ｐゴシック" charset="0"/>
+              </a:defRPr>
+            </a:lvl4pPr>
+            <a:lvl5pPr marL="2057400" indent="-228600" eaLnBrk="0" hangingPunct="0">
+              <a:defRPr sz="2400">
+                <a:solidFill>
+                  <a:schemeClr val="tx1"/>
+                </a:solidFill>
+                <a:latin typeface="Trebuchet MS" charset="0"/>
+                <a:ea typeface="ＭＳ Ｐゴシック" charset="0"/>
+              </a:defRPr>
+            </a:lvl5pPr>
+            <a:lvl6pPr marL="2514600" indent="-228600" eaLnBrk="0" fontAlgn="base" hangingPunct="0">
+              <a:spcBef>
+                <a:spcPct val="0"/>
+              </a:spcBef>
+              <a:spcAft>
+                <a:spcPct val="0"/>
+              </a:spcAft>
+              <a:defRPr sz="2400">
+                <a:solidFill>
+                  <a:schemeClr val="tx1"/>
+                </a:solidFill>
+                <a:latin typeface="Trebuchet MS" charset="0"/>
+                <a:ea typeface="ＭＳ Ｐゴシック" charset="0"/>
+              </a:defRPr>
+            </a:lvl6pPr>
+            <a:lvl7pPr marL="2971800" indent="-228600" eaLnBrk="0" fontAlgn="base" hangingPunct="0">
+              <a:spcBef>
+                <a:spcPct val="0"/>
+              </a:spcBef>
+              <a:spcAft>
+                <a:spcPct val="0"/>
+              </a:spcAft>
+              <a:defRPr sz="2400">
+                <a:solidFill>
+                  <a:schemeClr val="tx1"/>
+                </a:solidFill>
+                <a:latin typeface="Trebuchet MS" charset="0"/>
+                <a:ea typeface="ＭＳ Ｐゴシック" charset="0"/>
+              </a:defRPr>
+            </a:lvl7pPr>
+            <a:lvl8pPr marL="3429000" indent="-228600" eaLnBrk="0" fontAlgn="base" hangingPunct="0">
+              <a:spcBef>
+                <a:spcPct val="0"/>
+              </a:spcBef>
+              <a:spcAft>
+                <a:spcPct val="0"/>
+              </a:spcAft>
+              <a:defRPr sz="2400">
+                <a:solidFill>
+                  <a:schemeClr val="tx1"/>
+                </a:solidFill>
+                <a:latin typeface="Trebuchet MS" charset="0"/>
+                <a:ea typeface="ＭＳ Ｐゴシック" charset="0"/>
+              </a:defRPr>
+            </a:lvl8pPr>
+            <a:lvl9pPr marL="3886200" indent="-228600" eaLnBrk="0" fontAlgn="base" hangingPunct="0">
+              <a:spcBef>
+                <a:spcPct val="0"/>
+              </a:spcBef>
+              <a:spcAft>
+                <a:spcPct val="0"/>
+              </a:spcAft>
+              <a:defRPr sz="2400">
+                <a:solidFill>
+                  <a:schemeClr val="tx1"/>
+                </a:solidFill>
+                <a:latin typeface="Trebuchet MS" charset="0"/>
+                <a:ea typeface="ＭＳ Ｐゴシック" charset="0"/>
+              </a:defRPr>
+            </a:lvl9pPr>
+          </a:lstStyle>
+          <a:p>
+            <a:pPr algn="l" eaLnBrk="1" hangingPunct="1"/>
+            <a:r>
+              <a:rPr lang="en-US" sz="1200" b="1" dirty="0" smtClean="0">
+                <a:solidFill>
+                  <a:srgbClr val="122956"/>
+                </a:solidFill>
+                <a:cs typeface="Trebuchet MS" charset="0"/>
+              </a:rPr>
+              <a:t>8-</a:t>
+            </a:r>
+            <a:fld id="{31B56995-E14C-B64F-86C9-12D6DB74A41E}" type="slidenum">
+              <a:rPr lang="en-US" sz="1200" b="1">
+                <a:solidFill>
+                  <a:srgbClr val="122956"/>
+                </a:solidFill>
+                <a:cs typeface="Trebuchet MS" charset="0"/>
+              </a:rPr>
+              <a:pPr algn="l" eaLnBrk="1" hangingPunct="1"/>
+              <a:t>13</a:t>
+            </a:fld>
+            <a:endParaRPr lang="en-US" sz="1200" b="1" dirty="0">
+              <a:solidFill>
+                <a:srgbClr val="122956"/>
+              </a:solidFill>
+              <a:cs typeface="Trebuchet MS" charset="0"/>
             </a:endParaRPr>
           </a:p>
         </p:txBody>
@@ -8847,6 +9751,186 @@
           </a:p>
         </p:txBody>
       </p:sp>
+      <p:sp>
+        <p:nvSpPr>
+          <p:cNvPr id="4" name="Slide Number Placeholder 5"/>
+          <p:cNvSpPr>
+            <a:spLocks noGrp="1"/>
+          </p:cNvSpPr>
+          <p:nvPr>
+            <p:ph type="sldNum" sz="quarter" idx="12"/>
+          </p:nvPr>
+        </p:nvSpPr>
+        <p:spPr bwMode="auto">
+          <a:xfrm>
+            <a:off x="203200" y="6400800"/>
+            <a:ext cx="2133600" cy="365125"/>
+          </a:xfrm>
+          <a:noFill/>
+          <a:extLst>
+            <a:ext uri="{909E8E84-426E-40dd-AFC4-6F175D3DCCD1}">
+              <a14:hiddenFill xmlns:a14="http://schemas.microsoft.com/office/drawing/2010/main">
+                <a:solidFill>
+                  <a:srgbClr val="FFFFFF"/>
+                </a:solidFill>
+              </a14:hiddenFill>
+            </a:ext>
+            <a:ext uri="{91240B29-F687-4f45-9708-019B960494DF}">
+              <a14:hiddenLine xmlns:a14="http://schemas.microsoft.com/office/drawing/2010/main" w="9525">
+                <a:solidFill>
+                  <a:srgbClr val="000000"/>
+                </a:solidFill>
+                <a:miter lim="800000"/>
+                <a:headEnd/>
+                <a:tailEnd/>
+              </a14:hiddenLine>
+            </a:ext>
+          </a:extLst>
+        </p:spPr>
+        <p:txBody>
+          <a:bodyPr vert="horz" wrap="square" lIns="91440" tIns="45720" rIns="91440" bIns="45720" numCol="1" anchor="ctr" anchorCtr="0" compatLnSpc="1">
+            <a:prstTxWarp prst="textNoShape">
+              <a:avLst/>
+            </a:prstTxWarp>
+          </a:bodyPr>
+          <a:lstStyle>
+            <a:lvl1pPr eaLnBrk="0" hangingPunct="0">
+              <a:defRPr sz="2400">
+                <a:solidFill>
+                  <a:schemeClr val="tx1"/>
+                </a:solidFill>
+                <a:latin typeface="Trebuchet MS" charset="0"/>
+                <a:ea typeface="ＭＳ Ｐゴシック" charset="0"/>
+                <a:cs typeface="ＭＳ Ｐゴシック" charset="0"/>
+              </a:defRPr>
+            </a:lvl1pPr>
+            <a:lvl2pPr marL="742950" indent="-285750" eaLnBrk="0" hangingPunct="0">
+              <a:defRPr sz="2400">
+                <a:solidFill>
+                  <a:schemeClr val="tx1"/>
+                </a:solidFill>
+                <a:latin typeface="Trebuchet MS" charset="0"/>
+                <a:ea typeface="ＭＳ Ｐゴシック" charset="0"/>
+              </a:defRPr>
+            </a:lvl2pPr>
+            <a:lvl3pPr marL="1143000" indent="-228600" eaLnBrk="0" hangingPunct="0">
+              <a:defRPr sz="2400">
+                <a:solidFill>
+                  <a:schemeClr val="tx1"/>
+                </a:solidFill>
+                <a:latin typeface="Trebuchet MS" charset="0"/>
+                <a:ea typeface="ＭＳ Ｐゴシック" charset="0"/>
+              </a:defRPr>
+            </a:lvl3pPr>
+            <a:lvl4pPr marL="1600200" indent="-228600" eaLnBrk="0" hangingPunct="0">
+              <a:defRPr sz="2400">
+                <a:solidFill>
+                  <a:schemeClr val="tx1"/>
+                </a:solidFill>
+                <a:latin typeface="Trebuchet MS" charset="0"/>
+                <a:ea typeface="ＭＳ Ｐゴシック" charset="0"/>
+              </a:defRPr>
+            </a:lvl4pPr>
+            <a:lvl5pPr marL="2057400" indent="-228600" eaLnBrk="0" hangingPunct="0">
+              <a:defRPr sz="2400">
+                <a:solidFill>
+                  <a:schemeClr val="tx1"/>
+                </a:solidFill>
+                <a:latin typeface="Trebuchet MS" charset="0"/>
+                <a:ea typeface="ＭＳ Ｐゴシック" charset="0"/>
+              </a:defRPr>
+            </a:lvl5pPr>
+            <a:lvl6pPr marL="2514600" indent="-228600" eaLnBrk="0" fontAlgn="base" hangingPunct="0">
+              <a:spcBef>
+                <a:spcPct val="0"/>
+              </a:spcBef>
+              <a:spcAft>
+                <a:spcPct val="0"/>
+              </a:spcAft>
+              <a:defRPr sz="2400">
+                <a:solidFill>
+                  <a:schemeClr val="tx1"/>
+                </a:solidFill>
+                <a:latin typeface="Trebuchet MS" charset="0"/>
+                <a:ea typeface="ＭＳ Ｐゴシック" charset="0"/>
+              </a:defRPr>
+            </a:lvl6pPr>
+            <a:lvl7pPr marL="2971800" indent="-228600" eaLnBrk="0" fontAlgn="base" hangingPunct="0">
+              <a:spcBef>
+                <a:spcPct val="0"/>
+              </a:spcBef>
+              <a:spcAft>
+                <a:spcPct val="0"/>
+              </a:spcAft>
+              <a:defRPr sz="2400">
+                <a:solidFill>
+                  <a:schemeClr val="tx1"/>
+                </a:solidFill>
+                <a:latin typeface="Trebuchet MS" charset="0"/>
+                <a:ea typeface="ＭＳ Ｐゴシック" charset="0"/>
+              </a:defRPr>
+            </a:lvl7pPr>
+            <a:lvl8pPr marL="3429000" indent="-228600" eaLnBrk="0" fontAlgn="base" hangingPunct="0">
+              <a:spcBef>
+                <a:spcPct val="0"/>
+              </a:spcBef>
+              <a:spcAft>
+                <a:spcPct val="0"/>
+              </a:spcAft>
+              <a:defRPr sz="2400">
+                <a:solidFill>
+                  <a:schemeClr val="tx1"/>
+                </a:solidFill>
+                <a:latin typeface="Trebuchet MS" charset="0"/>
+                <a:ea typeface="ＭＳ Ｐゴシック" charset="0"/>
+              </a:defRPr>
+            </a:lvl8pPr>
+            <a:lvl9pPr marL="3886200" indent="-228600" eaLnBrk="0" fontAlgn="base" hangingPunct="0">
+              <a:spcBef>
+                <a:spcPct val="0"/>
+              </a:spcBef>
+              <a:spcAft>
+                <a:spcPct val="0"/>
+              </a:spcAft>
+              <a:defRPr sz="2400">
+                <a:solidFill>
+                  <a:schemeClr val="tx1"/>
+                </a:solidFill>
+                <a:latin typeface="Trebuchet MS" charset="0"/>
+                <a:ea typeface="ＭＳ Ｐゴシック" charset="0"/>
+              </a:defRPr>
+            </a:lvl9pPr>
+          </a:lstStyle>
+          <a:p>
+            <a:pPr algn="l" eaLnBrk="1" hangingPunct="1"/>
+            <a:r>
+              <a:rPr lang="en-US" sz="1200" b="1" dirty="0" smtClean="0">
+                <a:solidFill>
+                  <a:srgbClr val="122956"/>
+                </a:solidFill>
+                <a:cs typeface="Trebuchet MS" charset="0"/>
+              </a:rPr>
+              <a:t>8-</a:t>
+            </a:r>
+            <a:fld id="{31B56995-E14C-B64F-86C9-12D6DB74A41E}" type="slidenum">
+              <a:rPr lang="en-US" sz="1200" b="1">
+                <a:solidFill>
+                  <a:srgbClr val="122956"/>
+                </a:solidFill>
+                <a:cs typeface="Trebuchet MS" charset="0"/>
+              </a:rPr>
+              <a:pPr algn="l" eaLnBrk="1" hangingPunct="1"/>
+              <a:t>14</a:t>
+            </a:fld>
+            <a:endParaRPr lang="en-US" sz="1200" b="1" dirty="0">
+              <a:solidFill>
+                <a:srgbClr val="122956"/>
+              </a:solidFill>
+              <a:cs typeface="Trebuchet MS" charset="0"/>
+            </a:endParaRPr>
+          </a:p>
+        </p:txBody>
+      </p:sp>
     </p:spTree>
     <p:extLst>
       <p:ext uri="{BB962C8B-B14F-4D97-AF65-F5344CB8AC3E}">
@@ -9168,6 +10252,186 @@
               <a:latin typeface="Trebuchet MS" charset="0"/>
               <a:ea typeface="ヒラギノ角ゴ ProN W3" charset="0"/>
               <a:cs typeface="ヒラギノ角ゴ ProN W3" charset="0"/>
+            </a:endParaRPr>
+          </a:p>
+        </p:txBody>
+      </p:sp>
+      <p:sp>
+        <p:nvSpPr>
+          <p:cNvPr id="7" name="Slide Number Placeholder 5"/>
+          <p:cNvSpPr>
+            <a:spLocks noGrp="1"/>
+          </p:cNvSpPr>
+          <p:nvPr>
+            <p:ph type="sldNum" sz="quarter" idx="12"/>
+          </p:nvPr>
+        </p:nvSpPr>
+        <p:spPr bwMode="auto">
+          <a:xfrm>
+            <a:off x="203200" y="6400800"/>
+            <a:ext cx="2133600" cy="365125"/>
+          </a:xfrm>
+          <a:noFill/>
+          <a:extLst>
+            <a:ext uri="{909E8E84-426E-40dd-AFC4-6F175D3DCCD1}">
+              <a14:hiddenFill xmlns:a14="http://schemas.microsoft.com/office/drawing/2010/main">
+                <a:solidFill>
+                  <a:srgbClr val="FFFFFF"/>
+                </a:solidFill>
+              </a14:hiddenFill>
+            </a:ext>
+            <a:ext uri="{91240B29-F687-4f45-9708-019B960494DF}">
+              <a14:hiddenLine xmlns:a14="http://schemas.microsoft.com/office/drawing/2010/main" w="9525">
+                <a:solidFill>
+                  <a:srgbClr val="000000"/>
+                </a:solidFill>
+                <a:miter lim="800000"/>
+                <a:headEnd/>
+                <a:tailEnd/>
+              </a14:hiddenLine>
+            </a:ext>
+          </a:extLst>
+        </p:spPr>
+        <p:txBody>
+          <a:bodyPr vert="horz" wrap="square" lIns="91440" tIns="45720" rIns="91440" bIns="45720" numCol="1" anchor="ctr" anchorCtr="0" compatLnSpc="1">
+            <a:prstTxWarp prst="textNoShape">
+              <a:avLst/>
+            </a:prstTxWarp>
+          </a:bodyPr>
+          <a:lstStyle>
+            <a:lvl1pPr eaLnBrk="0" hangingPunct="0">
+              <a:defRPr sz="2400">
+                <a:solidFill>
+                  <a:schemeClr val="tx1"/>
+                </a:solidFill>
+                <a:latin typeface="Trebuchet MS" charset="0"/>
+                <a:ea typeface="ＭＳ Ｐゴシック" charset="0"/>
+                <a:cs typeface="ＭＳ Ｐゴシック" charset="0"/>
+              </a:defRPr>
+            </a:lvl1pPr>
+            <a:lvl2pPr marL="742950" indent="-285750" eaLnBrk="0" hangingPunct="0">
+              <a:defRPr sz="2400">
+                <a:solidFill>
+                  <a:schemeClr val="tx1"/>
+                </a:solidFill>
+                <a:latin typeface="Trebuchet MS" charset="0"/>
+                <a:ea typeface="ＭＳ Ｐゴシック" charset="0"/>
+              </a:defRPr>
+            </a:lvl2pPr>
+            <a:lvl3pPr marL="1143000" indent="-228600" eaLnBrk="0" hangingPunct="0">
+              <a:defRPr sz="2400">
+                <a:solidFill>
+                  <a:schemeClr val="tx1"/>
+                </a:solidFill>
+                <a:latin typeface="Trebuchet MS" charset="0"/>
+                <a:ea typeface="ＭＳ Ｐゴシック" charset="0"/>
+              </a:defRPr>
+            </a:lvl3pPr>
+            <a:lvl4pPr marL="1600200" indent="-228600" eaLnBrk="0" hangingPunct="0">
+              <a:defRPr sz="2400">
+                <a:solidFill>
+                  <a:schemeClr val="tx1"/>
+                </a:solidFill>
+                <a:latin typeface="Trebuchet MS" charset="0"/>
+                <a:ea typeface="ＭＳ Ｐゴシック" charset="0"/>
+              </a:defRPr>
+            </a:lvl4pPr>
+            <a:lvl5pPr marL="2057400" indent="-228600" eaLnBrk="0" hangingPunct="0">
+              <a:defRPr sz="2400">
+                <a:solidFill>
+                  <a:schemeClr val="tx1"/>
+                </a:solidFill>
+                <a:latin typeface="Trebuchet MS" charset="0"/>
+                <a:ea typeface="ＭＳ Ｐゴシック" charset="0"/>
+              </a:defRPr>
+            </a:lvl5pPr>
+            <a:lvl6pPr marL="2514600" indent="-228600" eaLnBrk="0" fontAlgn="base" hangingPunct="0">
+              <a:spcBef>
+                <a:spcPct val="0"/>
+              </a:spcBef>
+              <a:spcAft>
+                <a:spcPct val="0"/>
+              </a:spcAft>
+              <a:defRPr sz="2400">
+                <a:solidFill>
+                  <a:schemeClr val="tx1"/>
+                </a:solidFill>
+                <a:latin typeface="Trebuchet MS" charset="0"/>
+                <a:ea typeface="ＭＳ Ｐゴシック" charset="0"/>
+              </a:defRPr>
+            </a:lvl6pPr>
+            <a:lvl7pPr marL="2971800" indent="-228600" eaLnBrk="0" fontAlgn="base" hangingPunct="0">
+              <a:spcBef>
+                <a:spcPct val="0"/>
+              </a:spcBef>
+              <a:spcAft>
+                <a:spcPct val="0"/>
+              </a:spcAft>
+              <a:defRPr sz="2400">
+                <a:solidFill>
+                  <a:schemeClr val="tx1"/>
+                </a:solidFill>
+                <a:latin typeface="Trebuchet MS" charset="0"/>
+                <a:ea typeface="ＭＳ Ｐゴシック" charset="0"/>
+              </a:defRPr>
+            </a:lvl7pPr>
+            <a:lvl8pPr marL="3429000" indent="-228600" eaLnBrk="0" fontAlgn="base" hangingPunct="0">
+              <a:spcBef>
+                <a:spcPct val="0"/>
+              </a:spcBef>
+              <a:spcAft>
+                <a:spcPct val="0"/>
+              </a:spcAft>
+              <a:defRPr sz="2400">
+                <a:solidFill>
+                  <a:schemeClr val="tx1"/>
+                </a:solidFill>
+                <a:latin typeface="Trebuchet MS" charset="0"/>
+                <a:ea typeface="ＭＳ Ｐゴシック" charset="0"/>
+              </a:defRPr>
+            </a:lvl8pPr>
+            <a:lvl9pPr marL="3886200" indent="-228600" eaLnBrk="0" fontAlgn="base" hangingPunct="0">
+              <a:spcBef>
+                <a:spcPct val="0"/>
+              </a:spcBef>
+              <a:spcAft>
+                <a:spcPct val="0"/>
+              </a:spcAft>
+              <a:defRPr sz="2400">
+                <a:solidFill>
+                  <a:schemeClr val="tx1"/>
+                </a:solidFill>
+                <a:latin typeface="Trebuchet MS" charset="0"/>
+                <a:ea typeface="ＭＳ Ｐゴシック" charset="0"/>
+              </a:defRPr>
+            </a:lvl9pPr>
+          </a:lstStyle>
+          <a:p>
+            <a:pPr algn="l" eaLnBrk="1" hangingPunct="1"/>
+            <a:r>
+              <a:rPr lang="en-US" sz="1200" b="1" dirty="0" smtClean="0">
+                <a:solidFill>
+                  <a:srgbClr val="122956"/>
+                </a:solidFill>
+                <a:cs typeface="Trebuchet MS" charset="0"/>
+              </a:rPr>
+              <a:t>8-</a:t>
+            </a:r>
+            <a:fld id="{31B56995-E14C-B64F-86C9-12D6DB74A41E}" type="slidenum">
+              <a:rPr lang="en-US" sz="1200" b="1">
+                <a:solidFill>
+                  <a:srgbClr val="122956"/>
+                </a:solidFill>
+                <a:cs typeface="Trebuchet MS" charset="0"/>
+              </a:rPr>
+              <a:pPr algn="l" eaLnBrk="1" hangingPunct="1"/>
+              <a:t>15</a:t>
+            </a:fld>
+            <a:endParaRPr lang="en-US" sz="1200" b="1" dirty="0">
+              <a:solidFill>
+                <a:srgbClr val="122956"/>
+              </a:solidFill>
+              <a:cs typeface="Trebuchet MS" charset="0"/>
             </a:endParaRPr>
           </a:p>
         </p:txBody>
@@ -9309,6 +10573,186 @@
           </a:p>
         </p:txBody>
       </p:sp>
+      <p:sp>
+        <p:nvSpPr>
+          <p:cNvPr id="4" name="Slide Number Placeholder 5"/>
+          <p:cNvSpPr>
+            <a:spLocks noGrp="1"/>
+          </p:cNvSpPr>
+          <p:nvPr>
+            <p:ph type="sldNum" sz="quarter" idx="12"/>
+          </p:nvPr>
+        </p:nvSpPr>
+        <p:spPr bwMode="auto">
+          <a:xfrm>
+            <a:off x="203200" y="6400800"/>
+            <a:ext cx="2133600" cy="365125"/>
+          </a:xfrm>
+          <a:noFill/>
+          <a:extLst>
+            <a:ext uri="{909E8E84-426E-40dd-AFC4-6F175D3DCCD1}">
+              <a14:hiddenFill xmlns:a14="http://schemas.microsoft.com/office/drawing/2010/main">
+                <a:solidFill>
+                  <a:srgbClr val="FFFFFF"/>
+                </a:solidFill>
+              </a14:hiddenFill>
+            </a:ext>
+            <a:ext uri="{91240B29-F687-4f45-9708-019B960494DF}">
+              <a14:hiddenLine xmlns:a14="http://schemas.microsoft.com/office/drawing/2010/main" w="9525">
+                <a:solidFill>
+                  <a:srgbClr val="000000"/>
+                </a:solidFill>
+                <a:miter lim="800000"/>
+                <a:headEnd/>
+                <a:tailEnd/>
+              </a14:hiddenLine>
+            </a:ext>
+          </a:extLst>
+        </p:spPr>
+        <p:txBody>
+          <a:bodyPr vert="horz" wrap="square" lIns="91440" tIns="45720" rIns="91440" bIns="45720" numCol="1" anchor="ctr" anchorCtr="0" compatLnSpc="1">
+            <a:prstTxWarp prst="textNoShape">
+              <a:avLst/>
+            </a:prstTxWarp>
+          </a:bodyPr>
+          <a:lstStyle>
+            <a:lvl1pPr eaLnBrk="0" hangingPunct="0">
+              <a:defRPr sz="2400">
+                <a:solidFill>
+                  <a:schemeClr val="tx1"/>
+                </a:solidFill>
+                <a:latin typeface="Trebuchet MS" charset="0"/>
+                <a:ea typeface="ＭＳ Ｐゴシック" charset="0"/>
+                <a:cs typeface="ＭＳ Ｐゴシック" charset="0"/>
+              </a:defRPr>
+            </a:lvl1pPr>
+            <a:lvl2pPr marL="742950" indent="-285750" eaLnBrk="0" hangingPunct="0">
+              <a:defRPr sz="2400">
+                <a:solidFill>
+                  <a:schemeClr val="tx1"/>
+                </a:solidFill>
+                <a:latin typeface="Trebuchet MS" charset="0"/>
+                <a:ea typeface="ＭＳ Ｐゴシック" charset="0"/>
+              </a:defRPr>
+            </a:lvl2pPr>
+            <a:lvl3pPr marL="1143000" indent="-228600" eaLnBrk="0" hangingPunct="0">
+              <a:defRPr sz="2400">
+                <a:solidFill>
+                  <a:schemeClr val="tx1"/>
+                </a:solidFill>
+                <a:latin typeface="Trebuchet MS" charset="0"/>
+                <a:ea typeface="ＭＳ Ｐゴシック" charset="0"/>
+              </a:defRPr>
+            </a:lvl3pPr>
+            <a:lvl4pPr marL="1600200" indent="-228600" eaLnBrk="0" hangingPunct="0">
+              <a:defRPr sz="2400">
+                <a:solidFill>
+                  <a:schemeClr val="tx1"/>
+                </a:solidFill>
+                <a:latin typeface="Trebuchet MS" charset="0"/>
+                <a:ea typeface="ＭＳ Ｐゴシック" charset="0"/>
+              </a:defRPr>
+            </a:lvl4pPr>
+            <a:lvl5pPr marL="2057400" indent="-228600" eaLnBrk="0" hangingPunct="0">
+              <a:defRPr sz="2400">
+                <a:solidFill>
+                  <a:schemeClr val="tx1"/>
+                </a:solidFill>
+                <a:latin typeface="Trebuchet MS" charset="0"/>
+                <a:ea typeface="ＭＳ Ｐゴシック" charset="0"/>
+              </a:defRPr>
+            </a:lvl5pPr>
+            <a:lvl6pPr marL="2514600" indent="-228600" eaLnBrk="0" fontAlgn="base" hangingPunct="0">
+              <a:spcBef>
+                <a:spcPct val="0"/>
+              </a:spcBef>
+              <a:spcAft>
+                <a:spcPct val="0"/>
+              </a:spcAft>
+              <a:defRPr sz="2400">
+                <a:solidFill>
+                  <a:schemeClr val="tx1"/>
+                </a:solidFill>
+                <a:latin typeface="Trebuchet MS" charset="0"/>
+                <a:ea typeface="ＭＳ Ｐゴシック" charset="0"/>
+              </a:defRPr>
+            </a:lvl6pPr>
+            <a:lvl7pPr marL="2971800" indent="-228600" eaLnBrk="0" fontAlgn="base" hangingPunct="0">
+              <a:spcBef>
+                <a:spcPct val="0"/>
+              </a:spcBef>
+              <a:spcAft>
+                <a:spcPct val="0"/>
+              </a:spcAft>
+              <a:defRPr sz="2400">
+                <a:solidFill>
+                  <a:schemeClr val="tx1"/>
+                </a:solidFill>
+                <a:latin typeface="Trebuchet MS" charset="0"/>
+                <a:ea typeface="ＭＳ Ｐゴシック" charset="0"/>
+              </a:defRPr>
+            </a:lvl7pPr>
+            <a:lvl8pPr marL="3429000" indent="-228600" eaLnBrk="0" fontAlgn="base" hangingPunct="0">
+              <a:spcBef>
+                <a:spcPct val="0"/>
+              </a:spcBef>
+              <a:spcAft>
+                <a:spcPct val="0"/>
+              </a:spcAft>
+              <a:defRPr sz="2400">
+                <a:solidFill>
+                  <a:schemeClr val="tx1"/>
+                </a:solidFill>
+                <a:latin typeface="Trebuchet MS" charset="0"/>
+                <a:ea typeface="ＭＳ Ｐゴシック" charset="0"/>
+              </a:defRPr>
+            </a:lvl8pPr>
+            <a:lvl9pPr marL="3886200" indent="-228600" eaLnBrk="0" fontAlgn="base" hangingPunct="0">
+              <a:spcBef>
+                <a:spcPct val="0"/>
+              </a:spcBef>
+              <a:spcAft>
+                <a:spcPct val="0"/>
+              </a:spcAft>
+              <a:defRPr sz="2400">
+                <a:solidFill>
+                  <a:schemeClr val="tx1"/>
+                </a:solidFill>
+                <a:latin typeface="Trebuchet MS" charset="0"/>
+                <a:ea typeface="ＭＳ Ｐゴシック" charset="0"/>
+              </a:defRPr>
+            </a:lvl9pPr>
+          </a:lstStyle>
+          <a:p>
+            <a:pPr algn="l" eaLnBrk="1" hangingPunct="1"/>
+            <a:r>
+              <a:rPr lang="en-US" sz="1200" b="1" dirty="0" smtClean="0">
+                <a:solidFill>
+                  <a:srgbClr val="122956"/>
+                </a:solidFill>
+                <a:cs typeface="Trebuchet MS" charset="0"/>
+              </a:rPr>
+              <a:t>8-</a:t>
+            </a:r>
+            <a:fld id="{31B56995-E14C-B64F-86C9-12D6DB74A41E}" type="slidenum">
+              <a:rPr lang="en-US" sz="1200" b="1">
+                <a:solidFill>
+                  <a:srgbClr val="122956"/>
+                </a:solidFill>
+                <a:cs typeface="Trebuchet MS" charset="0"/>
+              </a:rPr>
+              <a:pPr algn="l" eaLnBrk="1" hangingPunct="1"/>
+              <a:t>16</a:t>
+            </a:fld>
+            <a:endParaRPr lang="en-US" sz="1200" b="1" dirty="0">
+              <a:solidFill>
+                <a:srgbClr val="122956"/>
+              </a:solidFill>
+              <a:cs typeface="Trebuchet MS" charset="0"/>
+            </a:endParaRPr>
+          </a:p>
+        </p:txBody>
+      </p:sp>
     </p:spTree>
     <p:extLst>
       <p:ext uri="{BB962C8B-B14F-4D97-AF65-F5344CB8AC3E}">
@@ -9635,6 +11079,186 @@
           </a:p>
         </p:txBody>
       </p:sp>
+      <p:sp>
+        <p:nvSpPr>
+          <p:cNvPr id="7" name="Slide Number Placeholder 5"/>
+          <p:cNvSpPr>
+            <a:spLocks noGrp="1"/>
+          </p:cNvSpPr>
+          <p:nvPr>
+            <p:ph type="sldNum" sz="quarter" idx="12"/>
+          </p:nvPr>
+        </p:nvSpPr>
+        <p:spPr bwMode="auto">
+          <a:xfrm>
+            <a:off x="203200" y="6400800"/>
+            <a:ext cx="2133600" cy="365125"/>
+          </a:xfrm>
+          <a:noFill/>
+          <a:extLst>
+            <a:ext uri="{909E8E84-426E-40dd-AFC4-6F175D3DCCD1}">
+              <a14:hiddenFill xmlns:a14="http://schemas.microsoft.com/office/drawing/2010/main">
+                <a:solidFill>
+                  <a:srgbClr val="FFFFFF"/>
+                </a:solidFill>
+              </a14:hiddenFill>
+            </a:ext>
+            <a:ext uri="{91240B29-F687-4f45-9708-019B960494DF}">
+              <a14:hiddenLine xmlns:a14="http://schemas.microsoft.com/office/drawing/2010/main" w="9525">
+                <a:solidFill>
+                  <a:srgbClr val="000000"/>
+                </a:solidFill>
+                <a:miter lim="800000"/>
+                <a:headEnd/>
+                <a:tailEnd/>
+              </a14:hiddenLine>
+            </a:ext>
+          </a:extLst>
+        </p:spPr>
+        <p:txBody>
+          <a:bodyPr vert="horz" wrap="square" lIns="91440" tIns="45720" rIns="91440" bIns="45720" numCol="1" anchor="ctr" anchorCtr="0" compatLnSpc="1">
+            <a:prstTxWarp prst="textNoShape">
+              <a:avLst/>
+            </a:prstTxWarp>
+          </a:bodyPr>
+          <a:lstStyle>
+            <a:lvl1pPr eaLnBrk="0" hangingPunct="0">
+              <a:defRPr sz="2400">
+                <a:solidFill>
+                  <a:schemeClr val="tx1"/>
+                </a:solidFill>
+                <a:latin typeface="Trebuchet MS" charset="0"/>
+                <a:ea typeface="ＭＳ Ｐゴシック" charset="0"/>
+                <a:cs typeface="ＭＳ Ｐゴシック" charset="0"/>
+              </a:defRPr>
+            </a:lvl1pPr>
+            <a:lvl2pPr marL="742950" indent="-285750" eaLnBrk="0" hangingPunct="0">
+              <a:defRPr sz="2400">
+                <a:solidFill>
+                  <a:schemeClr val="tx1"/>
+                </a:solidFill>
+                <a:latin typeface="Trebuchet MS" charset="0"/>
+                <a:ea typeface="ＭＳ Ｐゴシック" charset="0"/>
+              </a:defRPr>
+            </a:lvl2pPr>
+            <a:lvl3pPr marL="1143000" indent="-228600" eaLnBrk="0" hangingPunct="0">
+              <a:defRPr sz="2400">
+                <a:solidFill>
+                  <a:schemeClr val="tx1"/>
+                </a:solidFill>
+                <a:latin typeface="Trebuchet MS" charset="0"/>
+                <a:ea typeface="ＭＳ Ｐゴシック" charset="0"/>
+              </a:defRPr>
+            </a:lvl3pPr>
+            <a:lvl4pPr marL="1600200" indent="-228600" eaLnBrk="0" hangingPunct="0">
+              <a:defRPr sz="2400">
+                <a:solidFill>
+                  <a:schemeClr val="tx1"/>
+                </a:solidFill>
+                <a:latin typeface="Trebuchet MS" charset="0"/>
+                <a:ea typeface="ＭＳ Ｐゴシック" charset="0"/>
+              </a:defRPr>
+            </a:lvl4pPr>
+            <a:lvl5pPr marL="2057400" indent="-228600" eaLnBrk="0" hangingPunct="0">
+              <a:defRPr sz="2400">
+                <a:solidFill>
+                  <a:schemeClr val="tx1"/>
+                </a:solidFill>
+                <a:latin typeface="Trebuchet MS" charset="0"/>
+                <a:ea typeface="ＭＳ Ｐゴシック" charset="0"/>
+              </a:defRPr>
+            </a:lvl5pPr>
+            <a:lvl6pPr marL="2514600" indent="-228600" eaLnBrk="0" fontAlgn="base" hangingPunct="0">
+              <a:spcBef>
+                <a:spcPct val="0"/>
+              </a:spcBef>
+              <a:spcAft>
+                <a:spcPct val="0"/>
+              </a:spcAft>
+              <a:defRPr sz="2400">
+                <a:solidFill>
+                  <a:schemeClr val="tx1"/>
+                </a:solidFill>
+                <a:latin typeface="Trebuchet MS" charset="0"/>
+                <a:ea typeface="ＭＳ Ｐゴシック" charset="0"/>
+              </a:defRPr>
+            </a:lvl6pPr>
+            <a:lvl7pPr marL="2971800" indent="-228600" eaLnBrk="0" fontAlgn="base" hangingPunct="0">
+              <a:spcBef>
+                <a:spcPct val="0"/>
+              </a:spcBef>
+              <a:spcAft>
+                <a:spcPct val="0"/>
+              </a:spcAft>
+              <a:defRPr sz="2400">
+                <a:solidFill>
+                  <a:schemeClr val="tx1"/>
+                </a:solidFill>
+                <a:latin typeface="Trebuchet MS" charset="0"/>
+                <a:ea typeface="ＭＳ Ｐゴシック" charset="0"/>
+              </a:defRPr>
+            </a:lvl7pPr>
+            <a:lvl8pPr marL="3429000" indent="-228600" eaLnBrk="0" fontAlgn="base" hangingPunct="0">
+              <a:spcBef>
+                <a:spcPct val="0"/>
+              </a:spcBef>
+              <a:spcAft>
+                <a:spcPct val="0"/>
+              </a:spcAft>
+              <a:defRPr sz="2400">
+                <a:solidFill>
+                  <a:schemeClr val="tx1"/>
+                </a:solidFill>
+                <a:latin typeface="Trebuchet MS" charset="0"/>
+                <a:ea typeface="ＭＳ Ｐゴシック" charset="0"/>
+              </a:defRPr>
+            </a:lvl8pPr>
+            <a:lvl9pPr marL="3886200" indent="-228600" eaLnBrk="0" fontAlgn="base" hangingPunct="0">
+              <a:spcBef>
+                <a:spcPct val="0"/>
+              </a:spcBef>
+              <a:spcAft>
+                <a:spcPct val="0"/>
+              </a:spcAft>
+              <a:defRPr sz="2400">
+                <a:solidFill>
+                  <a:schemeClr val="tx1"/>
+                </a:solidFill>
+                <a:latin typeface="Trebuchet MS" charset="0"/>
+                <a:ea typeface="ＭＳ Ｐゴシック" charset="0"/>
+              </a:defRPr>
+            </a:lvl9pPr>
+          </a:lstStyle>
+          <a:p>
+            <a:pPr algn="l" eaLnBrk="1" hangingPunct="1"/>
+            <a:r>
+              <a:rPr lang="en-US" sz="1200" b="1" dirty="0" smtClean="0">
+                <a:solidFill>
+                  <a:srgbClr val="122956"/>
+                </a:solidFill>
+                <a:cs typeface="Trebuchet MS" charset="0"/>
+              </a:rPr>
+              <a:t>8-</a:t>
+            </a:r>
+            <a:fld id="{31B56995-E14C-B64F-86C9-12D6DB74A41E}" type="slidenum">
+              <a:rPr lang="en-US" sz="1200" b="1">
+                <a:solidFill>
+                  <a:srgbClr val="122956"/>
+                </a:solidFill>
+                <a:cs typeface="Trebuchet MS" charset="0"/>
+              </a:rPr>
+              <a:pPr algn="l" eaLnBrk="1" hangingPunct="1"/>
+              <a:t>2</a:t>
+            </a:fld>
+            <a:endParaRPr lang="en-US" sz="1200" b="1" dirty="0">
+              <a:solidFill>
+                <a:srgbClr val="122956"/>
+              </a:solidFill>
+              <a:cs typeface="Trebuchet MS" charset="0"/>
+            </a:endParaRPr>
+          </a:p>
+        </p:txBody>
+      </p:sp>
     </p:spTree>
   </p:cSld>
   <p:clrMapOvr>
@@ -9934,6 +11558,186 @@
               </a:rPr>
               <a:t>Essential for games (a less often used application of Titanium, but becoming more popular)</a:t>
             </a:r>
+          </a:p>
+        </p:txBody>
+      </p:sp>
+      <p:sp>
+        <p:nvSpPr>
+          <p:cNvPr id="7" name="Slide Number Placeholder 5"/>
+          <p:cNvSpPr>
+            <a:spLocks noGrp="1"/>
+          </p:cNvSpPr>
+          <p:nvPr>
+            <p:ph type="sldNum" sz="quarter" idx="12"/>
+          </p:nvPr>
+        </p:nvSpPr>
+        <p:spPr bwMode="auto">
+          <a:xfrm>
+            <a:off x="203200" y="6400800"/>
+            <a:ext cx="2133600" cy="365125"/>
+          </a:xfrm>
+          <a:noFill/>
+          <a:extLst>
+            <a:ext uri="{909E8E84-426E-40dd-AFC4-6F175D3DCCD1}">
+              <a14:hiddenFill xmlns:a14="http://schemas.microsoft.com/office/drawing/2010/main">
+                <a:solidFill>
+                  <a:srgbClr val="FFFFFF"/>
+                </a:solidFill>
+              </a14:hiddenFill>
+            </a:ext>
+            <a:ext uri="{91240B29-F687-4f45-9708-019B960494DF}">
+              <a14:hiddenLine xmlns:a14="http://schemas.microsoft.com/office/drawing/2010/main" w="9525">
+                <a:solidFill>
+                  <a:srgbClr val="000000"/>
+                </a:solidFill>
+                <a:miter lim="800000"/>
+                <a:headEnd/>
+                <a:tailEnd/>
+              </a14:hiddenLine>
+            </a:ext>
+          </a:extLst>
+        </p:spPr>
+        <p:txBody>
+          <a:bodyPr vert="horz" wrap="square" lIns="91440" tIns="45720" rIns="91440" bIns="45720" numCol="1" anchor="ctr" anchorCtr="0" compatLnSpc="1">
+            <a:prstTxWarp prst="textNoShape">
+              <a:avLst/>
+            </a:prstTxWarp>
+          </a:bodyPr>
+          <a:lstStyle>
+            <a:lvl1pPr eaLnBrk="0" hangingPunct="0">
+              <a:defRPr sz="2400">
+                <a:solidFill>
+                  <a:schemeClr val="tx1"/>
+                </a:solidFill>
+                <a:latin typeface="Trebuchet MS" charset="0"/>
+                <a:ea typeface="ＭＳ Ｐゴシック" charset="0"/>
+                <a:cs typeface="ＭＳ Ｐゴシック" charset="0"/>
+              </a:defRPr>
+            </a:lvl1pPr>
+            <a:lvl2pPr marL="742950" indent="-285750" eaLnBrk="0" hangingPunct="0">
+              <a:defRPr sz="2400">
+                <a:solidFill>
+                  <a:schemeClr val="tx1"/>
+                </a:solidFill>
+                <a:latin typeface="Trebuchet MS" charset="0"/>
+                <a:ea typeface="ＭＳ Ｐゴシック" charset="0"/>
+              </a:defRPr>
+            </a:lvl2pPr>
+            <a:lvl3pPr marL="1143000" indent="-228600" eaLnBrk="0" hangingPunct="0">
+              <a:defRPr sz="2400">
+                <a:solidFill>
+                  <a:schemeClr val="tx1"/>
+                </a:solidFill>
+                <a:latin typeface="Trebuchet MS" charset="0"/>
+                <a:ea typeface="ＭＳ Ｐゴシック" charset="0"/>
+              </a:defRPr>
+            </a:lvl3pPr>
+            <a:lvl4pPr marL="1600200" indent="-228600" eaLnBrk="0" hangingPunct="0">
+              <a:defRPr sz="2400">
+                <a:solidFill>
+                  <a:schemeClr val="tx1"/>
+                </a:solidFill>
+                <a:latin typeface="Trebuchet MS" charset="0"/>
+                <a:ea typeface="ＭＳ Ｐゴシック" charset="0"/>
+              </a:defRPr>
+            </a:lvl4pPr>
+            <a:lvl5pPr marL="2057400" indent="-228600" eaLnBrk="0" hangingPunct="0">
+              <a:defRPr sz="2400">
+                <a:solidFill>
+                  <a:schemeClr val="tx1"/>
+                </a:solidFill>
+                <a:latin typeface="Trebuchet MS" charset="0"/>
+                <a:ea typeface="ＭＳ Ｐゴシック" charset="0"/>
+              </a:defRPr>
+            </a:lvl5pPr>
+            <a:lvl6pPr marL="2514600" indent="-228600" eaLnBrk="0" fontAlgn="base" hangingPunct="0">
+              <a:spcBef>
+                <a:spcPct val="0"/>
+              </a:spcBef>
+              <a:spcAft>
+                <a:spcPct val="0"/>
+              </a:spcAft>
+              <a:defRPr sz="2400">
+                <a:solidFill>
+                  <a:schemeClr val="tx1"/>
+                </a:solidFill>
+                <a:latin typeface="Trebuchet MS" charset="0"/>
+                <a:ea typeface="ＭＳ Ｐゴシック" charset="0"/>
+              </a:defRPr>
+            </a:lvl6pPr>
+            <a:lvl7pPr marL="2971800" indent="-228600" eaLnBrk="0" fontAlgn="base" hangingPunct="0">
+              <a:spcBef>
+                <a:spcPct val="0"/>
+              </a:spcBef>
+              <a:spcAft>
+                <a:spcPct val="0"/>
+              </a:spcAft>
+              <a:defRPr sz="2400">
+                <a:solidFill>
+                  <a:schemeClr val="tx1"/>
+                </a:solidFill>
+                <a:latin typeface="Trebuchet MS" charset="0"/>
+                <a:ea typeface="ＭＳ Ｐゴシック" charset="0"/>
+              </a:defRPr>
+            </a:lvl7pPr>
+            <a:lvl8pPr marL="3429000" indent="-228600" eaLnBrk="0" fontAlgn="base" hangingPunct="0">
+              <a:spcBef>
+                <a:spcPct val="0"/>
+              </a:spcBef>
+              <a:spcAft>
+                <a:spcPct val="0"/>
+              </a:spcAft>
+              <a:defRPr sz="2400">
+                <a:solidFill>
+                  <a:schemeClr val="tx1"/>
+                </a:solidFill>
+                <a:latin typeface="Trebuchet MS" charset="0"/>
+                <a:ea typeface="ＭＳ Ｐゴシック" charset="0"/>
+              </a:defRPr>
+            </a:lvl8pPr>
+            <a:lvl9pPr marL="3886200" indent="-228600" eaLnBrk="0" fontAlgn="base" hangingPunct="0">
+              <a:spcBef>
+                <a:spcPct val="0"/>
+              </a:spcBef>
+              <a:spcAft>
+                <a:spcPct val="0"/>
+              </a:spcAft>
+              <a:defRPr sz="2400">
+                <a:solidFill>
+                  <a:schemeClr val="tx1"/>
+                </a:solidFill>
+                <a:latin typeface="Trebuchet MS" charset="0"/>
+                <a:ea typeface="ＭＳ Ｐゴシック" charset="0"/>
+              </a:defRPr>
+            </a:lvl9pPr>
+          </a:lstStyle>
+          <a:p>
+            <a:pPr algn="l" eaLnBrk="1" hangingPunct="1"/>
+            <a:r>
+              <a:rPr lang="en-US" sz="1200" b="1" dirty="0" smtClean="0">
+                <a:solidFill>
+                  <a:srgbClr val="122956"/>
+                </a:solidFill>
+                <a:cs typeface="Trebuchet MS" charset="0"/>
+              </a:rPr>
+              <a:t>8-</a:t>
+            </a:r>
+            <a:fld id="{31B56995-E14C-B64F-86C9-12D6DB74A41E}" type="slidenum">
+              <a:rPr lang="en-US" sz="1200" b="1">
+                <a:solidFill>
+                  <a:srgbClr val="122956"/>
+                </a:solidFill>
+                <a:cs typeface="Trebuchet MS" charset="0"/>
+              </a:rPr>
+              <a:pPr algn="l" eaLnBrk="1" hangingPunct="1"/>
+              <a:t>3</a:t>
+            </a:fld>
+            <a:endParaRPr lang="en-US" sz="1200" b="1" dirty="0">
+              <a:solidFill>
+                <a:srgbClr val="122956"/>
+              </a:solidFill>
+              <a:cs typeface="Trebuchet MS" charset="0"/>
+            </a:endParaRPr>
           </a:p>
         </p:txBody>
       </p:sp>
@@ -10246,6 +12050,186 @@
           </a:prstGeom>
         </p:spPr>
       </p:pic>
+      <p:sp>
+        <p:nvSpPr>
+          <p:cNvPr id="8" name="Slide Number Placeholder 5"/>
+          <p:cNvSpPr>
+            <a:spLocks noGrp="1"/>
+          </p:cNvSpPr>
+          <p:nvPr>
+            <p:ph type="sldNum" sz="quarter" idx="12"/>
+          </p:nvPr>
+        </p:nvSpPr>
+        <p:spPr bwMode="auto">
+          <a:xfrm>
+            <a:off x="203200" y="6400800"/>
+            <a:ext cx="2133600" cy="365125"/>
+          </a:xfrm>
+          <a:noFill/>
+          <a:extLst>
+            <a:ext uri="{909E8E84-426E-40dd-AFC4-6F175D3DCCD1}">
+              <a14:hiddenFill xmlns:a14="http://schemas.microsoft.com/office/drawing/2010/main">
+                <a:solidFill>
+                  <a:srgbClr val="FFFFFF"/>
+                </a:solidFill>
+              </a14:hiddenFill>
+            </a:ext>
+            <a:ext uri="{91240B29-F687-4f45-9708-019B960494DF}">
+              <a14:hiddenLine xmlns:a14="http://schemas.microsoft.com/office/drawing/2010/main" w="9525">
+                <a:solidFill>
+                  <a:srgbClr val="000000"/>
+                </a:solidFill>
+                <a:miter lim="800000"/>
+                <a:headEnd/>
+                <a:tailEnd/>
+              </a14:hiddenLine>
+            </a:ext>
+          </a:extLst>
+        </p:spPr>
+        <p:txBody>
+          <a:bodyPr vert="horz" wrap="square" lIns="91440" tIns="45720" rIns="91440" bIns="45720" numCol="1" anchor="ctr" anchorCtr="0" compatLnSpc="1">
+            <a:prstTxWarp prst="textNoShape">
+              <a:avLst/>
+            </a:prstTxWarp>
+          </a:bodyPr>
+          <a:lstStyle>
+            <a:lvl1pPr eaLnBrk="0" hangingPunct="0">
+              <a:defRPr sz="2400">
+                <a:solidFill>
+                  <a:schemeClr val="tx1"/>
+                </a:solidFill>
+                <a:latin typeface="Trebuchet MS" charset="0"/>
+                <a:ea typeface="ＭＳ Ｐゴシック" charset="0"/>
+                <a:cs typeface="ＭＳ Ｐゴシック" charset="0"/>
+              </a:defRPr>
+            </a:lvl1pPr>
+            <a:lvl2pPr marL="742950" indent="-285750" eaLnBrk="0" hangingPunct="0">
+              <a:defRPr sz="2400">
+                <a:solidFill>
+                  <a:schemeClr val="tx1"/>
+                </a:solidFill>
+                <a:latin typeface="Trebuchet MS" charset="0"/>
+                <a:ea typeface="ＭＳ Ｐゴシック" charset="0"/>
+              </a:defRPr>
+            </a:lvl2pPr>
+            <a:lvl3pPr marL="1143000" indent="-228600" eaLnBrk="0" hangingPunct="0">
+              <a:defRPr sz="2400">
+                <a:solidFill>
+                  <a:schemeClr val="tx1"/>
+                </a:solidFill>
+                <a:latin typeface="Trebuchet MS" charset="0"/>
+                <a:ea typeface="ＭＳ Ｐゴシック" charset="0"/>
+              </a:defRPr>
+            </a:lvl3pPr>
+            <a:lvl4pPr marL="1600200" indent="-228600" eaLnBrk="0" hangingPunct="0">
+              <a:defRPr sz="2400">
+                <a:solidFill>
+                  <a:schemeClr val="tx1"/>
+                </a:solidFill>
+                <a:latin typeface="Trebuchet MS" charset="0"/>
+                <a:ea typeface="ＭＳ Ｐゴシック" charset="0"/>
+              </a:defRPr>
+            </a:lvl4pPr>
+            <a:lvl5pPr marL="2057400" indent="-228600" eaLnBrk="0" hangingPunct="0">
+              <a:defRPr sz="2400">
+                <a:solidFill>
+                  <a:schemeClr val="tx1"/>
+                </a:solidFill>
+                <a:latin typeface="Trebuchet MS" charset="0"/>
+                <a:ea typeface="ＭＳ Ｐゴシック" charset="0"/>
+              </a:defRPr>
+            </a:lvl5pPr>
+            <a:lvl6pPr marL="2514600" indent="-228600" eaLnBrk="0" fontAlgn="base" hangingPunct="0">
+              <a:spcBef>
+                <a:spcPct val="0"/>
+              </a:spcBef>
+              <a:spcAft>
+                <a:spcPct val="0"/>
+              </a:spcAft>
+              <a:defRPr sz="2400">
+                <a:solidFill>
+                  <a:schemeClr val="tx1"/>
+                </a:solidFill>
+                <a:latin typeface="Trebuchet MS" charset="0"/>
+                <a:ea typeface="ＭＳ Ｐゴシック" charset="0"/>
+              </a:defRPr>
+            </a:lvl6pPr>
+            <a:lvl7pPr marL="2971800" indent="-228600" eaLnBrk="0" fontAlgn="base" hangingPunct="0">
+              <a:spcBef>
+                <a:spcPct val="0"/>
+              </a:spcBef>
+              <a:spcAft>
+                <a:spcPct val="0"/>
+              </a:spcAft>
+              <a:defRPr sz="2400">
+                <a:solidFill>
+                  <a:schemeClr val="tx1"/>
+                </a:solidFill>
+                <a:latin typeface="Trebuchet MS" charset="0"/>
+                <a:ea typeface="ＭＳ Ｐゴシック" charset="0"/>
+              </a:defRPr>
+            </a:lvl7pPr>
+            <a:lvl8pPr marL="3429000" indent="-228600" eaLnBrk="0" fontAlgn="base" hangingPunct="0">
+              <a:spcBef>
+                <a:spcPct val="0"/>
+              </a:spcBef>
+              <a:spcAft>
+                <a:spcPct val="0"/>
+              </a:spcAft>
+              <a:defRPr sz="2400">
+                <a:solidFill>
+                  <a:schemeClr val="tx1"/>
+                </a:solidFill>
+                <a:latin typeface="Trebuchet MS" charset="0"/>
+                <a:ea typeface="ＭＳ Ｐゴシック" charset="0"/>
+              </a:defRPr>
+            </a:lvl8pPr>
+            <a:lvl9pPr marL="3886200" indent="-228600" eaLnBrk="0" fontAlgn="base" hangingPunct="0">
+              <a:spcBef>
+                <a:spcPct val="0"/>
+              </a:spcBef>
+              <a:spcAft>
+                <a:spcPct val="0"/>
+              </a:spcAft>
+              <a:defRPr sz="2400">
+                <a:solidFill>
+                  <a:schemeClr val="tx1"/>
+                </a:solidFill>
+                <a:latin typeface="Trebuchet MS" charset="0"/>
+                <a:ea typeface="ＭＳ Ｐゴシック" charset="0"/>
+              </a:defRPr>
+            </a:lvl9pPr>
+          </a:lstStyle>
+          <a:p>
+            <a:pPr algn="l" eaLnBrk="1" hangingPunct="1"/>
+            <a:r>
+              <a:rPr lang="en-US" sz="1200" b="1" dirty="0" smtClean="0">
+                <a:solidFill>
+                  <a:srgbClr val="122956"/>
+                </a:solidFill>
+                <a:cs typeface="Trebuchet MS" charset="0"/>
+              </a:rPr>
+              <a:t>8-</a:t>
+            </a:r>
+            <a:fld id="{31B56995-E14C-B64F-86C9-12D6DB74A41E}" type="slidenum">
+              <a:rPr lang="en-US" sz="1200" b="1">
+                <a:solidFill>
+                  <a:srgbClr val="122956"/>
+                </a:solidFill>
+                <a:cs typeface="Trebuchet MS" charset="0"/>
+              </a:rPr>
+              <a:pPr algn="l" eaLnBrk="1" hangingPunct="1"/>
+              <a:t>4</a:t>
+            </a:fld>
+            <a:endParaRPr lang="en-US" sz="1200" b="1" dirty="0">
+              <a:solidFill>
+                <a:srgbClr val="122956"/>
+              </a:solidFill>
+              <a:cs typeface="Trebuchet MS" charset="0"/>
+            </a:endParaRPr>
+          </a:p>
+        </p:txBody>
+      </p:sp>
     </p:spTree>
     <p:extLst>
       <p:ext uri="{BB962C8B-B14F-4D97-AF65-F5344CB8AC3E}">
@@ -10574,6 +12558,186 @@
           </a:prstGeom>
         </p:spPr>
       </p:pic>
+      <p:sp>
+        <p:nvSpPr>
+          <p:cNvPr id="8" name="Slide Number Placeholder 5"/>
+          <p:cNvSpPr>
+            <a:spLocks noGrp="1"/>
+          </p:cNvSpPr>
+          <p:nvPr>
+            <p:ph type="sldNum" sz="quarter" idx="12"/>
+          </p:nvPr>
+        </p:nvSpPr>
+        <p:spPr bwMode="auto">
+          <a:xfrm>
+            <a:off x="203200" y="6400800"/>
+            <a:ext cx="2133600" cy="365125"/>
+          </a:xfrm>
+          <a:noFill/>
+          <a:extLst>
+            <a:ext uri="{909E8E84-426E-40dd-AFC4-6F175D3DCCD1}">
+              <a14:hiddenFill xmlns:a14="http://schemas.microsoft.com/office/drawing/2010/main">
+                <a:solidFill>
+                  <a:srgbClr val="FFFFFF"/>
+                </a:solidFill>
+              </a14:hiddenFill>
+            </a:ext>
+            <a:ext uri="{91240B29-F687-4f45-9708-019B960494DF}">
+              <a14:hiddenLine xmlns:a14="http://schemas.microsoft.com/office/drawing/2010/main" w="9525">
+                <a:solidFill>
+                  <a:srgbClr val="000000"/>
+                </a:solidFill>
+                <a:miter lim="800000"/>
+                <a:headEnd/>
+                <a:tailEnd/>
+              </a14:hiddenLine>
+            </a:ext>
+          </a:extLst>
+        </p:spPr>
+        <p:txBody>
+          <a:bodyPr vert="horz" wrap="square" lIns="91440" tIns="45720" rIns="91440" bIns="45720" numCol="1" anchor="ctr" anchorCtr="0" compatLnSpc="1">
+            <a:prstTxWarp prst="textNoShape">
+              <a:avLst/>
+            </a:prstTxWarp>
+          </a:bodyPr>
+          <a:lstStyle>
+            <a:lvl1pPr eaLnBrk="0" hangingPunct="0">
+              <a:defRPr sz="2400">
+                <a:solidFill>
+                  <a:schemeClr val="tx1"/>
+                </a:solidFill>
+                <a:latin typeface="Trebuchet MS" charset="0"/>
+                <a:ea typeface="ＭＳ Ｐゴシック" charset="0"/>
+                <a:cs typeface="ＭＳ Ｐゴシック" charset="0"/>
+              </a:defRPr>
+            </a:lvl1pPr>
+            <a:lvl2pPr marL="742950" indent="-285750" eaLnBrk="0" hangingPunct="0">
+              <a:defRPr sz="2400">
+                <a:solidFill>
+                  <a:schemeClr val="tx1"/>
+                </a:solidFill>
+                <a:latin typeface="Trebuchet MS" charset="0"/>
+                <a:ea typeface="ＭＳ Ｐゴシック" charset="0"/>
+              </a:defRPr>
+            </a:lvl2pPr>
+            <a:lvl3pPr marL="1143000" indent="-228600" eaLnBrk="0" hangingPunct="0">
+              <a:defRPr sz="2400">
+                <a:solidFill>
+                  <a:schemeClr val="tx1"/>
+                </a:solidFill>
+                <a:latin typeface="Trebuchet MS" charset="0"/>
+                <a:ea typeface="ＭＳ Ｐゴシック" charset="0"/>
+              </a:defRPr>
+            </a:lvl3pPr>
+            <a:lvl4pPr marL="1600200" indent="-228600" eaLnBrk="0" hangingPunct="0">
+              <a:defRPr sz="2400">
+                <a:solidFill>
+                  <a:schemeClr val="tx1"/>
+                </a:solidFill>
+                <a:latin typeface="Trebuchet MS" charset="0"/>
+                <a:ea typeface="ＭＳ Ｐゴシック" charset="0"/>
+              </a:defRPr>
+            </a:lvl4pPr>
+            <a:lvl5pPr marL="2057400" indent="-228600" eaLnBrk="0" hangingPunct="0">
+              <a:defRPr sz="2400">
+                <a:solidFill>
+                  <a:schemeClr val="tx1"/>
+                </a:solidFill>
+                <a:latin typeface="Trebuchet MS" charset="0"/>
+                <a:ea typeface="ＭＳ Ｐゴシック" charset="0"/>
+              </a:defRPr>
+            </a:lvl5pPr>
+            <a:lvl6pPr marL="2514600" indent="-228600" eaLnBrk="0" fontAlgn="base" hangingPunct="0">
+              <a:spcBef>
+                <a:spcPct val="0"/>
+              </a:spcBef>
+              <a:spcAft>
+                <a:spcPct val="0"/>
+              </a:spcAft>
+              <a:defRPr sz="2400">
+                <a:solidFill>
+                  <a:schemeClr val="tx1"/>
+                </a:solidFill>
+                <a:latin typeface="Trebuchet MS" charset="0"/>
+                <a:ea typeface="ＭＳ Ｐゴシック" charset="0"/>
+              </a:defRPr>
+            </a:lvl6pPr>
+            <a:lvl7pPr marL="2971800" indent="-228600" eaLnBrk="0" fontAlgn="base" hangingPunct="0">
+              <a:spcBef>
+                <a:spcPct val="0"/>
+              </a:spcBef>
+              <a:spcAft>
+                <a:spcPct val="0"/>
+              </a:spcAft>
+              <a:defRPr sz="2400">
+                <a:solidFill>
+                  <a:schemeClr val="tx1"/>
+                </a:solidFill>
+                <a:latin typeface="Trebuchet MS" charset="0"/>
+                <a:ea typeface="ＭＳ Ｐゴシック" charset="0"/>
+              </a:defRPr>
+            </a:lvl7pPr>
+            <a:lvl8pPr marL="3429000" indent="-228600" eaLnBrk="0" fontAlgn="base" hangingPunct="0">
+              <a:spcBef>
+                <a:spcPct val="0"/>
+              </a:spcBef>
+              <a:spcAft>
+                <a:spcPct val="0"/>
+              </a:spcAft>
+              <a:defRPr sz="2400">
+                <a:solidFill>
+                  <a:schemeClr val="tx1"/>
+                </a:solidFill>
+                <a:latin typeface="Trebuchet MS" charset="0"/>
+                <a:ea typeface="ＭＳ Ｐゴシック" charset="0"/>
+              </a:defRPr>
+            </a:lvl8pPr>
+            <a:lvl9pPr marL="3886200" indent="-228600" eaLnBrk="0" fontAlgn="base" hangingPunct="0">
+              <a:spcBef>
+                <a:spcPct val="0"/>
+              </a:spcBef>
+              <a:spcAft>
+                <a:spcPct val="0"/>
+              </a:spcAft>
+              <a:defRPr sz="2400">
+                <a:solidFill>
+                  <a:schemeClr val="tx1"/>
+                </a:solidFill>
+                <a:latin typeface="Trebuchet MS" charset="0"/>
+                <a:ea typeface="ＭＳ Ｐゴシック" charset="0"/>
+              </a:defRPr>
+            </a:lvl9pPr>
+          </a:lstStyle>
+          <a:p>
+            <a:pPr algn="l" eaLnBrk="1" hangingPunct="1"/>
+            <a:r>
+              <a:rPr lang="en-US" sz="1200" b="1" dirty="0" smtClean="0">
+                <a:solidFill>
+                  <a:srgbClr val="122956"/>
+                </a:solidFill>
+                <a:cs typeface="Trebuchet MS" charset="0"/>
+              </a:rPr>
+              <a:t>8-</a:t>
+            </a:r>
+            <a:fld id="{31B56995-E14C-B64F-86C9-12D6DB74A41E}" type="slidenum">
+              <a:rPr lang="en-US" sz="1200" b="1">
+                <a:solidFill>
+                  <a:srgbClr val="122956"/>
+                </a:solidFill>
+                <a:cs typeface="Trebuchet MS" charset="0"/>
+              </a:rPr>
+              <a:pPr algn="l" eaLnBrk="1" hangingPunct="1"/>
+              <a:t>5</a:t>
+            </a:fld>
+            <a:endParaRPr lang="en-US" sz="1200" b="1" dirty="0">
+              <a:solidFill>
+                <a:srgbClr val="122956"/>
+              </a:solidFill>
+              <a:cs typeface="Trebuchet MS" charset="0"/>
+            </a:endParaRPr>
+          </a:p>
+        </p:txBody>
+      </p:sp>
     </p:spTree>
     <p:extLst>
       <p:ext uri="{BB962C8B-B14F-4D97-AF65-F5344CB8AC3E}">
@@ -10933,6 +13097,186 @@
           </a:prstGeom>
         </p:spPr>
       </p:pic>
+      <p:sp>
+        <p:nvSpPr>
+          <p:cNvPr id="8" name="Slide Number Placeholder 5"/>
+          <p:cNvSpPr>
+            <a:spLocks noGrp="1"/>
+          </p:cNvSpPr>
+          <p:nvPr>
+            <p:ph type="sldNum" sz="quarter" idx="12"/>
+          </p:nvPr>
+        </p:nvSpPr>
+        <p:spPr bwMode="auto">
+          <a:xfrm>
+            <a:off x="203200" y="6400800"/>
+            <a:ext cx="2133600" cy="365125"/>
+          </a:xfrm>
+          <a:noFill/>
+          <a:extLst>
+            <a:ext uri="{909E8E84-426E-40dd-AFC4-6F175D3DCCD1}">
+              <a14:hiddenFill xmlns:a14="http://schemas.microsoft.com/office/drawing/2010/main">
+                <a:solidFill>
+                  <a:srgbClr val="FFFFFF"/>
+                </a:solidFill>
+              </a14:hiddenFill>
+            </a:ext>
+            <a:ext uri="{91240B29-F687-4f45-9708-019B960494DF}">
+              <a14:hiddenLine xmlns:a14="http://schemas.microsoft.com/office/drawing/2010/main" w="9525">
+                <a:solidFill>
+                  <a:srgbClr val="000000"/>
+                </a:solidFill>
+                <a:miter lim="800000"/>
+                <a:headEnd/>
+                <a:tailEnd/>
+              </a14:hiddenLine>
+            </a:ext>
+          </a:extLst>
+        </p:spPr>
+        <p:txBody>
+          <a:bodyPr vert="horz" wrap="square" lIns="91440" tIns="45720" rIns="91440" bIns="45720" numCol="1" anchor="ctr" anchorCtr="0" compatLnSpc="1">
+            <a:prstTxWarp prst="textNoShape">
+              <a:avLst/>
+            </a:prstTxWarp>
+          </a:bodyPr>
+          <a:lstStyle>
+            <a:lvl1pPr eaLnBrk="0" hangingPunct="0">
+              <a:defRPr sz="2400">
+                <a:solidFill>
+                  <a:schemeClr val="tx1"/>
+                </a:solidFill>
+                <a:latin typeface="Trebuchet MS" charset="0"/>
+                <a:ea typeface="ＭＳ Ｐゴシック" charset="0"/>
+                <a:cs typeface="ＭＳ Ｐゴシック" charset="0"/>
+              </a:defRPr>
+            </a:lvl1pPr>
+            <a:lvl2pPr marL="742950" indent="-285750" eaLnBrk="0" hangingPunct="0">
+              <a:defRPr sz="2400">
+                <a:solidFill>
+                  <a:schemeClr val="tx1"/>
+                </a:solidFill>
+                <a:latin typeface="Trebuchet MS" charset="0"/>
+                <a:ea typeface="ＭＳ Ｐゴシック" charset="0"/>
+              </a:defRPr>
+            </a:lvl2pPr>
+            <a:lvl3pPr marL="1143000" indent="-228600" eaLnBrk="0" hangingPunct="0">
+              <a:defRPr sz="2400">
+                <a:solidFill>
+                  <a:schemeClr val="tx1"/>
+                </a:solidFill>
+                <a:latin typeface="Trebuchet MS" charset="0"/>
+                <a:ea typeface="ＭＳ Ｐゴシック" charset="0"/>
+              </a:defRPr>
+            </a:lvl3pPr>
+            <a:lvl4pPr marL="1600200" indent="-228600" eaLnBrk="0" hangingPunct="0">
+              <a:defRPr sz="2400">
+                <a:solidFill>
+                  <a:schemeClr val="tx1"/>
+                </a:solidFill>
+                <a:latin typeface="Trebuchet MS" charset="0"/>
+                <a:ea typeface="ＭＳ Ｐゴシック" charset="0"/>
+              </a:defRPr>
+            </a:lvl4pPr>
+            <a:lvl5pPr marL="2057400" indent="-228600" eaLnBrk="0" hangingPunct="0">
+              <a:defRPr sz="2400">
+                <a:solidFill>
+                  <a:schemeClr val="tx1"/>
+                </a:solidFill>
+                <a:latin typeface="Trebuchet MS" charset="0"/>
+                <a:ea typeface="ＭＳ Ｐゴシック" charset="0"/>
+              </a:defRPr>
+            </a:lvl5pPr>
+            <a:lvl6pPr marL="2514600" indent="-228600" eaLnBrk="0" fontAlgn="base" hangingPunct="0">
+              <a:spcBef>
+                <a:spcPct val="0"/>
+              </a:spcBef>
+              <a:spcAft>
+                <a:spcPct val="0"/>
+              </a:spcAft>
+              <a:defRPr sz="2400">
+                <a:solidFill>
+                  <a:schemeClr val="tx1"/>
+                </a:solidFill>
+                <a:latin typeface="Trebuchet MS" charset="0"/>
+                <a:ea typeface="ＭＳ Ｐゴシック" charset="0"/>
+              </a:defRPr>
+            </a:lvl6pPr>
+            <a:lvl7pPr marL="2971800" indent="-228600" eaLnBrk="0" fontAlgn="base" hangingPunct="0">
+              <a:spcBef>
+                <a:spcPct val="0"/>
+              </a:spcBef>
+              <a:spcAft>
+                <a:spcPct val="0"/>
+              </a:spcAft>
+              <a:defRPr sz="2400">
+                <a:solidFill>
+                  <a:schemeClr val="tx1"/>
+                </a:solidFill>
+                <a:latin typeface="Trebuchet MS" charset="0"/>
+                <a:ea typeface="ＭＳ Ｐゴシック" charset="0"/>
+              </a:defRPr>
+            </a:lvl7pPr>
+            <a:lvl8pPr marL="3429000" indent="-228600" eaLnBrk="0" fontAlgn="base" hangingPunct="0">
+              <a:spcBef>
+                <a:spcPct val="0"/>
+              </a:spcBef>
+              <a:spcAft>
+                <a:spcPct val="0"/>
+              </a:spcAft>
+              <a:defRPr sz="2400">
+                <a:solidFill>
+                  <a:schemeClr val="tx1"/>
+                </a:solidFill>
+                <a:latin typeface="Trebuchet MS" charset="0"/>
+                <a:ea typeface="ＭＳ Ｐゴシック" charset="0"/>
+              </a:defRPr>
+            </a:lvl8pPr>
+            <a:lvl9pPr marL="3886200" indent="-228600" eaLnBrk="0" fontAlgn="base" hangingPunct="0">
+              <a:spcBef>
+                <a:spcPct val="0"/>
+              </a:spcBef>
+              <a:spcAft>
+                <a:spcPct val="0"/>
+              </a:spcAft>
+              <a:defRPr sz="2400">
+                <a:solidFill>
+                  <a:schemeClr val="tx1"/>
+                </a:solidFill>
+                <a:latin typeface="Trebuchet MS" charset="0"/>
+                <a:ea typeface="ＭＳ Ｐゴシック" charset="0"/>
+              </a:defRPr>
+            </a:lvl9pPr>
+          </a:lstStyle>
+          <a:p>
+            <a:pPr algn="l" eaLnBrk="1" hangingPunct="1"/>
+            <a:r>
+              <a:rPr lang="en-US" sz="1200" b="1" dirty="0" smtClean="0">
+                <a:solidFill>
+                  <a:srgbClr val="122956"/>
+                </a:solidFill>
+                <a:cs typeface="Trebuchet MS" charset="0"/>
+              </a:rPr>
+              <a:t>8-</a:t>
+            </a:r>
+            <a:fld id="{31B56995-E14C-B64F-86C9-12D6DB74A41E}" type="slidenum">
+              <a:rPr lang="en-US" sz="1200" b="1">
+                <a:solidFill>
+                  <a:srgbClr val="122956"/>
+                </a:solidFill>
+                <a:cs typeface="Trebuchet MS" charset="0"/>
+              </a:rPr>
+              <a:pPr algn="l" eaLnBrk="1" hangingPunct="1"/>
+              <a:t>6</a:t>
+            </a:fld>
+            <a:endParaRPr lang="en-US" sz="1200" b="1" dirty="0">
+              <a:solidFill>
+                <a:srgbClr val="122956"/>
+              </a:solidFill>
+              <a:cs typeface="Trebuchet MS" charset="0"/>
+            </a:endParaRPr>
+          </a:p>
+        </p:txBody>
+      </p:sp>
     </p:spTree>
     <p:extLst>
       <p:ext uri="{BB962C8B-B14F-4D97-AF65-F5344CB8AC3E}">
@@ -11318,6 +13662,186 @@
           </a:prstGeom>
         </p:spPr>
       </p:pic>
+      <p:sp>
+        <p:nvSpPr>
+          <p:cNvPr id="8" name="Slide Number Placeholder 5"/>
+          <p:cNvSpPr>
+            <a:spLocks noGrp="1"/>
+          </p:cNvSpPr>
+          <p:nvPr>
+            <p:ph type="sldNum" sz="quarter" idx="12"/>
+          </p:nvPr>
+        </p:nvSpPr>
+        <p:spPr bwMode="auto">
+          <a:xfrm>
+            <a:off x="203200" y="6400800"/>
+            <a:ext cx="2133600" cy="365125"/>
+          </a:xfrm>
+          <a:noFill/>
+          <a:extLst>
+            <a:ext uri="{909E8E84-426E-40dd-AFC4-6F175D3DCCD1}">
+              <a14:hiddenFill xmlns:a14="http://schemas.microsoft.com/office/drawing/2010/main">
+                <a:solidFill>
+                  <a:srgbClr val="FFFFFF"/>
+                </a:solidFill>
+              </a14:hiddenFill>
+            </a:ext>
+            <a:ext uri="{91240B29-F687-4f45-9708-019B960494DF}">
+              <a14:hiddenLine xmlns:a14="http://schemas.microsoft.com/office/drawing/2010/main" w="9525">
+                <a:solidFill>
+                  <a:srgbClr val="000000"/>
+                </a:solidFill>
+                <a:miter lim="800000"/>
+                <a:headEnd/>
+                <a:tailEnd/>
+              </a14:hiddenLine>
+            </a:ext>
+          </a:extLst>
+        </p:spPr>
+        <p:txBody>
+          <a:bodyPr vert="horz" wrap="square" lIns="91440" tIns="45720" rIns="91440" bIns="45720" numCol="1" anchor="ctr" anchorCtr="0" compatLnSpc="1">
+            <a:prstTxWarp prst="textNoShape">
+              <a:avLst/>
+            </a:prstTxWarp>
+          </a:bodyPr>
+          <a:lstStyle>
+            <a:lvl1pPr eaLnBrk="0" hangingPunct="0">
+              <a:defRPr sz="2400">
+                <a:solidFill>
+                  <a:schemeClr val="tx1"/>
+                </a:solidFill>
+                <a:latin typeface="Trebuchet MS" charset="0"/>
+                <a:ea typeface="ＭＳ Ｐゴシック" charset="0"/>
+                <a:cs typeface="ＭＳ Ｐゴシック" charset="0"/>
+              </a:defRPr>
+            </a:lvl1pPr>
+            <a:lvl2pPr marL="742950" indent="-285750" eaLnBrk="0" hangingPunct="0">
+              <a:defRPr sz="2400">
+                <a:solidFill>
+                  <a:schemeClr val="tx1"/>
+                </a:solidFill>
+                <a:latin typeface="Trebuchet MS" charset="0"/>
+                <a:ea typeface="ＭＳ Ｐゴシック" charset="0"/>
+              </a:defRPr>
+            </a:lvl2pPr>
+            <a:lvl3pPr marL="1143000" indent="-228600" eaLnBrk="0" hangingPunct="0">
+              <a:defRPr sz="2400">
+                <a:solidFill>
+                  <a:schemeClr val="tx1"/>
+                </a:solidFill>
+                <a:latin typeface="Trebuchet MS" charset="0"/>
+                <a:ea typeface="ＭＳ Ｐゴシック" charset="0"/>
+              </a:defRPr>
+            </a:lvl3pPr>
+            <a:lvl4pPr marL="1600200" indent="-228600" eaLnBrk="0" hangingPunct="0">
+              <a:defRPr sz="2400">
+                <a:solidFill>
+                  <a:schemeClr val="tx1"/>
+                </a:solidFill>
+                <a:latin typeface="Trebuchet MS" charset="0"/>
+                <a:ea typeface="ＭＳ Ｐゴシック" charset="0"/>
+              </a:defRPr>
+            </a:lvl4pPr>
+            <a:lvl5pPr marL="2057400" indent="-228600" eaLnBrk="0" hangingPunct="0">
+              <a:defRPr sz="2400">
+                <a:solidFill>
+                  <a:schemeClr val="tx1"/>
+                </a:solidFill>
+                <a:latin typeface="Trebuchet MS" charset="0"/>
+                <a:ea typeface="ＭＳ Ｐゴシック" charset="0"/>
+              </a:defRPr>
+            </a:lvl5pPr>
+            <a:lvl6pPr marL="2514600" indent="-228600" eaLnBrk="0" fontAlgn="base" hangingPunct="0">
+              <a:spcBef>
+                <a:spcPct val="0"/>
+              </a:spcBef>
+              <a:spcAft>
+                <a:spcPct val="0"/>
+              </a:spcAft>
+              <a:defRPr sz="2400">
+                <a:solidFill>
+                  <a:schemeClr val="tx1"/>
+                </a:solidFill>
+                <a:latin typeface="Trebuchet MS" charset="0"/>
+                <a:ea typeface="ＭＳ Ｐゴシック" charset="0"/>
+              </a:defRPr>
+            </a:lvl6pPr>
+            <a:lvl7pPr marL="2971800" indent="-228600" eaLnBrk="0" fontAlgn="base" hangingPunct="0">
+              <a:spcBef>
+                <a:spcPct val="0"/>
+              </a:spcBef>
+              <a:spcAft>
+                <a:spcPct val="0"/>
+              </a:spcAft>
+              <a:defRPr sz="2400">
+                <a:solidFill>
+                  <a:schemeClr val="tx1"/>
+                </a:solidFill>
+                <a:latin typeface="Trebuchet MS" charset="0"/>
+                <a:ea typeface="ＭＳ Ｐゴシック" charset="0"/>
+              </a:defRPr>
+            </a:lvl7pPr>
+            <a:lvl8pPr marL="3429000" indent="-228600" eaLnBrk="0" fontAlgn="base" hangingPunct="0">
+              <a:spcBef>
+                <a:spcPct val="0"/>
+              </a:spcBef>
+              <a:spcAft>
+                <a:spcPct val="0"/>
+              </a:spcAft>
+              <a:defRPr sz="2400">
+                <a:solidFill>
+                  <a:schemeClr val="tx1"/>
+                </a:solidFill>
+                <a:latin typeface="Trebuchet MS" charset="0"/>
+                <a:ea typeface="ＭＳ Ｐゴシック" charset="0"/>
+              </a:defRPr>
+            </a:lvl8pPr>
+            <a:lvl9pPr marL="3886200" indent="-228600" eaLnBrk="0" fontAlgn="base" hangingPunct="0">
+              <a:spcBef>
+                <a:spcPct val="0"/>
+              </a:spcBef>
+              <a:spcAft>
+                <a:spcPct val="0"/>
+              </a:spcAft>
+              <a:defRPr sz="2400">
+                <a:solidFill>
+                  <a:schemeClr val="tx1"/>
+                </a:solidFill>
+                <a:latin typeface="Trebuchet MS" charset="0"/>
+                <a:ea typeface="ＭＳ Ｐゴシック" charset="0"/>
+              </a:defRPr>
+            </a:lvl9pPr>
+          </a:lstStyle>
+          <a:p>
+            <a:pPr algn="l" eaLnBrk="1" hangingPunct="1"/>
+            <a:r>
+              <a:rPr lang="en-US" sz="1200" b="1" dirty="0" smtClean="0">
+                <a:solidFill>
+                  <a:srgbClr val="122956"/>
+                </a:solidFill>
+                <a:cs typeface="Trebuchet MS" charset="0"/>
+              </a:rPr>
+              <a:t>8-</a:t>
+            </a:r>
+            <a:fld id="{31B56995-E14C-B64F-86C9-12D6DB74A41E}" type="slidenum">
+              <a:rPr lang="en-US" sz="1200" b="1">
+                <a:solidFill>
+                  <a:srgbClr val="122956"/>
+                </a:solidFill>
+                <a:cs typeface="Trebuchet MS" charset="0"/>
+              </a:rPr>
+              <a:pPr algn="l" eaLnBrk="1" hangingPunct="1"/>
+              <a:t>7</a:t>
+            </a:fld>
+            <a:endParaRPr lang="en-US" sz="1200" b="1" dirty="0">
+              <a:solidFill>
+                <a:srgbClr val="122956"/>
+              </a:solidFill>
+              <a:cs typeface="Trebuchet MS" charset="0"/>
+            </a:endParaRPr>
+          </a:p>
+        </p:txBody>
+      </p:sp>
     </p:spTree>
     <p:extLst>
       <p:ext uri="{BB962C8B-B14F-4D97-AF65-F5344CB8AC3E}">
@@ -11579,6 +14103,186 @@
           </a:prstGeom>
         </p:spPr>
       </p:pic>
+      <p:sp>
+        <p:nvSpPr>
+          <p:cNvPr id="8" name="Slide Number Placeholder 5"/>
+          <p:cNvSpPr>
+            <a:spLocks noGrp="1"/>
+          </p:cNvSpPr>
+          <p:nvPr>
+            <p:ph type="sldNum" sz="quarter" idx="12"/>
+          </p:nvPr>
+        </p:nvSpPr>
+        <p:spPr bwMode="auto">
+          <a:xfrm>
+            <a:off x="203200" y="6400800"/>
+            <a:ext cx="2133600" cy="365125"/>
+          </a:xfrm>
+          <a:noFill/>
+          <a:extLst>
+            <a:ext uri="{909E8E84-426E-40dd-AFC4-6F175D3DCCD1}">
+              <a14:hiddenFill xmlns:a14="http://schemas.microsoft.com/office/drawing/2010/main">
+                <a:solidFill>
+                  <a:srgbClr val="FFFFFF"/>
+                </a:solidFill>
+              </a14:hiddenFill>
+            </a:ext>
+            <a:ext uri="{91240B29-F687-4f45-9708-019B960494DF}">
+              <a14:hiddenLine xmlns:a14="http://schemas.microsoft.com/office/drawing/2010/main" w="9525">
+                <a:solidFill>
+                  <a:srgbClr val="000000"/>
+                </a:solidFill>
+                <a:miter lim="800000"/>
+                <a:headEnd/>
+                <a:tailEnd/>
+              </a14:hiddenLine>
+            </a:ext>
+          </a:extLst>
+        </p:spPr>
+        <p:txBody>
+          <a:bodyPr vert="horz" wrap="square" lIns="91440" tIns="45720" rIns="91440" bIns="45720" numCol="1" anchor="ctr" anchorCtr="0" compatLnSpc="1">
+            <a:prstTxWarp prst="textNoShape">
+              <a:avLst/>
+            </a:prstTxWarp>
+          </a:bodyPr>
+          <a:lstStyle>
+            <a:lvl1pPr eaLnBrk="0" hangingPunct="0">
+              <a:defRPr sz="2400">
+                <a:solidFill>
+                  <a:schemeClr val="tx1"/>
+                </a:solidFill>
+                <a:latin typeface="Trebuchet MS" charset="0"/>
+                <a:ea typeface="ＭＳ Ｐゴシック" charset="0"/>
+                <a:cs typeface="ＭＳ Ｐゴシック" charset="0"/>
+              </a:defRPr>
+            </a:lvl1pPr>
+            <a:lvl2pPr marL="742950" indent="-285750" eaLnBrk="0" hangingPunct="0">
+              <a:defRPr sz="2400">
+                <a:solidFill>
+                  <a:schemeClr val="tx1"/>
+                </a:solidFill>
+                <a:latin typeface="Trebuchet MS" charset="0"/>
+                <a:ea typeface="ＭＳ Ｐゴシック" charset="0"/>
+              </a:defRPr>
+            </a:lvl2pPr>
+            <a:lvl3pPr marL="1143000" indent="-228600" eaLnBrk="0" hangingPunct="0">
+              <a:defRPr sz="2400">
+                <a:solidFill>
+                  <a:schemeClr val="tx1"/>
+                </a:solidFill>
+                <a:latin typeface="Trebuchet MS" charset="0"/>
+                <a:ea typeface="ＭＳ Ｐゴシック" charset="0"/>
+              </a:defRPr>
+            </a:lvl3pPr>
+            <a:lvl4pPr marL="1600200" indent="-228600" eaLnBrk="0" hangingPunct="0">
+              <a:defRPr sz="2400">
+                <a:solidFill>
+                  <a:schemeClr val="tx1"/>
+                </a:solidFill>
+                <a:latin typeface="Trebuchet MS" charset="0"/>
+                <a:ea typeface="ＭＳ Ｐゴシック" charset="0"/>
+              </a:defRPr>
+            </a:lvl4pPr>
+            <a:lvl5pPr marL="2057400" indent="-228600" eaLnBrk="0" hangingPunct="0">
+              <a:defRPr sz="2400">
+                <a:solidFill>
+                  <a:schemeClr val="tx1"/>
+                </a:solidFill>
+                <a:latin typeface="Trebuchet MS" charset="0"/>
+                <a:ea typeface="ＭＳ Ｐゴシック" charset="0"/>
+              </a:defRPr>
+            </a:lvl5pPr>
+            <a:lvl6pPr marL="2514600" indent="-228600" eaLnBrk="0" fontAlgn="base" hangingPunct="0">
+              <a:spcBef>
+                <a:spcPct val="0"/>
+              </a:spcBef>
+              <a:spcAft>
+                <a:spcPct val="0"/>
+              </a:spcAft>
+              <a:defRPr sz="2400">
+                <a:solidFill>
+                  <a:schemeClr val="tx1"/>
+                </a:solidFill>
+                <a:latin typeface="Trebuchet MS" charset="0"/>
+                <a:ea typeface="ＭＳ Ｐゴシック" charset="0"/>
+              </a:defRPr>
+            </a:lvl6pPr>
+            <a:lvl7pPr marL="2971800" indent="-228600" eaLnBrk="0" fontAlgn="base" hangingPunct="0">
+              <a:spcBef>
+                <a:spcPct val="0"/>
+              </a:spcBef>
+              <a:spcAft>
+                <a:spcPct val="0"/>
+              </a:spcAft>
+              <a:defRPr sz="2400">
+                <a:solidFill>
+                  <a:schemeClr val="tx1"/>
+                </a:solidFill>
+                <a:latin typeface="Trebuchet MS" charset="0"/>
+                <a:ea typeface="ＭＳ Ｐゴシック" charset="0"/>
+              </a:defRPr>
+            </a:lvl7pPr>
+            <a:lvl8pPr marL="3429000" indent="-228600" eaLnBrk="0" fontAlgn="base" hangingPunct="0">
+              <a:spcBef>
+                <a:spcPct val="0"/>
+              </a:spcBef>
+              <a:spcAft>
+                <a:spcPct val="0"/>
+              </a:spcAft>
+              <a:defRPr sz="2400">
+                <a:solidFill>
+                  <a:schemeClr val="tx1"/>
+                </a:solidFill>
+                <a:latin typeface="Trebuchet MS" charset="0"/>
+                <a:ea typeface="ＭＳ Ｐゴシック" charset="0"/>
+              </a:defRPr>
+            </a:lvl8pPr>
+            <a:lvl9pPr marL="3886200" indent="-228600" eaLnBrk="0" fontAlgn="base" hangingPunct="0">
+              <a:spcBef>
+                <a:spcPct val="0"/>
+              </a:spcBef>
+              <a:spcAft>
+                <a:spcPct val="0"/>
+              </a:spcAft>
+              <a:defRPr sz="2400">
+                <a:solidFill>
+                  <a:schemeClr val="tx1"/>
+                </a:solidFill>
+                <a:latin typeface="Trebuchet MS" charset="0"/>
+                <a:ea typeface="ＭＳ Ｐゴシック" charset="0"/>
+              </a:defRPr>
+            </a:lvl9pPr>
+          </a:lstStyle>
+          <a:p>
+            <a:pPr algn="l" eaLnBrk="1" hangingPunct="1"/>
+            <a:r>
+              <a:rPr lang="en-US" sz="1200" b="1" dirty="0" smtClean="0">
+                <a:solidFill>
+                  <a:srgbClr val="122956"/>
+                </a:solidFill>
+                <a:cs typeface="Trebuchet MS" charset="0"/>
+              </a:rPr>
+              <a:t>8-</a:t>
+            </a:r>
+            <a:fld id="{31B56995-E14C-B64F-86C9-12D6DB74A41E}" type="slidenum">
+              <a:rPr lang="en-US" sz="1200" b="1">
+                <a:solidFill>
+                  <a:srgbClr val="122956"/>
+                </a:solidFill>
+                <a:cs typeface="Trebuchet MS" charset="0"/>
+              </a:rPr>
+              <a:pPr algn="l" eaLnBrk="1" hangingPunct="1"/>
+              <a:t>8</a:t>
+            </a:fld>
+            <a:endParaRPr lang="en-US" sz="1200" b="1" dirty="0">
+              <a:solidFill>
+                <a:srgbClr val="122956"/>
+              </a:solidFill>
+              <a:cs typeface="Trebuchet MS" charset="0"/>
+            </a:endParaRPr>
+          </a:p>
+        </p:txBody>
+      </p:sp>
     </p:spTree>
     <p:extLst>
       <p:ext uri="{BB962C8B-B14F-4D97-AF65-F5344CB8AC3E}">
@@ -11988,6 +14692,186 @@
           </a:prstGeom>
         </p:spPr>
       </p:pic>
+      <p:sp>
+        <p:nvSpPr>
+          <p:cNvPr id="8" name="Slide Number Placeholder 5"/>
+          <p:cNvSpPr>
+            <a:spLocks noGrp="1"/>
+          </p:cNvSpPr>
+          <p:nvPr>
+            <p:ph type="sldNum" sz="quarter" idx="12"/>
+          </p:nvPr>
+        </p:nvSpPr>
+        <p:spPr bwMode="auto">
+          <a:xfrm>
+            <a:off x="203200" y="6400800"/>
+            <a:ext cx="2133600" cy="365125"/>
+          </a:xfrm>
+          <a:noFill/>
+          <a:extLst>
+            <a:ext uri="{909E8E84-426E-40dd-AFC4-6F175D3DCCD1}">
+              <a14:hiddenFill xmlns:a14="http://schemas.microsoft.com/office/drawing/2010/main">
+                <a:solidFill>
+                  <a:srgbClr val="FFFFFF"/>
+                </a:solidFill>
+              </a14:hiddenFill>
+            </a:ext>
+            <a:ext uri="{91240B29-F687-4f45-9708-019B960494DF}">
+              <a14:hiddenLine xmlns:a14="http://schemas.microsoft.com/office/drawing/2010/main" w="9525">
+                <a:solidFill>
+                  <a:srgbClr val="000000"/>
+                </a:solidFill>
+                <a:miter lim="800000"/>
+                <a:headEnd/>
+                <a:tailEnd/>
+              </a14:hiddenLine>
+            </a:ext>
+          </a:extLst>
+        </p:spPr>
+        <p:txBody>
+          <a:bodyPr vert="horz" wrap="square" lIns="91440" tIns="45720" rIns="91440" bIns="45720" numCol="1" anchor="ctr" anchorCtr="0" compatLnSpc="1">
+            <a:prstTxWarp prst="textNoShape">
+              <a:avLst/>
+            </a:prstTxWarp>
+          </a:bodyPr>
+          <a:lstStyle>
+            <a:lvl1pPr eaLnBrk="0" hangingPunct="0">
+              <a:defRPr sz="2400">
+                <a:solidFill>
+                  <a:schemeClr val="tx1"/>
+                </a:solidFill>
+                <a:latin typeface="Trebuchet MS" charset="0"/>
+                <a:ea typeface="ＭＳ Ｐゴシック" charset="0"/>
+                <a:cs typeface="ＭＳ Ｐゴシック" charset="0"/>
+              </a:defRPr>
+            </a:lvl1pPr>
+            <a:lvl2pPr marL="742950" indent="-285750" eaLnBrk="0" hangingPunct="0">
+              <a:defRPr sz="2400">
+                <a:solidFill>
+                  <a:schemeClr val="tx1"/>
+                </a:solidFill>
+                <a:latin typeface="Trebuchet MS" charset="0"/>
+                <a:ea typeface="ＭＳ Ｐゴシック" charset="0"/>
+              </a:defRPr>
+            </a:lvl2pPr>
+            <a:lvl3pPr marL="1143000" indent="-228600" eaLnBrk="0" hangingPunct="0">
+              <a:defRPr sz="2400">
+                <a:solidFill>
+                  <a:schemeClr val="tx1"/>
+                </a:solidFill>
+                <a:latin typeface="Trebuchet MS" charset="0"/>
+                <a:ea typeface="ＭＳ Ｐゴシック" charset="0"/>
+              </a:defRPr>
+            </a:lvl3pPr>
+            <a:lvl4pPr marL="1600200" indent="-228600" eaLnBrk="0" hangingPunct="0">
+              <a:defRPr sz="2400">
+                <a:solidFill>
+                  <a:schemeClr val="tx1"/>
+                </a:solidFill>
+                <a:latin typeface="Trebuchet MS" charset="0"/>
+                <a:ea typeface="ＭＳ Ｐゴシック" charset="0"/>
+              </a:defRPr>
+            </a:lvl4pPr>
+            <a:lvl5pPr marL="2057400" indent="-228600" eaLnBrk="0" hangingPunct="0">
+              <a:defRPr sz="2400">
+                <a:solidFill>
+                  <a:schemeClr val="tx1"/>
+                </a:solidFill>
+                <a:latin typeface="Trebuchet MS" charset="0"/>
+                <a:ea typeface="ＭＳ Ｐゴシック" charset="0"/>
+              </a:defRPr>
+            </a:lvl5pPr>
+            <a:lvl6pPr marL="2514600" indent="-228600" eaLnBrk="0" fontAlgn="base" hangingPunct="0">
+              <a:spcBef>
+                <a:spcPct val="0"/>
+              </a:spcBef>
+              <a:spcAft>
+                <a:spcPct val="0"/>
+              </a:spcAft>
+              <a:defRPr sz="2400">
+                <a:solidFill>
+                  <a:schemeClr val="tx1"/>
+                </a:solidFill>
+                <a:latin typeface="Trebuchet MS" charset="0"/>
+                <a:ea typeface="ＭＳ Ｐゴシック" charset="0"/>
+              </a:defRPr>
+            </a:lvl6pPr>
+            <a:lvl7pPr marL="2971800" indent="-228600" eaLnBrk="0" fontAlgn="base" hangingPunct="0">
+              <a:spcBef>
+                <a:spcPct val="0"/>
+              </a:spcBef>
+              <a:spcAft>
+                <a:spcPct val="0"/>
+              </a:spcAft>
+              <a:defRPr sz="2400">
+                <a:solidFill>
+                  <a:schemeClr val="tx1"/>
+                </a:solidFill>
+                <a:latin typeface="Trebuchet MS" charset="0"/>
+                <a:ea typeface="ＭＳ Ｐゴシック" charset="0"/>
+              </a:defRPr>
+            </a:lvl7pPr>
+            <a:lvl8pPr marL="3429000" indent="-228600" eaLnBrk="0" fontAlgn="base" hangingPunct="0">
+              <a:spcBef>
+                <a:spcPct val="0"/>
+              </a:spcBef>
+              <a:spcAft>
+                <a:spcPct val="0"/>
+              </a:spcAft>
+              <a:defRPr sz="2400">
+                <a:solidFill>
+                  <a:schemeClr val="tx1"/>
+                </a:solidFill>
+                <a:latin typeface="Trebuchet MS" charset="0"/>
+                <a:ea typeface="ＭＳ Ｐゴシック" charset="0"/>
+              </a:defRPr>
+            </a:lvl8pPr>
+            <a:lvl9pPr marL="3886200" indent="-228600" eaLnBrk="0" fontAlgn="base" hangingPunct="0">
+              <a:spcBef>
+                <a:spcPct val="0"/>
+              </a:spcBef>
+              <a:spcAft>
+                <a:spcPct val="0"/>
+              </a:spcAft>
+              <a:defRPr sz="2400">
+                <a:solidFill>
+                  <a:schemeClr val="tx1"/>
+                </a:solidFill>
+                <a:latin typeface="Trebuchet MS" charset="0"/>
+                <a:ea typeface="ＭＳ Ｐゴシック" charset="0"/>
+              </a:defRPr>
+            </a:lvl9pPr>
+          </a:lstStyle>
+          <a:p>
+            <a:pPr algn="l" eaLnBrk="1" hangingPunct="1"/>
+            <a:r>
+              <a:rPr lang="en-US" sz="1200" b="1" dirty="0" smtClean="0">
+                <a:solidFill>
+                  <a:srgbClr val="122956"/>
+                </a:solidFill>
+                <a:cs typeface="Trebuchet MS" charset="0"/>
+              </a:rPr>
+              <a:t>8-</a:t>
+            </a:r>
+            <a:fld id="{31B56995-E14C-B64F-86C9-12D6DB74A41E}" type="slidenum">
+              <a:rPr lang="en-US" sz="1200" b="1">
+                <a:solidFill>
+                  <a:srgbClr val="122956"/>
+                </a:solidFill>
+                <a:cs typeface="Trebuchet MS" charset="0"/>
+              </a:rPr>
+              <a:pPr algn="l" eaLnBrk="1" hangingPunct="1"/>
+              <a:t>9</a:t>
+            </a:fld>
+            <a:endParaRPr lang="en-US" sz="1200" b="1" dirty="0">
+              <a:solidFill>
+                <a:srgbClr val="122956"/>
+              </a:solidFill>
+              <a:cs typeface="Trebuchet MS" charset="0"/>
+            </a:endParaRPr>
+          </a:p>
+        </p:txBody>
+      </p:sp>
     </p:spTree>
     <p:extLst>
       <p:ext uri="{BB962C8B-B14F-4D97-AF65-F5344CB8AC3E}">

--- a/340.pptx
+++ b/340.pptx
@@ -538,7 +538,7 @@
                 <a:ea typeface="ＭＳ Ｐゴシック" charset="0"/>
                 <a:cs typeface="ＭＳ Ｐゴシック" charset="0"/>
               </a:rPr>
-              <a:t>30 </a:t>
+              <a:t>60 </a:t>
             </a:r>
             <a:r>
               <a:rPr lang="en-US" b="1" dirty="0" err="1" smtClean="0">
@@ -562,7 +562,7 @@
                 <a:ea typeface="ＭＳ Ｐゴシック" charset="0"/>
                 <a:cs typeface="ＭＳ Ｐゴシック" charset="0"/>
               </a:rPr>
-              <a:t>(10 </a:t>
+              <a:t>(30 </a:t>
             </a:r>
             <a:r>
               <a:rPr lang="en-US" dirty="0" err="1" smtClean="0">
@@ -586,15 +586,23 @@
                 <a:ea typeface="ＭＳ Ｐゴシック" charset="0"/>
                 <a:cs typeface="ＭＳ Ｐゴシック" charset="0"/>
               </a:rPr>
-              <a:t>teaching, </a:t>
-            </a:r>
-            <a:r>
-              <a:rPr lang="en-US" dirty="0" smtClean="0">
+              <a:t>teaching</a:t>
+            </a:r>
+            <a:r>
+              <a:rPr lang="en-US">
                 <a:latin typeface="Calibri" charset="0"/>
                 <a:ea typeface="ＭＳ Ｐゴシック" charset="0"/>
                 <a:cs typeface="ＭＳ Ｐゴシック" charset="0"/>
               </a:rPr>
-              <a:t>20 </a:t>
+              <a:t>, </a:t>
+            </a:r>
+            <a:r>
+              <a:rPr lang="en-US" smtClean="0">
+                <a:latin typeface="Calibri" charset="0"/>
+                <a:ea typeface="ＭＳ Ｐゴシック" charset="0"/>
+                <a:cs typeface="ＭＳ Ｐゴシック" charset="0"/>
+              </a:rPr>
+              <a:t>30 </a:t>
             </a:r>
             <a:r>
               <a:rPr lang="en-US" dirty="0" err="1">
@@ -3462,7 +3470,7 @@
               <a:pPr>
                 <a:defRPr/>
               </a:pPr>
-              <a:t>8/19/11</a:t>
+              <a:t>8/24/11</a:t>
             </a:fld>
             <a:endParaRPr lang="en-US"/>
           </a:p>
@@ -3883,7 +3891,7 @@
               <a:pPr>
                 <a:defRPr/>
               </a:pPr>
-              <a:t>8/19/11</a:t>
+              <a:t>8/24/11</a:t>
             </a:fld>
             <a:endParaRPr lang="en-US"/>
           </a:p>
@@ -4608,7 +4616,7 @@
               <a:pPr>
                 <a:defRPr/>
               </a:pPr>
-              <a:t>8/19/11</a:t>
+              <a:t>8/24/11</a:t>
             </a:fld>
             <a:endParaRPr lang="en-US"/>
           </a:p>
@@ -5161,7 +5169,7 @@
               <a:pPr>
                 <a:defRPr/>
               </a:pPr>
-              <a:t>8/19/11</a:t>
+              <a:t>8/24/11</a:t>
             </a:fld>
             <a:endParaRPr lang="en-US"/>
           </a:p>
@@ -5512,7 +5520,7 @@
               <a:pPr>
                 <a:defRPr/>
               </a:pPr>
-              <a:t>8/19/11</a:t>
+              <a:t>8/24/11</a:t>
             </a:fld>
             <a:endParaRPr lang="en-US"/>
           </a:p>
@@ -5870,7 +5878,7 @@
               <a:pPr>
                 <a:defRPr/>
               </a:pPr>
-              <a:t>8/19/11</a:t>
+              <a:t>8/24/11</a:t>
             </a:fld>
             <a:endParaRPr lang="en-US"/>
           </a:p>
@@ -6105,7 +6113,7 @@
               <a:pPr>
                 <a:defRPr/>
               </a:pPr>
-              <a:t>8/19/11</a:t>
+              <a:t>8/24/11</a:t>
             </a:fld>
             <a:endParaRPr lang="en-US"/>
           </a:p>
@@ -6397,7 +6405,7 @@
               <a:pPr>
                 <a:defRPr/>
               </a:pPr>
-              <a:t>8/19/11</a:t>
+              <a:t>8/24/11</a:t>
             </a:fld>
             <a:endParaRPr lang="en-US"/>
           </a:p>

--- a/340.pptx
+++ b/340.pptx
@@ -3470,7 +3470,7 @@
               <a:pPr>
                 <a:defRPr/>
               </a:pPr>
-              <a:t>8/24/11</a:t>
+              <a:t>9/27/11</a:t>
             </a:fld>
             <a:endParaRPr lang="en-US"/>
           </a:p>
@@ -3891,7 +3891,7 @@
               <a:pPr>
                 <a:defRPr/>
               </a:pPr>
-              <a:t>8/24/11</a:t>
+              <a:t>9/27/11</a:t>
             </a:fld>
             <a:endParaRPr lang="en-US"/>
           </a:p>
@@ -4616,7 +4616,7 @@
               <a:pPr>
                 <a:defRPr/>
               </a:pPr>
-              <a:t>8/24/11</a:t>
+              <a:t>9/27/11</a:t>
             </a:fld>
             <a:endParaRPr lang="en-US"/>
           </a:p>
@@ -5169,7 +5169,7 @@
               <a:pPr>
                 <a:defRPr/>
               </a:pPr>
-              <a:t>8/24/11</a:t>
+              <a:t>9/27/11</a:t>
             </a:fld>
             <a:endParaRPr lang="en-US"/>
           </a:p>
@@ -5520,7 +5520,7 @@
               <a:pPr>
                 <a:defRPr/>
               </a:pPr>
-              <a:t>8/24/11</a:t>
+              <a:t>9/27/11</a:t>
             </a:fld>
             <a:endParaRPr lang="en-US"/>
           </a:p>
@@ -5878,7 +5878,7 @@
               <a:pPr>
                 <a:defRPr/>
               </a:pPr>
-              <a:t>8/24/11</a:t>
+              <a:t>9/27/11</a:t>
             </a:fld>
             <a:endParaRPr lang="en-US"/>
           </a:p>
@@ -6113,7 +6113,7 @@
               <a:pPr>
                 <a:defRPr/>
               </a:pPr>
-              <a:t>8/24/11</a:t>
+              <a:t>9/27/11</a:t>
             </a:fld>
             <a:endParaRPr lang="en-US"/>
           </a:p>
@@ -6405,7 +6405,7 @@
               <a:pPr>
                 <a:defRPr/>
               </a:pPr>
-              <a:t>8/24/11</a:t>
+              <a:t>9/27/11</a:t>
             </a:fld>
             <a:endParaRPr lang="en-US"/>
           </a:p>
@@ -7544,7 +7544,7 @@
                 </a:solidFill>
                 <a:cs typeface="Trebuchet MS" charset="0"/>
               </a:rPr>
-              <a:t>8-</a:t>
+              <a:t>ANIM-</a:t>
             </a:r>
             <a:fld id="{31B56995-E14C-B64F-86C9-12D6DB74A41E}" type="slidenum">
               <a:rPr lang="en-US" sz="1200" b="1">
@@ -7972,15 +7972,15 @@
             </a:lvl9pPr>
           </a:lstStyle>
           <a:p>
-            <a:pPr algn="l" eaLnBrk="1" hangingPunct="1"/>
-            <a:r>
-              <a:rPr lang="en-US" sz="1200" b="1" dirty="0" smtClean="0">
+            <a:pPr eaLnBrk="1" hangingPunct="1"/>
+            <a:r>
+              <a:rPr lang="en-US" sz="1200" b="1" dirty="0">
                 <a:solidFill>
                   <a:srgbClr val="122956"/>
                 </a:solidFill>
                 <a:cs typeface="Trebuchet MS" charset="0"/>
               </a:rPr>
-              <a:t>8-</a:t>
+              <a:t>ANIM-</a:t>
             </a:r>
             <a:fld id="{31B56995-E14C-B64F-86C9-12D6DB74A41E}" type="slidenum">
               <a:rPr lang="en-US" sz="1200" b="1">
@@ -7989,7 +7989,7 @@
                 </a:solidFill>
                 <a:cs typeface="Trebuchet MS" charset="0"/>
               </a:rPr>
-              <a:pPr algn="l" eaLnBrk="1" hangingPunct="1"/>
+              <a:pPr eaLnBrk="1" hangingPunct="1"/>
               <a:t>10</a:t>
             </a:fld>
             <a:endParaRPr lang="en-US" sz="1200" b="1" dirty="0">
@@ -8544,15 +8544,15 @@
             </a:lvl9pPr>
           </a:lstStyle>
           <a:p>
-            <a:pPr algn="l" eaLnBrk="1" hangingPunct="1"/>
-            <a:r>
-              <a:rPr lang="en-US" sz="1200" b="1" dirty="0" smtClean="0">
+            <a:pPr eaLnBrk="1" hangingPunct="1"/>
+            <a:r>
+              <a:rPr lang="en-US" sz="1200" b="1" dirty="0">
                 <a:solidFill>
                   <a:srgbClr val="122956"/>
                 </a:solidFill>
                 <a:cs typeface="Trebuchet MS" charset="0"/>
               </a:rPr>
-              <a:t>8-</a:t>
+              <a:t>ANIM-</a:t>
             </a:r>
             <a:fld id="{31B56995-E14C-B64F-86C9-12D6DB74A41E}" type="slidenum">
               <a:rPr lang="en-US" sz="1200" b="1">
@@ -8561,7 +8561,7 @@
                 </a:solidFill>
                 <a:cs typeface="Trebuchet MS" charset="0"/>
               </a:rPr>
-              <a:pPr algn="l" eaLnBrk="1" hangingPunct="1"/>
+              <a:pPr eaLnBrk="1" hangingPunct="1"/>
               <a:t>11</a:t>
             </a:fld>
             <a:endParaRPr lang="en-US" sz="1200" b="1" dirty="0">
@@ -9063,15 +9063,15 @@
             </a:lvl9pPr>
           </a:lstStyle>
           <a:p>
-            <a:pPr algn="l" eaLnBrk="1" hangingPunct="1"/>
-            <a:r>
-              <a:rPr lang="en-US" sz="1200" b="1" dirty="0" smtClean="0">
+            <a:pPr eaLnBrk="1" hangingPunct="1"/>
+            <a:r>
+              <a:rPr lang="en-US" sz="1200" b="1" dirty="0">
                 <a:solidFill>
                   <a:srgbClr val="122956"/>
                 </a:solidFill>
                 <a:cs typeface="Trebuchet MS" charset="0"/>
               </a:rPr>
-              <a:t>8-</a:t>
+              <a:t>ANIM-</a:t>
             </a:r>
             <a:fld id="{31B56995-E14C-B64F-86C9-12D6DB74A41E}" type="slidenum">
               <a:rPr lang="en-US" sz="1200" b="1">
@@ -9080,7 +9080,7 @@
                 </a:solidFill>
                 <a:cs typeface="Trebuchet MS" charset="0"/>
               </a:rPr>
-              <a:pPr algn="l" eaLnBrk="1" hangingPunct="1"/>
+              <a:pPr eaLnBrk="1" hangingPunct="1"/>
               <a:t>12</a:t>
             </a:fld>
             <a:endParaRPr lang="en-US" sz="1200" b="1" dirty="0">
@@ -9593,15 +9593,15 @@
             </a:lvl9pPr>
           </a:lstStyle>
           <a:p>
-            <a:pPr algn="l" eaLnBrk="1" hangingPunct="1"/>
-            <a:r>
-              <a:rPr lang="en-US" sz="1200" b="1" dirty="0" smtClean="0">
+            <a:pPr eaLnBrk="1" hangingPunct="1"/>
+            <a:r>
+              <a:rPr lang="en-US" sz="1200" b="1" dirty="0">
                 <a:solidFill>
                   <a:srgbClr val="122956"/>
                 </a:solidFill>
                 <a:cs typeface="Trebuchet MS" charset="0"/>
               </a:rPr>
-              <a:t>8-</a:t>
+              <a:t>ANIM-</a:t>
             </a:r>
             <a:fld id="{31B56995-E14C-B64F-86C9-12D6DB74A41E}" type="slidenum">
               <a:rPr lang="en-US" sz="1200" b="1">
@@ -9610,7 +9610,7 @@
                 </a:solidFill>
                 <a:cs typeface="Trebuchet MS" charset="0"/>
               </a:rPr>
-              <a:pPr algn="l" eaLnBrk="1" hangingPunct="1"/>
+              <a:pPr eaLnBrk="1" hangingPunct="1"/>
               <a:t>13</a:t>
             </a:fld>
             <a:endParaRPr lang="en-US" sz="1200" b="1" dirty="0">
@@ -9910,15 +9910,15 @@
             </a:lvl9pPr>
           </a:lstStyle>
           <a:p>
-            <a:pPr algn="l" eaLnBrk="1" hangingPunct="1"/>
-            <a:r>
-              <a:rPr lang="en-US" sz="1200" b="1" dirty="0" smtClean="0">
+            <a:pPr eaLnBrk="1" hangingPunct="1"/>
+            <a:r>
+              <a:rPr lang="en-US" sz="1200" b="1" dirty="0">
                 <a:solidFill>
                   <a:srgbClr val="122956"/>
                 </a:solidFill>
                 <a:cs typeface="Trebuchet MS" charset="0"/>
               </a:rPr>
-              <a:t>8-</a:t>
+              <a:t>ANIM-</a:t>
             </a:r>
             <a:fld id="{31B56995-E14C-B64F-86C9-12D6DB74A41E}" type="slidenum">
               <a:rPr lang="en-US" sz="1200" b="1">
@@ -9927,7 +9927,7 @@
                 </a:solidFill>
                 <a:cs typeface="Trebuchet MS" charset="0"/>
               </a:rPr>
-              <a:pPr algn="l" eaLnBrk="1" hangingPunct="1"/>
+              <a:pPr eaLnBrk="1" hangingPunct="1"/>
               <a:t>14</a:t>
             </a:fld>
             <a:endParaRPr lang="en-US" sz="1200" b="1" dirty="0">
@@ -10415,15 +10415,15 @@
             </a:lvl9pPr>
           </a:lstStyle>
           <a:p>
-            <a:pPr algn="l" eaLnBrk="1" hangingPunct="1"/>
-            <a:r>
-              <a:rPr lang="en-US" sz="1200" b="1" dirty="0" smtClean="0">
+            <a:pPr eaLnBrk="1" hangingPunct="1"/>
+            <a:r>
+              <a:rPr lang="en-US" sz="1200" b="1" dirty="0">
                 <a:solidFill>
                   <a:srgbClr val="122956"/>
                 </a:solidFill>
                 <a:cs typeface="Trebuchet MS" charset="0"/>
               </a:rPr>
-              <a:t>8-</a:t>
+              <a:t>ANIM-</a:t>
             </a:r>
             <a:fld id="{31B56995-E14C-B64F-86C9-12D6DB74A41E}" type="slidenum">
               <a:rPr lang="en-US" sz="1200" b="1">
@@ -10432,7 +10432,7 @@
                 </a:solidFill>
                 <a:cs typeface="Trebuchet MS" charset="0"/>
               </a:rPr>
-              <a:pPr algn="l" eaLnBrk="1" hangingPunct="1"/>
+              <a:pPr eaLnBrk="1" hangingPunct="1"/>
               <a:t>15</a:t>
             </a:fld>
             <a:endParaRPr lang="en-US" sz="1200" b="1" dirty="0">
@@ -10732,15 +10732,15 @@
             </a:lvl9pPr>
           </a:lstStyle>
           <a:p>
-            <a:pPr algn="l" eaLnBrk="1" hangingPunct="1"/>
-            <a:r>
-              <a:rPr lang="en-US" sz="1200" b="1" dirty="0" smtClean="0">
+            <a:pPr eaLnBrk="1" hangingPunct="1"/>
+            <a:r>
+              <a:rPr lang="en-US" sz="1200" b="1" dirty="0">
                 <a:solidFill>
                   <a:srgbClr val="122956"/>
                 </a:solidFill>
                 <a:cs typeface="Trebuchet MS" charset="0"/>
               </a:rPr>
-              <a:t>8-</a:t>
+              <a:t>ANIM-</a:t>
             </a:r>
             <a:fld id="{31B56995-E14C-B64F-86C9-12D6DB74A41E}" type="slidenum">
               <a:rPr lang="en-US" sz="1200" b="1">
@@ -10749,7 +10749,7 @@
                 </a:solidFill>
                 <a:cs typeface="Trebuchet MS" charset="0"/>
               </a:rPr>
-              <a:pPr algn="l" eaLnBrk="1" hangingPunct="1"/>
+              <a:pPr eaLnBrk="1" hangingPunct="1"/>
               <a:t>16</a:t>
             </a:fld>
             <a:endParaRPr lang="en-US" sz="1200" b="1" dirty="0">
@@ -11238,15 +11238,15 @@
             </a:lvl9pPr>
           </a:lstStyle>
           <a:p>
-            <a:pPr algn="l" eaLnBrk="1" hangingPunct="1"/>
-            <a:r>
-              <a:rPr lang="en-US" sz="1200" b="1" dirty="0" smtClean="0">
+            <a:pPr eaLnBrk="1" hangingPunct="1"/>
+            <a:r>
+              <a:rPr lang="en-US" sz="1200" b="1" dirty="0">
                 <a:solidFill>
                   <a:srgbClr val="122956"/>
                 </a:solidFill>
                 <a:cs typeface="Trebuchet MS" charset="0"/>
               </a:rPr>
-              <a:t>8-</a:t>
+              <a:t>ANIM-</a:t>
             </a:r>
             <a:fld id="{31B56995-E14C-B64F-86C9-12D6DB74A41E}" type="slidenum">
               <a:rPr lang="en-US" sz="1200" b="1">
@@ -11255,7 +11255,7 @@
                 </a:solidFill>
                 <a:cs typeface="Trebuchet MS" charset="0"/>
               </a:rPr>
-              <a:pPr algn="l" eaLnBrk="1" hangingPunct="1"/>
+              <a:pPr eaLnBrk="1" hangingPunct="1"/>
               <a:t>2</a:t>
             </a:fld>
             <a:endParaRPr lang="en-US" sz="1200" b="1" dirty="0">
@@ -11720,15 +11720,15 @@
             </a:lvl9pPr>
           </a:lstStyle>
           <a:p>
-            <a:pPr algn="l" eaLnBrk="1" hangingPunct="1"/>
-            <a:r>
-              <a:rPr lang="en-US" sz="1200" b="1" dirty="0" smtClean="0">
+            <a:pPr eaLnBrk="1" hangingPunct="1"/>
+            <a:r>
+              <a:rPr lang="en-US" sz="1200" b="1" dirty="0">
                 <a:solidFill>
                   <a:srgbClr val="122956"/>
                 </a:solidFill>
                 <a:cs typeface="Trebuchet MS" charset="0"/>
               </a:rPr>
-              <a:t>8-</a:t>
+              <a:t>ANIM-</a:t>
             </a:r>
             <a:fld id="{31B56995-E14C-B64F-86C9-12D6DB74A41E}" type="slidenum">
               <a:rPr lang="en-US" sz="1200" b="1">
@@ -11737,7 +11737,7 @@
                 </a:solidFill>
                 <a:cs typeface="Trebuchet MS" charset="0"/>
               </a:rPr>
-              <a:pPr algn="l" eaLnBrk="1" hangingPunct="1"/>
+              <a:pPr eaLnBrk="1" hangingPunct="1"/>
               <a:t>3</a:t>
             </a:fld>
             <a:endParaRPr lang="en-US" sz="1200" b="1" dirty="0">
@@ -12209,15 +12209,15 @@
             </a:lvl9pPr>
           </a:lstStyle>
           <a:p>
-            <a:pPr algn="l" eaLnBrk="1" hangingPunct="1"/>
-            <a:r>
-              <a:rPr lang="en-US" sz="1200" b="1" dirty="0" smtClean="0">
+            <a:pPr eaLnBrk="1" hangingPunct="1"/>
+            <a:r>
+              <a:rPr lang="en-US" sz="1200" b="1" dirty="0">
                 <a:solidFill>
                   <a:srgbClr val="122956"/>
                 </a:solidFill>
                 <a:cs typeface="Trebuchet MS" charset="0"/>
               </a:rPr>
-              <a:t>8-</a:t>
+              <a:t>ANIM-</a:t>
             </a:r>
             <a:fld id="{31B56995-E14C-B64F-86C9-12D6DB74A41E}" type="slidenum">
               <a:rPr lang="en-US" sz="1200" b="1">
@@ -12226,7 +12226,7 @@
                 </a:solidFill>
                 <a:cs typeface="Trebuchet MS" charset="0"/>
               </a:rPr>
-              <a:pPr algn="l" eaLnBrk="1" hangingPunct="1"/>
+              <a:pPr eaLnBrk="1" hangingPunct="1"/>
               <a:t>4</a:t>
             </a:fld>
             <a:endParaRPr lang="en-US" sz="1200" b="1" dirty="0">
@@ -12717,15 +12717,15 @@
             </a:lvl9pPr>
           </a:lstStyle>
           <a:p>
-            <a:pPr algn="l" eaLnBrk="1" hangingPunct="1"/>
-            <a:r>
-              <a:rPr lang="en-US" sz="1200" b="1" dirty="0" smtClean="0">
+            <a:pPr eaLnBrk="1" hangingPunct="1"/>
+            <a:r>
+              <a:rPr lang="en-US" sz="1200" b="1" dirty="0">
                 <a:solidFill>
                   <a:srgbClr val="122956"/>
                 </a:solidFill>
                 <a:cs typeface="Trebuchet MS" charset="0"/>
               </a:rPr>
-              <a:t>8-</a:t>
+              <a:t>ANIM-</a:t>
             </a:r>
             <a:fld id="{31B56995-E14C-B64F-86C9-12D6DB74A41E}" type="slidenum">
               <a:rPr lang="en-US" sz="1200" b="1">
@@ -12734,7 +12734,7 @@
                 </a:solidFill>
                 <a:cs typeface="Trebuchet MS" charset="0"/>
               </a:rPr>
-              <a:pPr algn="l" eaLnBrk="1" hangingPunct="1"/>
+              <a:pPr eaLnBrk="1" hangingPunct="1"/>
               <a:t>5</a:t>
             </a:fld>
             <a:endParaRPr lang="en-US" sz="1200" b="1" dirty="0">
@@ -13256,15 +13256,15 @@
             </a:lvl9pPr>
           </a:lstStyle>
           <a:p>
-            <a:pPr algn="l" eaLnBrk="1" hangingPunct="1"/>
-            <a:r>
-              <a:rPr lang="en-US" sz="1200" b="1" dirty="0" smtClean="0">
+            <a:pPr eaLnBrk="1" hangingPunct="1"/>
+            <a:r>
+              <a:rPr lang="en-US" sz="1200" b="1" dirty="0">
                 <a:solidFill>
                   <a:srgbClr val="122956"/>
                 </a:solidFill>
                 <a:cs typeface="Trebuchet MS" charset="0"/>
               </a:rPr>
-              <a:t>8-</a:t>
+              <a:t>ANIM-</a:t>
             </a:r>
             <a:fld id="{31B56995-E14C-B64F-86C9-12D6DB74A41E}" type="slidenum">
               <a:rPr lang="en-US" sz="1200" b="1">
@@ -13273,7 +13273,7 @@
                 </a:solidFill>
                 <a:cs typeface="Trebuchet MS" charset="0"/>
               </a:rPr>
-              <a:pPr algn="l" eaLnBrk="1" hangingPunct="1"/>
+              <a:pPr eaLnBrk="1" hangingPunct="1"/>
               <a:t>6</a:t>
             </a:fld>
             <a:endParaRPr lang="en-US" sz="1200" b="1" dirty="0">
@@ -13821,15 +13821,15 @@
             </a:lvl9pPr>
           </a:lstStyle>
           <a:p>
-            <a:pPr algn="l" eaLnBrk="1" hangingPunct="1"/>
-            <a:r>
-              <a:rPr lang="en-US" sz="1200" b="1" dirty="0" smtClean="0">
+            <a:pPr eaLnBrk="1" hangingPunct="1"/>
+            <a:r>
+              <a:rPr lang="en-US" sz="1200" b="1" dirty="0">
                 <a:solidFill>
                   <a:srgbClr val="122956"/>
                 </a:solidFill>
                 <a:cs typeface="Trebuchet MS" charset="0"/>
               </a:rPr>
-              <a:t>8-</a:t>
+              <a:t>ANIM-</a:t>
             </a:r>
             <a:fld id="{31B56995-E14C-B64F-86C9-12D6DB74A41E}" type="slidenum">
               <a:rPr lang="en-US" sz="1200" b="1">
@@ -13838,7 +13838,7 @@
                 </a:solidFill>
                 <a:cs typeface="Trebuchet MS" charset="0"/>
               </a:rPr>
-              <a:pPr algn="l" eaLnBrk="1" hangingPunct="1"/>
+              <a:pPr eaLnBrk="1" hangingPunct="1"/>
               <a:t>7</a:t>
             </a:fld>
             <a:endParaRPr lang="en-US" sz="1200" b="1" dirty="0">
@@ -14262,15 +14262,15 @@
             </a:lvl9pPr>
           </a:lstStyle>
           <a:p>
-            <a:pPr algn="l" eaLnBrk="1" hangingPunct="1"/>
-            <a:r>
-              <a:rPr lang="en-US" sz="1200" b="1" dirty="0" smtClean="0">
+            <a:pPr eaLnBrk="1" hangingPunct="1"/>
+            <a:r>
+              <a:rPr lang="en-US" sz="1200" b="1" dirty="0">
                 <a:solidFill>
                   <a:srgbClr val="122956"/>
                 </a:solidFill>
                 <a:cs typeface="Trebuchet MS" charset="0"/>
               </a:rPr>
-              <a:t>8-</a:t>
+              <a:t>ANIM-</a:t>
             </a:r>
             <a:fld id="{31B56995-E14C-B64F-86C9-12D6DB74A41E}" type="slidenum">
               <a:rPr lang="en-US" sz="1200" b="1">
@@ -14279,7 +14279,7 @@
                 </a:solidFill>
                 <a:cs typeface="Trebuchet MS" charset="0"/>
               </a:rPr>
-              <a:pPr algn="l" eaLnBrk="1" hangingPunct="1"/>
+              <a:pPr eaLnBrk="1" hangingPunct="1"/>
               <a:t>8</a:t>
             </a:fld>
             <a:endParaRPr lang="en-US" sz="1200" b="1" dirty="0">
@@ -14851,15 +14851,15 @@
             </a:lvl9pPr>
           </a:lstStyle>
           <a:p>
-            <a:pPr algn="l" eaLnBrk="1" hangingPunct="1"/>
-            <a:r>
-              <a:rPr lang="en-US" sz="1200" b="1" dirty="0" smtClean="0">
+            <a:pPr eaLnBrk="1" hangingPunct="1"/>
+            <a:r>
+              <a:rPr lang="en-US" sz="1200" b="1" dirty="0">
                 <a:solidFill>
                   <a:srgbClr val="122956"/>
                 </a:solidFill>
                 <a:cs typeface="Trebuchet MS" charset="0"/>
               </a:rPr>
-              <a:t>8-</a:t>
+              <a:t>ANIM-</a:t>
             </a:r>
             <a:fld id="{31B56995-E14C-B64F-86C9-12D6DB74A41E}" type="slidenum">
               <a:rPr lang="en-US" sz="1200" b="1">
@@ -14868,7 +14868,7 @@
                 </a:solidFill>
                 <a:cs typeface="Trebuchet MS" charset="0"/>
               </a:rPr>
-              <a:pPr algn="l" eaLnBrk="1" hangingPunct="1"/>
+              <a:pPr eaLnBrk="1" hangingPunct="1"/>
               <a:t>9</a:t>
             </a:fld>
             <a:endParaRPr lang="en-US" sz="1200" b="1" dirty="0">

--- a/340.pptx
+++ b/340.pptx
@@ -2490,7 +2490,19 @@
                 <a:cs typeface="Lucida Grande" charset="0"/>
                 <a:sym typeface="Lucida Grande" charset="0"/>
               </a:rPr>
-              <a:t> background colors on Android</a:t>
+              <a:t> background colors on </a:t>
+            </a:r>
+            <a:r>
+              <a:rPr lang="en-US" b="1" baseline="0" dirty="0" smtClean="0">
+                <a:solidFill>
+                  <a:srgbClr val="000000"/>
+                </a:solidFill>
+                <a:latin typeface="Lucida Grande" charset="0"/>
+                <a:ea typeface="ＭＳ Ｐゴシック" charset="0"/>
+                <a:cs typeface="Lucida Grande" charset="0"/>
+                <a:sym typeface="Lucida Grande" charset="0"/>
+              </a:rPr>
+              <a:t>Android, but the others work (mostly)</a:t>
             </a:r>
             <a:endParaRPr lang="en-US" b="1" dirty="0">
               <a:solidFill>
@@ -2764,7 +2776,61 @@
                 <a:cs typeface="Lucida Grande" charset="0"/>
                 <a:sym typeface="Lucida Grande" charset="0"/>
               </a:rPr>
-              <a:t> can combine these transformations</a:t>
+              <a:t> can combine these </a:t>
+            </a:r>
+            <a:r>
+              <a:rPr lang="en-US" b="0" baseline="0" dirty="0" smtClean="0">
+                <a:solidFill>
+                  <a:srgbClr val="000000"/>
+                </a:solidFill>
+                <a:latin typeface="Lucida Grande" charset="0"/>
+                <a:ea typeface="ＭＳ Ｐゴシック" charset="0"/>
+                <a:cs typeface="Lucida Grande" charset="0"/>
+                <a:sym typeface="Lucida Grande" charset="0"/>
+              </a:rPr>
+              <a:t>transformations</a:t>
+            </a:r>
+          </a:p>
+          <a:p>
+            <a:pPr marL="250825" indent="-171450" eaLnBrk="1" hangingPunct="1">
+              <a:buFontTx/>
+              <a:buChar char="-"/>
+            </a:pPr>
+            <a:r>
+              <a:rPr lang="en-US" b="0" baseline="0" dirty="0" smtClean="0">
+                <a:solidFill>
+                  <a:srgbClr val="000000"/>
+                </a:solidFill>
+                <a:latin typeface="Lucida Grande" charset="0"/>
+                <a:ea typeface="ＭＳ Ｐゴシック" charset="0"/>
+                <a:cs typeface="Lucida Grande" charset="0"/>
+                <a:sym typeface="Lucida Grande" charset="0"/>
+              </a:rPr>
+              <a:t>These work on </a:t>
+            </a:r>
+            <a:r>
+              <a:rPr lang="en-US" b="0" baseline="0" dirty="0" err="1" smtClean="0">
+                <a:solidFill>
+                  <a:srgbClr val="000000"/>
+                </a:solidFill>
+                <a:latin typeface="Lucida Grande" charset="0"/>
+                <a:ea typeface="ＭＳ Ｐゴシック" charset="0"/>
+                <a:cs typeface="Lucida Grande" charset="0"/>
+                <a:sym typeface="Lucida Grande" charset="0"/>
+              </a:rPr>
+              <a:t>iOS</a:t>
+            </a:r>
+            <a:r>
+              <a:rPr lang="en-US" b="0" baseline="0" dirty="0" smtClean="0">
+                <a:solidFill>
+                  <a:srgbClr val="000000"/>
+                </a:solidFill>
+                <a:latin typeface="Lucida Grande" charset="0"/>
+                <a:ea typeface="ＭＳ Ｐゴシック" charset="0"/>
+                <a:cs typeface="Lucida Grande" charset="0"/>
+                <a:sym typeface="Lucida Grande" charset="0"/>
+              </a:rPr>
+              <a:t> and (mostly) on Android</a:t>
             </a:r>
             <a:endParaRPr lang="en-US" b="0" dirty="0">
               <a:solidFill>
@@ -3038,7 +3104,31 @@
                 <a:cs typeface="Lucida Grande" charset="0"/>
                 <a:sym typeface="Lucida Grande" charset="0"/>
               </a:rPr>
-              <a:t>Not supported on Android</a:t>
+              <a:t>Not supported on </a:t>
+            </a:r>
+            <a:r>
+              <a:rPr lang="en-US" b="0" baseline="0" dirty="0" smtClean="0">
+                <a:solidFill>
+                  <a:srgbClr val="000000"/>
+                </a:solidFill>
+                <a:latin typeface="Lucida Grande" charset="0"/>
+                <a:ea typeface="ＭＳ Ｐゴシック" charset="0"/>
+                <a:cs typeface="Lucida Grande" charset="0"/>
+                <a:sym typeface="Lucida Grande" charset="0"/>
+              </a:rPr>
+              <a:t>Android, API docs inaccurate </a:t>
+            </a:r>
+            <a:r>
+              <a:rPr lang="en-US" b="0" baseline="0" smtClean="0">
+                <a:solidFill>
+                  <a:srgbClr val="000000"/>
+                </a:solidFill>
+                <a:latin typeface="Lucida Grande" charset="0"/>
+                <a:ea typeface="ＭＳ Ｐゴシック" charset="0"/>
+                <a:cs typeface="Lucida Grande" charset="0"/>
+                <a:sym typeface="Lucida Grande" charset="0"/>
+              </a:rPr>
+              <a:t>on this</a:t>
             </a:r>
             <a:endParaRPr lang="en-US" b="0" dirty="0">
               <a:solidFill>
@@ -3470,7 +3560,7 @@
               <a:pPr>
                 <a:defRPr/>
               </a:pPr>
-              <a:t>9/27/11</a:t>
+              <a:t>11/4/11</a:t>
             </a:fld>
             <a:endParaRPr lang="en-US"/>
           </a:p>
@@ -3891,7 +3981,7 @@
               <a:pPr>
                 <a:defRPr/>
               </a:pPr>
-              <a:t>9/27/11</a:t>
+              <a:t>11/4/11</a:t>
             </a:fld>
             <a:endParaRPr lang="en-US"/>
           </a:p>
@@ -4616,7 +4706,7 @@
               <a:pPr>
                 <a:defRPr/>
               </a:pPr>
-              <a:t>9/27/11</a:t>
+              <a:t>11/4/11</a:t>
             </a:fld>
             <a:endParaRPr lang="en-US"/>
           </a:p>
@@ -5169,7 +5259,7 @@
               <a:pPr>
                 <a:defRPr/>
               </a:pPr>
-              <a:t>9/27/11</a:t>
+              <a:t>11/4/11</a:t>
             </a:fld>
             <a:endParaRPr lang="en-US"/>
           </a:p>
@@ -5520,7 +5610,7 @@
               <a:pPr>
                 <a:defRPr/>
               </a:pPr>
-              <a:t>9/27/11</a:t>
+              <a:t>11/4/11</a:t>
             </a:fld>
             <a:endParaRPr lang="en-US"/>
           </a:p>
@@ -5878,7 +5968,7 @@
               <a:pPr>
                 <a:defRPr/>
               </a:pPr>
-              <a:t>9/27/11</a:t>
+              <a:t>11/4/11</a:t>
             </a:fld>
             <a:endParaRPr lang="en-US"/>
           </a:p>
@@ -6113,7 +6203,7 @@
               <a:pPr>
                 <a:defRPr/>
               </a:pPr>
-              <a:t>9/27/11</a:t>
+              <a:t>11/4/11</a:t>
             </a:fld>
             <a:endParaRPr lang="en-US"/>
           </a:p>
@@ -6405,7 +6495,7 @@
               <a:pPr>
                 <a:defRPr/>
               </a:pPr>
-              <a:t>9/27/11</a:t>
+              <a:t>11/4/11</a:t>
             </a:fld>
             <a:endParaRPr lang="en-US"/>
           </a:p>

--- a/340.pptx
+++ b/340.pptx
@@ -737,9 +737,22 @@
           <a:bodyPr/>
           <a:lstStyle/>
           <a:p>
-            <a:pPr marL="250825" indent="-171450" eaLnBrk="1" hangingPunct="1">
+            <a:pPr marL="250825" marR="0" indent="-171450" algn="l" defTabSz="914400" rtl="0" eaLnBrk="1" fontAlgn="base" latinLnBrk="0" hangingPunct="1">
+              <a:lnSpc>
+                <a:spcPct val="100000"/>
+              </a:lnSpc>
+              <a:spcBef>
+                <a:spcPct val="0"/>
+              </a:spcBef>
+              <a:spcAft>
+                <a:spcPct val="0"/>
+              </a:spcAft>
+              <a:buClrTx/>
+              <a:buSzTx/>
               <a:buFontTx/>
               <a:buChar char="-"/>
+              <a:tabLst/>
+              <a:defRPr/>
             </a:pPr>
             <a:r>
               <a:rPr lang="en-US" b="0" dirty="0" smtClean="0">
@@ -751,7 +764,7 @@
                 <a:cs typeface="Lucida Grande" charset="0"/>
                 <a:sym typeface="Lucida Grande" charset="0"/>
               </a:rPr>
-              <a:t>Set</a:t>
+              <a:t>Titanium.UI.iOS.3DMatrix as of 1.8 (was Ti.UI.3DMatrix</a:t>
             </a:r>
             <a:r>
               <a:rPr lang="en-US" b="0" baseline="0" dirty="0" smtClean="0">
@@ -763,7 +776,71 @@
                 <a:cs typeface="Lucida Grande" charset="0"/>
                 <a:sym typeface="Lucida Grande" charset="0"/>
               </a:rPr>
-              <a:t> up 3D transformations in much the same way as 2D</a:t>
+              <a:t> earlier)</a:t>
+            </a:r>
+            <a:endParaRPr lang="en-US" b="0" dirty="0" smtClean="0">
+              <a:solidFill>
+                <a:srgbClr val="000000"/>
+              </a:solidFill>
+              <a:latin typeface="Lucida Grande" charset="0"/>
+              <a:ea typeface="ＭＳ Ｐゴシック" charset="0"/>
+              <a:cs typeface="Lucida Grande" charset="0"/>
+              <a:sym typeface="Lucida Grande" charset="0"/>
+            </a:endParaRPr>
+          </a:p>
+          <a:p>
+            <a:pPr marL="250825" marR="0" indent="-171450" algn="l" defTabSz="914400" rtl="0" eaLnBrk="1" fontAlgn="base" latinLnBrk="0" hangingPunct="1">
+              <a:lnSpc>
+                <a:spcPct val="100000"/>
+              </a:lnSpc>
+              <a:spcBef>
+                <a:spcPct val="0"/>
+              </a:spcBef>
+              <a:spcAft>
+                <a:spcPct val="0"/>
+              </a:spcAft>
+              <a:buClrTx/>
+              <a:buSzTx/>
+              <a:buFontTx/>
+              <a:buChar char="-"/>
+              <a:tabLst/>
+              <a:defRPr/>
+            </a:pPr>
+            <a:r>
+              <a:rPr lang="en-US" b="0" dirty="0" smtClean="0">
+                <a:solidFill>
+                  <a:srgbClr val="000000"/>
+                </a:solidFill>
+                <a:latin typeface="Lucida Grande" charset="0"/>
+                <a:ea typeface="ＭＳ Ｐゴシック" charset="0"/>
+                <a:cs typeface="Lucida Grande" charset="0"/>
+                <a:sym typeface="Lucida Grande" charset="0"/>
+              </a:rPr>
+              <a:t>Set</a:t>
+            </a:r>
+            <a:r>
+              <a:rPr lang="en-US" b="0" baseline="0" dirty="0" smtClean="0">
+                <a:solidFill>
+                  <a:srgbClr val="000000"/>
+                </a:solidFill>
+                <a:latin typeface="Lucida Grande" charset="0"/>
+                <a:ea typeface="ＭＳ Ｐゴシック" charset="0"/>
+                <a:cs typeface="Lucida Grande" charset="0"/>
+                <a:sym typeface="Lucida Grande" charset="0"/>
+              </a:rPr>
+              <a:t> </a:t>
+            </a:r>
+            <a:r>
+              <a:rPr lang="en-US" b="0" baseline="0" dirty="0" smtClean="0">
+                <a:solidFill>
+                  <a:srgbClr val="000000"/>
+                </a:solidFill>
+                <a:latin typeface="Lucida Grande" charset="0"/>
+                <a:ea typeface="ＭＳ Ｐゴシック" charset="0"/>
+                <a:cs typeface="Lucida Grande" charset="0"/>
+                <a:sym typeface="Lucida Grande" charset="0"/>
+              </a:rPr>
+              <a:t>up 3D transformations in much the same way as 2D</a:t>
             </a:r>
           </a:p>
           <a:p>
@@ -2469,7 +2546,7 @@
               <a:buChar char="-"/>
             </a:pPr>
             <a:r>
-              <a:rPr lang="en-US" b="1" dirty="0" smtClean="0">
+              <a:rPr lang="en-US" b="0" dirty="0" smtClean="0">
                 <a:solidFill>
                   <a:srgbClr val="000000"/>
                 </a:solidFill>
@@ -2478,10 +2555,10 @@
                 <a:cs typeface="Lucida Grande" charset="0"/>
                 <a:sym typeface="Lucida Grande" charset="0"/>
               </a:rPr>
-              <a:t>Can’t animate</a:t>
-            </a:r>
-            <a:r>
-              <a:rPr lang="en-US" b="1" baseline="0" dirty="0" smtClean="0">
+              <a:t>B</a:t>
+            </a:r>
+            <a:r>
+              <a:rPr lang="en-US" b="0" baseline="0" dirty="0" smtClean="0">
                 <a:solidFill>
                   <a:srgbClr val="000000"/>
                 </a:solidFill>
@@ -2490,10 +2567,10 @@
                 <a:cs typeface="Lucida Grande" charset="0"/>
                 <a:sym typeface="Lucida Grande" charset="0"/>
               </a:rPr>
-              <a:t> background colors on </a:t>
-            </a:r>
-            <a:r>
-              <a:rPr lang="en-US" b="1" baseline="0" dirty="0" smtClean="0">
+              <a:t>ackground color animations </a:t>
+            </a:r>
+            <a:r>
+              <a:rPr lang="en-US" b="0" baseline="0" dirty="0" smtClean="0">
                 <a:solidFill>
                   <a:srgbClr val="000000"/>
                 </a:solidFill>
@@ -2502,9 +2579,21 @@
                 <a:cs typeface="Lucida Grande" charset="0"/>
                 <a:sym typeface="Lucida Grande" charset="0"/>
               </a:rPr>
-              <a:t>Android, but the others work (mostly)</a:t>
-            </a:r>
-            <a:endParaRPr lang="en-US" b="1" dirty="0">
+              <a:t>on </a:t>
+            </a:r>
+            <a:r>
+              <a:rPr lang="en-US" b="0" baseline="0" dirty="0" smtClean="0">
+                <a:solidFill>
+                  <a:srgbClr val="000000"/>
+                </a:solidFill>
+                <a:latin typeface="Lucida Grande" charset="0"/>
+                <a:ea typeface="ＭＳ Ｐゴシック" charset="0"/>
+                <a:cs typeface="Lucida Grande" charset="0"/>
+                <a:sym typeface="Lucida Grande" charset="0"/>
+              </a:rPr>
+              <a:t>Android with SDK 1.8+</a:t>
+            </a:r>
+            <a:endParaRPr lang="en-US" b="0" dirty="0">
               <a:solidFill>
                 <a:srgbClr val="000000"/>
               </a:solidFill>
@@ -2776,19 +2865,7 @@
                 <a:cs typeface="Lucida Grande" charset="0"/>
                 <a:sym typeface="Lucida Grande" charset="0"/>
               </a:rPr>
-              <a:t> can combine these </a:t>
-            </a:r>
-            <a:r>
-              <a:rPr lang="en-US" b="0" baseline="0" dirty="0" smtClean="0">
-                <a:solidFill>
-                  <a:srgbClr val="000000"/>
-                </a:solidFill>
-                <a:latin typeface="Lucida Grande" charset="0"/>
-                <a:ea typeface="ＭＳ Ｐゴシック" charset="0"/>
-                <a:cs typeface="Lucida Grande" charset="0"/>
-                <a:sym typeface="Lucida Grande" charset="0"/>
-              </a:rPr>
-              <a:t>transformations</a:t>
+              <a:t> can combine these transformations</a:t>
             </a:r>
           </a:p>
           <a:p>
@@ -3104,19 +3181,7 @@
                 <a:cs typeface="Lucida Grande" charset="0"/>
                 <a:sym typeface="Lucida Grande" charset="0"/>
               </a:rPr>
-              <a:t>Not supported on </a:t>
-            </a:r>
-            <a:r>
-              <a:rPr lang="en-US" b="0" baseline="0" dirty="0" smtClean="0">
-                <a:solidFill>
-                  <a:srgbClr val="000000"/>
-                </a:solidFill>
-                <a:latin typeface="Lucida Grande" charset="0"/>
-                <a:ea typeface="ＭＳ Ｐゴシック" charset="0"/>
-                <a:cs typeface="Lucida Grande" charset="0"/>
-                <a:sym typeface="Lucida Grande" charset="0"/>
-              </a:rPr>
-              <a:t>Android, API docs inaccurate </a:t>
+              <a:t>Not supported on Android, API docs inaccurate </a:t>
             </a:r>
             <a:r>
               <a:rPr lang="en-US" b="0" baseline="0" smtClean="0">
@@ -3560,7 +3625,7 @@
               <a:pPr>
                 <a:defRPr/>
               </a:pPr>
-              <a:t>11/4/11</a:t>
+              <a:t>12/14/11</a:t>
             </a:fld>
             <a:endParaRPr lang="en-US"/>
           </a:p>
@@ -3981,7 +4046,7 @@
               <a:pPr>
                 <a:defRPr/>
               </a:pPr>
-              <a:t>11/4/11</a:t>
+              <a:t>12/14/11</a:t>
             </a:fld>
             <a:endParaRPr lang="en-US"/>
           </a:p>
@@ -4706,7 +4771,7 @@
               <a:pPr>
                 <a:defRPr/>
               </a:pPr>
-              <a:t>11/4/11</a:t>
+              <a:t>12/14/11</a:t>
             </a:fld>
             <a:endParaRPr lang="en-US"/>
           </a:p>
@@ -5259,7 +5324,7 @@
               <a:pPr>
                 <a:defRPr/>
               </a:pPr>
-              <a:t>11/4/11</a:t>
+              <a:t>12/14/11</a:t>
             </a:fld>
             <a:endParaRPr lang="en-US"/>
           </a:p>
@@ -5610,7 +5675,7 @@
               <a:pPr>
                 <a:defRPr/>
               </a:pPr>
-              <a:t>11/4/11</a:t>
+              <a:t>12/14/11</a:t>
             </a:fld>
             <a:endParaRPr lang="en-US"/>
           </a:p>
@@ -5968,7 +6033,7 @@
               <a:pPr>
                 <a:defRPr/>
               </a:pPr>
-              <a:t>11/4/11</a:t>
+              <a:t>12/14/11</a:t>
             </a:fld>
             <a:endParaRPr lang="en-US"/>
           </a:p>
@@ -6203,7 +6268,7 @@
               <a:pPr>
                 <a:defRPr/>
               </a:pPr>
-              <a:t>11/4/11</a:t>
+              <a:t>12/14/11</a:t>
             </a:fld>
             <a:endParaRPr lang="en-US"/>
           </a:p>
@@ -6495,7 +6560,7 @@
               <a:pPr>
                 <a:defRPr/>
               </a:pPr>
-              <a:t>11/4/11</a:t>
+              <a:t>12/14/11</a:t>
             </a:fld>
             <a:endParaRPr lang="en-US"/>
           </a:p>
